--- a/CPatMiner_2.pptx
+++ b/CPatMiner_2.pptx
@@ -5,12 +5,12 @@
     <p:sldMasterId id="2147483672" r:id="rId1"/>
   </p:sldMasterIdLst>
   <p:notesMasterIdLst>
-    <p:notesMasterId r:id="rId36"/>
+    <p:notesMasterId r:id="rId34"/>
   </p:notesMasterIdLst>
   <p:sldIdLst>
     <p:sldId id="256" r:id="rId2"/>
     <p:sldId id="390" r:id="rId3"/>
-    <p:sldId id="417" r:id="rId4"/>
+    <p:sldId id="431" r:id="rId4"/>
     <p:sldId id="416" r:id="rId5"/>
     <p:sldId id="415" r:id="rId6"/>
     <p:sldId id="414" r:id="rId7"/>
@@ -21,27 +21,25 @@
     <p:sldId id="429" r:id="rId12"/>
     <p:sldId id="430" r:id="rId13"/>
     <p:sldId id="427" r:id="rId14"/>
-    <p:sldId id="426" r:id="rId15"/>
-    <p:sldId id="421" r:id="rId16"/>
-    <p:sldId id="420" r:id="rId17"/>
-    <p:sldId id="393" r:id="rId18"/>
-    <p:sldId id="394" r:id="rId19"/>
-    <p:sldId id="395" r:id="rId20"/>
-    <p:sldId id="396" r:id="rId21"/>
-    <p:sldId id="397" r:id="rId22"/>
-    <p:sldId id="398" r:id="rId23"/>
-    <p:sldId id="369" r:id="rId24"/>
-    <p:sldId id="399" r:id="rId25"/>
-    <p:sldId id="400" r:id="rId26"/>
-    <p:sldId id="401" r:id="rId27"/>
-    <p:sldId id="402" r:id="rId28"/>
-    <p:sldId id="403" r:id="rId29"/>
-    <p:sldId id="404" r:id="rId30"/>
-    <p:sldId id="405" r:id="rId31"/>
-    <p:sldId id="406" r:id="rId32"/>
-    <p:sldId id="407" r:id="rId33"/>
-    <p:sldId id="408" r:id="rId34"/>
-    <p:sldId id="267" r:id="rId35"/>
+    <p:sldId id="420" r:id="rId15"/>
+    <p:sldId id="393" r:id="rId16"/>
+    <p:sldId id="394" r:id="rId17"/>
+    <p:sldId id="395" r:id="rId18"/>
+    <p:sldId id="396" r:id="rId19"/>
+    <p:sldId id="397" r:id="rId20"/>
+    <p:sldId id="398" r:id="rId21"/>
+    <p:sldId id="369" r:id="rId22"/>
+    <p:sldId id="399" r:id="rId23"/>
+    <p:sldId id="400" r:id="rId24"/>
+    <p:sldId id="401" r:id="rId25"/>
+    <p:sldId id="402" r:id="rId26"/>
+    <p:sldId id="403" r:id="rId27"/>
+    <p:sldId id="404" r:id="rId28"/>
+    <p:sldId id="405" r:id="rId29"/>
+    <p:sldId id="406" r:id="rId30"/>
+    <p:sldId id="407" r:id="rId31"/>
+    <p:sldId id="408" r:id="rId32"/>
+    <p:sldId id="267" r:id="rId33"/>
   </p:sldIdLst>
   <p:sldSz cx="12192000" cy="6858000"/>
   <p:notesSz cx="6858000" cy="9144000"/>
@@ -151,7 +149,7 @@
         <p14:section name="Motivation" id="{EC07DD81-CB05-4BB9-B37D-C8CCE3754F5C}">
           <p14:sldIdLst>
             <p14:sldId id="390"/>
-            <p14:sldId id="417"/>
+            <p14:sldId id="431"/>
             <p14:sldId id="416"/>
             <p14:sldId id="415"/>
             <p14:sldId id="414"/>
@@ -162,8 +160,6 @@
             <p14:sldId id="429"/>
             <p14:sldId id="430"/>
             <p14:sldId id="427"/>
-            <p14:sldId id="426"/>
-            <p14:sldId id="421"/>
             <p14:sldId id="420"/>
             <p14:sldId id="393"/>
             <p14:sldId id="394"/>
@@ -643,430 +639,7 @@
 </p:notes>
 </file>
 
-<file path=ppt/notesSlides/notesSlide2.xml><?xml version="1.0" encoding="utf-8"?>
-<p:notes xmlns:a="http://schemas.openxmlformats.org/drawingml/2006/main" xmlns:r="http://schemas.openxmlformats.org/officeDocument/2006/relationships" xmlns:p="http://schemas.openxmlformats.org/presentationml/2006/main">
-  <p:cSld>
-    <p:spTree>
-      <p:nvGrpSpPr>
-        <p:cNvPr id="1" name=""/>
-        <p:cNvGrpSpPr/>
-        <p:nvPr/>
-      </p:nvGrpSpPr>
-      <p:grpSpPr>
-        <a:xfrm>
-          <a:off x="0" y="0"/>
-          <a:ext cx="0" cy="0"/>
-          <a:chOff x="0" y="0"/>
-          <a:chExt cx="0" cy="0"/>
-        </a:xfrm>
-      </p:grpSpPr>
-      <p:sp>
-        <p:nvSpPr>
-          <p:cNvPr id="2" name="Slide Image Placeholder 1"/>
-          <p:cNvSpPr>
-            <a:spLocks noGrp="1" noRot="1" noChangeAspect="1"/>
-          </p:cNvSpPr>
-          <p:nvPr>
-            <p:ph type="sldImg"/>
-          </p:nvPr>
-        </p:nvSpPr>
-        <p:spPr/>
-      </p:sp>
-      <p:sp>
-        <p:nvSpPr>
-          <p:cNvPr id="3" name="Notes Placeholder 2"/>
-          <p:cNvSpPr>
-            <a:spLocks noGrp="1"/>
-          </p:cNvSpPr>
-          <p:nvPr>
-            <p:ph type="body" idx="1"/>
-          </p:nvPr>
-        </p:nvSpPr>
-        <p:spPr/>
-        <p:txBody>
-          <a:bodyPr/>
-          <a:lstStyle/>
-          <a:p>
-            <a:endParaRPr lang="en-US" dirty="0"/>
-          </a:p>
-        </p:txBody>
-      </p:sp>
-      <p:sp>
-        <p:nvSpPr>
-          <p:cNvPr id="4" name="Slide Number Placeholder 3"/>
-          <p:cNvSpPr>
-            <a:spLocks noGrp="1"/>
-          </p:cNvSpPr>
-          <p:nvPr>
-            <p:ph type="sldNum" sz="quarter" idx="5"/>
-          </p:nvPr>
-        </p:nvSpPr>
-        <p:spPr/>
-        <p:txBody>
-          <a:bodyPr/>
-          <a:lstStyle/>
-          <a:p>
-            <a:fld id="{BAB2008C-91E3-4B37-A00E-33FD942C0F37}" type="slidenum">
-              <a:rPr lang="en-US" smtClean="0"/>
-              <a:t>6</a:t>
-            </a:fld>
-            <a:endParaRPr lang="en-US"/>
-          </a:p>
-        </p:txBody>
-      </p:sp>
-    </p:spTree>
-    <p:extLst>
-      <p:ext uri="{BB962C8B-B14F-4D97-AF65-F5344CB8AC3E}">
-        <p14:creationId xmlns:p14="http://schemas.microsoft.com/office/powerpoint/2010/main" val="3626810662"/>
-      </p:ext>
-    </p:extLst>
-  </p:cSld>
-  <p:clrMapOvr>
-    <a:masterClrMapping/>
-  </p:clrMapOvr>
-</p:notes>
-</file>
-
-<file path=ppt/notesSlides/notesSlide3.xml><?xml version="1.0" encoding="utf-8"?>
-<p:notes xmlns:a="http://schemas.openxmlformats.org/drawingml/2006/main" xmlns:r="http://schemas.openxmlformats.org/officeDocument/2006/relationships" xmlns:p="http://schemas.openxmlformats.org/presentationml/2006/main">
-  <p:cSld>
-    <p:spTree>
-      <p:nvGrpSpPr>
-        <p:cNvPr id="1" name=""/>
-        <p:cNvGrpSpPr/>
-        <p:nvPr/>
-      </p:nvGrpSpPr>
-      <p:grpSpPr>
-        <a:xfrm>
-          <a:off x="0" y="0"/>
-          <a:ext cx="0" cy="0"/>
-          <a:chOff x="0" y="0"/>
-          <a:chExt cx="0" cy="0"/>
-        </a:xfrm>
-      </p:grpSpPr>
-      <p:sp>
-        <p:nvSpPr>
-          <p:cNvPr id="2" name="Slide Image Placeholder 1"/>
-          <p:cNvSpPr>
-            <a:spLocks noGrp="1" noRot="1" noChangeAspect="1"/>
-          </p:cNvSpPr>
-          <p:nvPr>
-            <p:ph type="sldImg"/>
-          </p:nvPr>
-        </p:nvSpPr>
-        <p:spPr/>
-      </p:sp>
-      <p:sp>
-        <p:nvSpPr>
-          <p:cNvPr id="3" name="Notes Placeholder 2"/>
-          <p:cNvSpPr>
-            <a:spLocks noGrp="1"/>
-          </p:cNvSpPr>
-          <p:nvPr>
-            <p:ph type="body" idx="1"/>
-          </p:nvPr>
-        </p:nvSpPr>
-        <p:spPr/>
-        <p:txBody>
-          <a:bodyPr/>
-          <a:lstStyle/>
-          <a:p>
-            <a:endParaRPr lang="en-US" dirty="0"/>
-          </a:p>
-        </p:txBody>
-      </p:sp>
-      <p:sp>
-        <p:nvSpPr>
-          <p:cNvPr id="4" name="Slide Number Placeholder 3"/>
-          <p:cNvSpPr>
-            <a:spLocks noGrp="1"/>
-          </p:cNvSpPr>
-          <p:nvPr>
-            <p:ph type="sldNum" sz="quarter" idx="5"/>
-          </p:nvPr>
-        </p:nvSpPr>
-        <p:spPr/>
-        <p:txBody>
-          <a:bodyPr/>
-          <a:lstStyle/>
-          <a:p>
-            <a:fld id="{BAB2008C-91E3-4B37-A00E-33FD942C0F37}" type="slidenum">
-              <a:rPr lang="en-US" smtClean="0"/>
-              <a:t>9</a:t>
-            </a:fld>
-            <a:endParaRPr lang="en-US"/>
-          </a:p>
-        </p:txBody>
-      </p:sp>
-    </p:spTree>
-    <p:extLst>
-      <p:ext uri="{BB962C8B-B14F-4D97-AF65-F5344CB8AC3E}">
-        <p14:creationId xmlns:p14="http://schemas.microsoft.com/office/powerpoint/2010/main" val="570585553"/>
-      </p:ext>
-    </p:extLst>
-  </p:cSld>
-  <p:clrMapOvr>
-    <a:masterClrMapping/>
-  </p:clrMapOvr>
-</p:notes>
-</file>
-
-<file path=ppt/notesSlides/notesSlide4.xml><?xml version="1.0" encoding="utf-8"?>
-<p:notes xmlns:a="http://schemas.openxmlformats.org/drawingml/2006/main" xmlns:r="http://schemas.openxmlformats.org/officeDocument/2006/relationships" xmlns:p="http://schemas.openxmlformats.org/presentationml/2006/main">
-  <p:cSld>
-    <p:spTree>
-      <p:nvGrpSpPr>
-        <p:cNvPr id="1" name=""/>
-        <p:cNvGrpSpPr/>
-        <p:nvPr/>
-      </p:nvGrpSpPr>
-      <p:grpSpPr>
-        <a:xfrm>
-          <a:off x="0" y="0"/>
-          <a:ext cx="0" cy="0"/>
-          <a:chOff x="0" y="0"/>
-          <a:chExt cx="0" cy="0"/>
-        </a:xfrm>
-      </p:grpSpPr>
-      <p:sp>
-        <p:nvSpPr>
-          <p:cNvPr id="2" name="Slide Image Placeholder 1"/>
-          <p:cNvSpPr>
-            <a:spLocks noGrp="1" noRot="1" noChangeAspect="1"/>
-          </p:cNvSpPr>
-          <p:nvPr>
-            <p:ph type="sldImg"/>
-          </p:nvPr>
-        </p:nvSpPr>
-        <p:spPr/>
-      </p:sp>
-      <p:sp>
-        <p:nvSpPr>
-          <p:cNvPr id="3" name="Notes Placeholder 2"/>
-          <p:cNvSpPr>
-            <a:spLocks noGrp="1"/>
-          </p:cNvSpPr>
-          <p:nvPr>
-            <p:ph type="body" idx="1"/>
-          </p:nvPr>
-        </p:nvSpPr>
-        <p:spPr/>
-        <p:txBody>
-          <a:bodyPr/>
-          <a:lstStyle/>
-          <a:p>
-            <a:endParaRPr lang="en-US" dirty="0"/>
-          </a:p>
-        </p:txBody>
-      </p:sp>
-      <p:sp>
-        <p:nvSpPr>
-          <p:cNvPr id="4" name="Slide Number Placeholder 3"/>
-          <p:cNvSpPr>
-            <a:spLocks noGrp="1"/>
-          </p:cNvSpPr>
-          <p:nvPr>
-            <p:ph type="sldNum" sz="quarter" idx="5"/>
-          </p:nvPr>
-        </p:nvSpPr>
-        <p:spPr/>
-        <p:txBody>
-          <a:bodyPr/>
-          <a:lstStyle/>
-          <a:p>
-            <a:fld id="{BAB2008C-91E3-4B37-A00E-33FD942C0F37}" type="slidenum">
-              <a:rPr lang="en-US" smtClean="0"/>
-              <a:t>10</a:t>
-            </a:fld>
-            <a:endParaRPr lang="en-US"/>
-          </a:p>
-        </p:txBody>
-      </p:sp>
-    </p:spTree>
-    <p:extLst>
-      <p:ext uri="{BB962C8B-B14F-4D97-AF65-F5344CB8AC3E}">
-        <p14:creationId xmlns:p14="http://schemas.microsoft.com/office/powerpoint/2010/main" val="778662367"/>
-      </p:ext>
-    </p:extLst>
-  </p:cSld>
-  <p:clrMapOvr>
-    <a:masterClrMapping/>
-  </p:clrMapOvr>
-</p:notes>
-</file>
-
-<file path=ppt/notesSlides/notesSlide5.xml><?xml version="1.0" encoding="utf-8"?>
-<p:notes xmlns:a="http://schemas.openxmlformats.org/drawingml/2006/main" xmlns:r="http://schemas.openxmlformats.org/officeDocument/2006/relationships" xmlns:p="http://schemas.openxmlformats.org/presentationml/2006/main">
-  <p:cSld>
-    <p:spTree>
-      <p:nvGrpSpPr>
-        <p:cNvPr id="1" name=""/>
-        <p:cNvGrpSpPr/>
-        <p:nvPr/>
-      </p:nvGrpSpPr>
-      <p:grpSpPr>
-        <a:xfrm>
-          <a:off x="0" y="0"/>
-          <a:ext cx="0" cy="0"/>
-          <a:chOff x="0" y="0"/>
-          <a:chExt cx="0" cy="0"/>
-        </a:xfrm>
-      </p:grpSpPr>
-      <p:sp>
-        <p:nvSpPr>
-          <p:cNvPr id="2" name="Slide Image Placeholder 1"/>
-          <p:cNvSpPr>
-            <a:spLocks noGrp="1" noRot="1" noChangeAspect="1"/>
-          </p:cNvSpPr>
-          <p:nvPr>
-            <p:ph type="sldImg"/>
-          </p:nvPr>
-        </p:nvSpPr>
-        <p:spPr/>
-      </p:sp>
-      <p:sp>
-        <p:nvSpPr>
-          <p:cNvPr id="3" name="Notes Placeholder 2"/>
-          <p:cNvSpPr>
-            <a:spLocks noGrp="1"/>
-          </p:cNvSpPr>
-          <p:nvPr>
-            <p:ph type="body" idx="1"/>
-          </p:nvPr>
-        </p:nvSpPr>
-        <p:spPr/>
-        <p:txBody>
-          <a:bodyPr/>
-          <a:lstStyle/>
-          <a:p>
-            <a:r>
-              <a:rPr lang="en-US" dirty="0"/>
-              <a:t>Un-related semantic changes could not be sufficiently distinguished by syntactic representation</a:t>
-            </a:r>
-          </a:p>
-        </p:txBody>
-      </p:sp>
-      <p:sp>
-        <p:nvSpPr>
-          <p:cNvPr id="4" name="Slide Number Placeholder 3"/>
-          <p:cNvSpPr>
-            <a:spLocks noGrp="1"/>
-          </p:cNvSpPr>
-          <p:nvPr>
-            <p:ph type="sldNum" sz="quarter" idx="5"/>
-          </p:nvPr>
-        </p:nvSpPr>
-        <p:spPr/>
-        <p:txBody>
-          <a:bodyPr/>
-          <a:lstStyle/>
-          <a:p>
-            <a:fld id="{BAB2008C-91E3-4B37-A00E-33FD942C0F37}" type="slidenum">
-              <a:rPr lang="en-US" smtClean="0"/>
-              <a:t>12</a:t>
-            </a:fld>
-            <a:endParaRPr lang="en-US"/>
-          </a:p>
-        </p:txBody>
-      </p:sp>
-    </p:spTree>
-    <p:extLst>
-      <p:ext uri="{BB962C8B-B14F-4D97-AF65-F5344CB8AC3E}">
-        <p14:creationId xmlns:p14="http://schemas.microsoft.com/office/powerpoint/2010/main" val="3406819622"/>
-      </p:ext>
-    </p:extLst>
-  </p:cSld>
-  <p:clrMapOvr>
-    <a:masterClrMapping/>
-  </p:clrMapOvr>
-</p:notes>
-</file>
-
-<file path=ppt/notesSlides/notesSlide6.xml><?xml version="1.0" encoding="utf-8"?>
-<p:notes xmlns:a="http://schemas.openxmlformats.org/drawingml/2006/main" xmlns:r="http://schemas.openxmlformats.org/officeDocument/2006/relationships" xmlns:p="http://schemas.openxmlformats.org/presentationml/2006/main">
-  <p:cSld>
-    <p:spTree>
-      <p:nvGrpSpPr>
-        <p:cNvPr id="1" name=""/>
-        <p:cNvGrpSpPr/>
-        <p:nvPr/>
-      </p:nvGrpSpPr>
-      <p:grpSpPr>
-        <a:xfrm>
-          <a:off x="0" y="0"/>
-          <a:ext cx="0" cy="0"/>
-          <a:chOff x="0" y="0"/>
-          <a:chExt cx="0" cy="0"/>
-        </a:xfrm>
-      </p:grpSpPr>
-      <p:sp>
-        <p:nvSpPr>
-          <p:cNvPr id="2" name="Slide Image Placeholder 1"/>
-          <p:cNvSpPr>
-            <a:spLocks noGrp="1" noRot="1" noChangeAspect="1"/>
-          </p:cNvSpPr>
-          <p:nvPr>
-            <p:ph type="sldImg"/>
-          </p:nvPr>
-        </p:nvSpPr>
-        <p:spPr/>
-      </p:sp>
-      <p:sp>
-        <p:nvSpPr>
-          <p:cNvPr id="3" name="Notes Placeholder 2"/>
-          <p:cNvSpPr>
-            <a:spLocks noGrp="1"/>
-          </p:cNvSpPr>
-          <p:nvPr>
-            <p:ph type="body" idx="1"/>
-          </p:nvPr>
-        </p:nvSpPr>
-        <p:spPr/>
-        <p:txBody>
-          <a:bodyPr/>
-          <a:lstStyle/>
-          <a:p>
-            <a:endParaRPr lang="en-US" dirty="0"/>
-          </a:p>
-        </p:txBody>
-      </p:sp>
-      <p:sp>
-        <p:nvSpPr>
-          <p:cNvPr id="4" name="Slide Number Placeholder 3"/>
-          <p:cNvSpPr>
-            <a:spLocks noGrp="1"/>
-          </p:cNvSpPr>
-          <p:nvPr>
-            <p:ph type="sldNum" sz="quarter" idx="5"/>
-          </p:nvPr>
-        </p:nvSpPr>
-        <p:spPr/>
-        <p:txBody>
-          <a:bodyPr/>
-          <a:lstStyle/>
-          <a:p>
-            <a:fld id="{BAB2008C-91E3-4B37-A00E-33FD942C0F37}" type="slidenum">
-              <a:rPr lang="en-US" smtClean="0"/>
-              <a:t>22</a:t>
-            </a:fld>
-            <a:endParaRPr lang="en-US"/>
-          </a:p>
-        </p:txBody>
-      </p:sp>
-    </p:spTree>
-    <p:extLst>
-      <p:ext uri="{BB962C8B-B14F-4D97-AF65-F5344CB8AC3E}">
-        <p14:creationId xmlns:p14="http://schemas.microsoft.com/office/powerpoint/2010/main" val="2610976505"/>
-      </p:ext>
-    </p:extLst>
-  </p:cSld>
-  <p:clrMapOvr>
-    <a:masterClrMapping/>
-  </p:clrMapOvr>
-</p:notes>
-</file>
-
-<file path=ppt/notesSlides/notesSlide7.xml><?xml version="1.0" encoding="utf-8"?>
+<file path=ppt/notesSlides/notesSlide10.xml><?xml version="1.0" encoding="utf-8"?>
 <p:notes xmlns:a="http://schemas.openxmlformats.org/drawingml/2006/main" xmlns:r="http://schemas.openxmlformats.org/officeDocument/2006/relationships" xmlns:p="http://schemas.openxmlformats.org/presentationml/2006/main">
   <p:cSld>
     <p:spTree>
@@ -1174,7 +747,7 @@
           <a:p>
             <a:fld id="{BAB2008C-91E3-4B37-A00E-33FD942C0F37}" type="slidenum">
               <a:rPr lang="en-US" smtClean="0"/>
-              <a:t>23</a:t>
+              <a:t>21</a:t>
             </a:fld>
             <a:endParaRPr lang="en-US"/>
           </a:p>
@@ -1184,6 +757,597 @@
     <p:extLst>
       <p:ext uri="{BB962C8B-B14F-4D97-AF65-F5344CB8AC3E}">
         <p14:creationId xmlns:p14="http://schemas.microsoft.com/office/powerpoint/2010/main" val="3098613663"/>
+      </p:ext>
+    </p:extLst>
+  </p:cSld>
+  <p:clrMapOvr>
+    <a:masterClrMapping/>
+  </p:clrMapOvr>
+</p:notes>
+</file>
+
+<file path=ppt/notesSlides/notesSlide11.xml><?xml version="1.0" encoding="utf-8"?>
+<p:notes xmlns:a="http://schemas.openxmlformats.org/drawingml/2006/main" xmlns:r="http://schemas.openxmlformats.org/officeDocument/2006/relationships" xmlns:p="http://schemas.openxmlformats.org/presentationml/2006/main">
+  <p:cSld>
+    <p:spTree>
+      <p:nvGrpSpPr>
+        <p:cNvPr id="1" name=""/>
+        <p:cNvGrpSpPr/>
+        <p:nvPr/>
+      </p:nvGrpSpPr>
+      <p:grpSpPr>
+        <a:xfrm>
+          <a:off x="0" y="0"/>
+          <a:ext cx="0" cy="0"/>
+          <a:chOff x="0" y="0"/>
+          <a:chExt cx="0" cy="0"/>
+        </a:xfrm>
+      </p:grpSpPr>
+      <p:sp>
+        <p:nvSpPr>
+          <p:cNvPr id="2" name="Slide Image Placeholder 1"/>
+          <p:cNvSpPr>
+            <a:spLocks noGrp="1" noRot="1" noChangeAspect="1"/>
+          </p:cNvSpPr>
+          <p:nvPr>
+            <p:ph type="sldImg"/>
+          </p:nvPr>
+        </p:nvSpPr>
+        <p:spPr/>
+      </p:sp>
+      <p:sp>
+        <p:nvSpPr>
+          <p:cNvPr id="3" name="Notes Placeholder 2"/>
+          <p:cNvSpPr>
+            <a:spLocks noGrp="1"/>
+          </p:cNvSpPr>
+          <p:nvPr>
+            <p:ph type="body" idx="1"/>
+          </p:nvPr>
+        </p:nvSpPr>
+        <p:spPr/>
+        <p:txBody>
+          <a:bodyPr/>
+          <a:lstStyle/>
+          <a:p>
+            <a:endParaRPr lang="en-US" dirty="0"/>
+          </a:p>
+        </p:txBody>
+      </p:sp>
+      <p:sp>
+        <p:nvSpPr>
+          <p:cNvPr id="4" name="Slide Number Placeholder 3"/>
+          <p:cNvSpPr>
+            <a:spLocks noGrp="1"/>
+          </p:cNvSpPr>
+          <p:nvPr>
+            <p:ph type="sldNum" sz="quarter" idx="5"/>
+          </p:nvPr>
+        </p:nvSpPr>
+        <p:spPr/>
+        <p:txBody>
+          <a:bodyPr/>
+          <a:lstStyle/>
+          <a:p>
+            <a:fld id="{BAB2008C-91E3-4B37-A00E-33FD942C0F37}" type="slidenum">
+              <a:rPr lang="en-US" smtClean="0"/>
+              <a:t>22</a:t>
+            </a:fld>
+            <a:endParaRPr lang="en-US"/>
+          </a:p>
+        </p:txBody>
+      </p:sp>
+    </p:spTree>
+    <p:extLst>
+      <p:ext uri="{BB962C8B-B14F-4D97-AF65-F5344CB8AC3E}">
+        <p14:creationId xmlns:p14="http://schemas.microsoft.com/office/powerpoint/2010/main" val="2464698073"/>
+      </p:ext>
+    </p:extLst>
+  </p:cSld>
+  <p:clrMapOvr>
+    <a:masterClrMapping/>
+  </p:clrMapOvr>
+</p:notes>
+</file>
+
+<file path=ppt/notesSlides/notesSlide2.xml><?xml version="1.0" encoding="utf-8"?>
+<p:notes xmlns:a="http://schemas.openxmlformats.org/drawingml/2006/main" xmlns:r="http://schemas.openxmlformats.org/officeDocument/2006/relationships" xmlns:p="http://schemas.openxmlformats.org/presentationml/2006/main">
+  <p:cSld>
+    <p:spTree>
+      <p:nvGrpSpPr>
+        <p:cNvPr id="1" name=""/>
+        <p:cNvGrpSpPr/>
+        <p:nvPr/>
+      </p:nvGrpSpPr>
+      <p:grpSpPr>
+        <a:xfrm>
+          <a:off x="0" y="0"/>
+          <a:ext cx="0" cy="0"/>
+          <a:chOff x="0" y="0"/>
+          <a:chExt cx="0" cy="0"/>
+        </a:xfrm>
+      </p:grpSpPr>
+      <p:sp>
+        <p:nvSpPr>
+          <p:cNvPr id="2" name="Slide Image Placeholder 1"/>
+          <p:cNvSpPr>
+            <a:spLocks noGrp="1" noRot="1" noChangeAspect="1"/>
+          </p:cNvSpPr>
+          <p:nvPr>
+            <p:ph type="sldImg"/>
+          </p:nvPr>
+        </p:nvSpPr>
+        <p:spPr/>
+      </p:sp>
+      <p:sp>
+        <p:nvSpPr>
+          <p:cNvPr id="3" name="Notes Placeholder 2"/>
+          <p:cNvSpPr>
+            <a:spLocks noGrp="1"/>
+          </p:cNvSpPr>
+          <p:nvPr>
+            <p:ph type="body" idx="1"/>
+          </p:nvPr>
+        </p:nvSpPr>
+        <p:spPr/>
+        <p:txBody>
+          <a:bodyPr/>
+          <a:lstStyle/>
+          <a:p>
+            <a:endParaRPr lang="en-US" dirty="0"/>
+          </a:p>
+        </p:txBody>
+      </p:sp>
+      <p:sp>
+        <p:nvSpPr>
+          <p:cNvPr id="4" name="Slide Number Placeholder 3"/>
+          <p:cNvSpPr>
+            <a:spLocks noGrp="1"/>
+          </p:cNvSpPr>
+          <p:nvPr>
+            <p:ph type="sldNum" sz="quarter" idx="5"/>
+          </p:nvPr>
+        </p:nvSpPr>
+        <p:spPr/>
+        <p:txBody>
+          <a:bodyPr/>
+          <a:lstStyle/>
+          <a:p>
+            <a:fld id="{BAB2008C-91E3-4B37-A00E-33FD942C0F37}" type="slidenum">
+              <a:rPr lang="en-US" smtClean="0"/>
+              <a:t>2</a:t>
+            </a:fld>
+            <a:endParaRPr lang="en-US"/>
+          </a:p>
+        </p:txBody>
+      </p:sp>
+    </p:spTree>
+    <p:extLst>
+      <p:ext uri="{BB962C8B-B14F-4D97-AF65-F5344CB8AC3E}">
+        <p14:creationId xmlns:p14="http://schemas.microsoft.com/office/powerpoint/2010/main" val="1691661249"/>
+      </p:ext>
+    </p:extLst>
+  </p:cSld>
+  <p:clrMapOvr>
+    <a:masterClrMapping/>
+  </p:clrMapOvr>
+</p:notes>
+</file>
+
+<file path=ppt/notesSlides/notesSlide3.xml><?xml version="1.0" encoding="utf-8"?>
+<p:notes xmlns:a="http://schemas.openxmlformats.org/drawingml/2006/main" xmlns:r="http://schemas.openxmlformats.org/officeDocument/2006/relationships" xmlns:p="http://schemas.openxmlformats.org/presentationml/2006/main">
+  <p:cSld>
+    <p:spTree>
+      <p:nvGrpSpPr>
+        <p:cNvPr id="1" name=""/>
+        <p:cNvGrpSpPr/>
+        <p:nvPr/>
+      </p:nvGrpSpPr>
+      <p:grpSpPr>
+        <a:xfrm>
+          <a:off x="0" y="0"/>
+          <a:ext cx="0" cy="0"/>
+          <a:chOff x="0" y="0"/>
+          <a:chExt cx="0" cy="0"/>
+        </a:xfrm>
+      </p:grpSpPr>
+      <p:sp>
+        <p:nvSpPr>
+          <p:cNvPr id="2" name="Slide Image Placeholder 1"/>
+          <p:cNvSpPr>
+            <a:spLocks noGrp="1" noRot="1" noChangeAspect="1"/>
+          </p:cNvSpPr>
+          <p:nvPr>
+            <p:ph type="sldImg"/>
+          </p:nvPr>
+        </p:nvSpPr>
+        <p:spPr/>
+      </p:sp>
+      <p:sp>
+        <p:nvSpPr>
+          <p:cNvPr id="3" name="Notes Placeholder 2"/>
+          <p:cNvSpPr>
+            <a:spLocks noGrp="1"/>
+          </p:cNvSpPr>
+          <p:nvPr>
+            <p:ph type="body" idx="1"/>
+          </p:nvPr>
+        </p:nvSpPr>
+        <p:spPr/>
+        <p:txBody>
+          <a:bodyPr/>
+          <a:lstStyle/>
+          <a:p>
+            <a:endParaRPr lang="en-US" dirty="0"/>
+          </a:p>
+        </p:txBody>
+      </p:sp>
+      <p:sp>
+        <p:nvSpPr>
+          <p:cNvPr id="4" name="Slide Number Placeholder 3"/>
+          <p:cNvSpPr>
+            <a:spLocks noGrp="1"/>
+          </p:cNvSpPr>
+          <p:nvPr>
+            <p:ph type="sldNum" sz="quarter" idx="5"/>
+          </p:nvPr>
+        </p:nvSpPr>
+        <p:spPr/>
+        <p:txBody>
+          <a:bodyPr/>
+          <a:lstStyle/>
+          <a:p>
+            <a:fld id="{BAB2008C-91E3-4B37-A00E-33FD942C0F37}" type="slidenum">
+              <a:rPr lang="en-US" smtClean="0"/>
+              <a:t>3</a:t>
+            </a:fld>
+            <a:endParaRPr lang="en-US"/>
+          </a:p>
+        </p:txBody>
+      </p:sp>
+    </p:spTree>
+    <p:extLst>
+      <p:ext uri="{BB962C8B-B14F-4D97-AF65-F5344CB8AC3E}">
+        <p14:creationId xmlns:p14="http://schemas.microsoft.com/office/powerpoint/2010/main" val="4253164948"/>
+      </p:ext>
+    </p:extLst>
+  </p:cSld>
+  <p:clrMapOvr>
+    <a:masterClrMapping/>
+  </p:clrMapOvr>
+</p:notes>
+</file>
+
+<file path=ppt/notesSlides/notesSlide4.xml><?xml version="1.0" encoding="utf-8"?>
+<p:notes xmlns:a="http://schemas.openxmlformats.org/drawingml/2006/main" xmlns:r="http://schemas.openxmlformats.org/officeDocument/2006/relationships" xmlns:p="http://schemas.openxmlformats.org/presentationml/2006/main">
+  <p:cSld>
+    <p:spTree>
+      <p:nvGrpSpPr>
+        <p:cNvPr id="1" name=""/>
+        <p:cNvGrpSpPr/>
+        <p:nvPr/>
+      </p:nvGrpSpPr>
+      <p:grpSpPr>
+        <a:xfrm>
+          <a:off x="0" y="0"/>
+          <a:ext cx="0" cy="0"/>
+          <a:chOff x="0" y="0"/>
+          <a:chExt cx="0" cy="0"/>
+        </a:xfrm>
+      </p:grpSpPr>
+      <p:sp>
+        <p:nvSpPr>
+          <p:cNvPr id="2" name="Slide Image Placeholder 1"/>
+          <p:cNvSpPr>
+            <a:spLocks noGrp="1" noRot="1" noChangeAspect="1"/>
+          </p:cNvSpPr>
+          <p:nvPr>
+            <p:ph type="sldImg"/>
+          </p:nvPr>
+        </p:nvSpPr>
+        <p:spPr/>
+      </p:sp>
+      <p:sp>
+        <p:nvSpPr>
+          <p:cNvPr id="3" name="Notes Placeholder 2"/>
+          <p:cNvSpPr>
+            <a:spLocks noGrp="1"/>
+          </p:cNvSpPr>
+          <p:nvPr>
+            <p:ph type="body" idx="1"/>
+          </p:nvPr>
+        </p:nvSpPr>
+        <p:spPr/>
+        <p:txBody>
+          <a:bodyPr/>
+          <a:lstStyle/>
+          <a:p>
+            <a:endParaRPr lang="en-US" dirty="0"/>
+          </a:p>
+        </p:txBody>
+      </p:sp>
+      <p:sp>
+        <p:nvSpPr>
+          <p:cNvPr id="4" name="Slide Number Placeholder 3"/>
+          <p:cNvSpPr>
+            <a:spLocks noGrp="1"/>
+          </p:cNvSpPr>
+          <p:nvPr>
+            <p:ph type="sldNum" sz="quarter" idx="5"/>
+          </p:nvPr>
+        </p:nvSpPr>
+        <p:spPr/>
+        <p:txBody>
+          <a:bodyPr/>
+          <a:lstStyle/>
+          <a:p>
+            <a:fld id="{BAB2008C-91E3-4B37-A00E-33FD942C0F37}" type="slidenum">
+              <a:rPr lang="en-US" smtClean="0"/>
+              <a:t>6</a:t>
+            </a:fld>
+            <a:endParaRPr lang="en-US"/>
+          </a:p>
+        </p:txBody>
+      </p:sp>
+    </p:spTree>
+    <p:extLst>
+      <p:ext uri="{BB962C8B-B14F-4D97-AF65-F5344CB8AC3E}">
+        <p14:creationId xmlns:p14="http://schemas.microsoft.com/office/powerpoint/2010/main" val="3626810662"/>
+      </p:ext>
+    </p:extLst>
+  </p:cSld>
+  <p:clrMapOvr>
+    <a:masterClrMapping/>
+  </p:clrMapOvr>
+</p:notes>
+</file>
+
+<file path=ppt/notesSlides/notesSlide5.xml><?xml version="1.0" encoding="utf-8"?>
+<p:notes xmlns:a="http://schemas.openxmlformats.org/drawingml/2006/main" xmlns:r="http://schemas.openxmlformats.org/officeDocument/2006/relationships" xmlns:p="http://schemas.openxmlformats.org/presentationml/2006/main">
+  <p:cSld>
+    <p:spTree>
+      <p:nvGrpSpPr>
+        <p:cNvPr id="1" name=""/>
+        <p:cNvGrpSpPr/>
+        <p:nvPr/>
+      </p:nvGrpSpPr>
+      <p:grpSpPr>
+        <a:xfrm>
+          <a:off x="0" y="0"/>
+          <a:ext cx="0" cy="0"/>
+          <a:chOff x="0" y="0"/>
+          <a:chExt cx="0" cy="0"/>
+        </a:xfrm>
+      </p:grpSpPr>
+      <p:sp>
+        <p:nvSpPr>
+          <p:cNvPr id="2" name="Slide Image Placeholder 1"/>
+          <p:cNvSpPr>
+            <a:spLocks noGrp="1" noRot="1" noChangeAspect="1"/>
+          </p:cNvSpPr>
+          <p:nvPr>
+            <p:ph type="sldImg"/>
+          </p:nvPr>
+        </p:nvSpPr>
+        <p:spPr/>
+      </p:sp>
+      <p:sp>
+        <p:nvSpPr>
+          <p:cNvPr id="3" name="Notes Placeholder 2"/>
+          <p:cNvSpPr>
+            <a:spLocks noGrp="1"/>
+          </p:cNvSpPr>
+          <p:nvPr>
+            <p:ph type="body" idx="1"/>
+          </p:nvPr>
+        </p:nvSpPr>
+        <p:spPr/>
+        <p:txBody>
+          <a:bodyPr/>
+          <a:lstStyle/>
+          <a:p>
+            <a:endParaRPr lang="en-US" dirty="0"/>
+          </a:p>
+        </p:txBody>
+      </p:sp>
+      <p:sp>
+        <p:nvSpPr>
+          <p:cNvPr id="4" name="Slide Number Placeholder 3"/>
+          <p:cNvSpPr>
+            <a:spLocks noGrp="1"/>
+          </p:cNvSpPr>
+          <p:nvPr>
+            <p:ph type="sldNum" sz="quarter" idx="5"/>
+          </p:nvPr>
+        </p:nvSpPr>
+        <p:spPr/>
+        <p:txBody>
+          <a:bodyPr/>
+          <a:lstStyle/>
+          <a:p>
+            <a:fld id="{BAB2008C-91E3-4B37-A00E-33FD942C0F37}" type="slidenum">
+              <a:rPr lang="en-US" smtClean="0"/>
+              <a:t>9</a:t>
+            </a:fld>
+            <a:endParaRPr lang="en-US"/>
+          </a:p>
+        </p:txBody>
+      </p:sp>
+    </p:spTree>
+    <p:extLst>
+      <p:ext uri="{BB962C8B-B14F-4D97-AF65-F5344CB8AC3E}">
+        <p14:creationId xmlns:p14="http://schemas.microsoft.com/office/powerpoint/2010/main" val="570585553"/>
+      </p:ext>
+    </p:extLst>
+  </p:cSld>
+  <p:clrMapOvr>
+    <a:masterClrMapping/>
+  </p:clrMapOvr>
+</p:notes>
+</file>
+
+<file path=ppt/notesSlides/notesSlide6.xml><?xml version="1.0" encoding="utf-8"?>
+<p:notes xmlns:a="http://schemas.openxmlformats.org/drawingml/2006/main" xmlns:r="http://schemas.openxmlformats.org/officeDocument/2006/relationships" xmlns:p="http://schemas.openxmlformats.org/presentationml/2006/main">
+  <p:cSld>
+    <p:spTree>
+      <p:nvGrpSpPr>
+        <p:cNvPr id="1" name=""/>
+        <p:cNvGrpSpPr/>
+        <p:nvPr/>
+      </p:nvGrpSpPr>
+      <p:grpSpPr>
+        <a:xfrm>
+          <a:off x="0" y="0"/>
+          <a:ext cx="0" cy="0"/>
+          <a:chOff x="0" y="0"/>
+          <a:chExt cx="0" cy="0"/>
+        </a:xfrm>
+      </p:grpSpPr>
+      <p:sp>
+        <p:nvSpPr>
+          <p:cNvPr id="2" name="Slide Image Placeholder 1"/>
+          <p:cNvSpPr>
+            <a:spLocks noGrp="1" noRot="1" noChangeAspect="1"/>
+          </p:cNvSpPr>
+          <p:nvPr>
+            <p:ph type="sldImg"/>
+          </p:nvPr>
+        </p:nvSpPr>
+        <p:spPr/>
+      </p:sp>
+      <p:sp>
+        <p:nvSpPr>
+          <p:cNvPr id="3" name="Notes Placeholder 2"/>
+          <p:cNvSpPr>
+            <a:spLocks noGrp="1"/>
+          </p:cNvSpPr>
+          <p:nvPr>
+            <p:ph type="body" idx="1"/>
+          </p:nvPr>
+        </p:nvSpPr>
+        <p:spPr/>
+        <p:txBody>
+          <a:bodyPr/>
+          <a:lstStyle/>
+          <a:p>
+            <a:endParaRPr lang="en-US" dirty="0"/>
+          </a:p>
+        </p:txBody>
+      </p:sp>
+      <p:sp>
+        <p:nvSpPr>
+          <p:cNvPr id="4" name="Slide Number Placeholder 3"/>
+          <p:cNvSpPr>
+            <a:spLocks noGrp="1"/>
+          </p:cNvSpPr>
+          <p:nvPr>
+            <p:ph type="sldNum" sz="quarter" idx="5"/>
+          </p:nvPr>
+        </p:nvSpPr>
+        <p:spPr/>
+        <p:txBody>
+          <a:bodyPr/>
+          <a:lstStyle/>
+          <a:p>
+            <a:fld id="{BAB2008C-91E3-4B37-A00E-33FD942C0F37}" type="slidenum">
+              <a:rPr lang="en-US" smtClean="0"/>
+              <a:t>10</a:t>
+            </a:fld>
+            <a:endParaRPr lang="en-US"/>
+          </a:p>
+        </p:txBody>
+      </p:sp>
+    </p:spTree>
+    <p:extLst>
+      <p:ext uri="{BB962C8B-B14F-4D97-AF65-F5344CB8AC3E}">
+        <p14:creationId xmlns:p14="http://schemas.microsoft.com/office/powerpoint/2010/main" val="778662367"/>
+      </p:ext>
+    </p:extLst>
+  </p:cSld>
+  <p:clrMapOvr>
+    <a:masterClrMapping/>
+  </p:clrMapOvr>
+</p:notes>
+</file>
+
+<file path=ppt/notesSlides/notesSlide7.xml><?xml version="1.0" encoding="utf-8"?>
+<p:notes xmlns:a="http://schemas.openxmlformats.org/drawingml/2006/main" xmlns:r="http://schemas.openxmlformats.org/officeDocument/2006/relationships" xmlns:p="http://schemas.openxmlformats.org/presentationml/2006/main">
+  <p:cSld>
+    <p:spTree>
+      <p:nvGrpSpPr>
+        <p:cNvPr id="1" name=""/>
+        <p:cNvGrpSpPr/>
+        <p:nvPr/>
+      </p:nvGrpSpPr>
+      <p:grpSpPr>
+        <a:xfrm>
+          <a:off x="0" y="0"/>
+          <a:ext cx="0" cy="0"/>
+          <a:chOff x="0" y="0"/>
+          <a:chExt cx="0" cy="0"/>
+        </a:xfrm>
+      </p:grpSpPr>
+      <p:sp>
+        <p:nvSpPr>
+          <p:cNvPr id="2" name="Slide Image Placeholder 1"/>
+          <p:cNvSpPr>
+            <a:spLocks noGrp="1" noRot="1" noChangeAspect="1"/>
+          </p:cNvSpPr>
+          <p:nvPr>
+            <p:ph type="sldImg"/>
+          </p:nvPr>
+        </p:nvSpPr>
+        <p:spPr/>
+      </p:sp>
+      <p:sp>
+        <p:nvSpPr>
+          <p:cNvPr id="3" name="Notes Placeholder 2"/>
+          <p:cNvSpPr>
+            <a:spLocks noGrp="1"/>
+          </p:cNvSpPr>
+          <p:nvPr>
+            <p:ph type="body" idx="1"/>
+          </p:nvPr>
+        </p:nvSpPr>
+        <p:spPr/>
+        <p:txBody>
+          <a:bodyPr/>
+          <a:lstStyle/>
+          <a:p>
+            <a:r>
+              <a:rPr lang="en-US" dirty="0"/>
+              <a:t>Un-related semantic changes could not be sufficiently distinguished by syntactic representation</a:t>
+            </a:r>
+          </a:p>
+        </p:txBody>
+      </p:sp>
+      <p:sp>
+        <p:nvSpPr>
+          <p:cNvPr id="4" name="Slide Number Placeholder 3"/>
+          <p:cNvSpPr>
+            <a:spLocks noGrp="1"/>
+          </p:cNvSpPr>
+          <p:nvPr>
+            <p:ph type="sldNum" sz="quarter" idx="5"/>
+          </p:nvPr>
+        </p:nvSpPr>
+        <p:spPr/>
+        <p:txBody>
+          <a:bodyPr/>
+          <a:lstStyle/>
+          <a:p>
+            <a:fld id="{BAB2008C-91E3-4B37-A00E-33FD942C0F37}" type="slidenum">
+              <a:rPr lang="en-US" smtClean="0"/>
+              <a:t>12</a:t>
+            </a:fld>
+            <a:endParaRPr lang="en-US"/>
+          </a:p>
+        </p:txBody>
+      </p:sp>
+    </p:spTree>
+    <p:extLst>
+      <p:ext uri="{BB962C8B-B14F-4D97-AF65-F5344CB8AC3E}">
+        <p14:creationId xmlns:p14="http://schemas.microsoft.com/office/powerpoint/2010/main" val="3406819622"/>
       </p:ext>
     </p:extLst>
   </p:cSld>
@@ -1258,7 +1422,7 @@
           <a:p>
             <a:fld id="{BAB2008C-91E3-4B37-A00E-33FD942C0F37}" type="slidenum">
               <a:rPr lang="en-US" smtClean="0"/>
-              <a:t>24</a:t>
+              <a:t>17</a:t>
             </a:fld>
             <a:endParaRPr lang="en-US"/>
           </a:p>
@@ -1267,7 +1431,91 @@
     </p:spTree>
     <p:extLst>
       <p:ext uri="{BB962C8B-B14F-4D97-AF65-F5344CB8AC3E}">
-        <p14:creationId xmlns:p14="http://schemas.microsoft.com/office/powerpoint/2010/main" val="2464698073"/>
+        <p14:creationId xmlns:p14="http://schemas.microsoft.com/office/powerpoint/2010/main" val="2426619542"/>
+      </p:ext>
+    </p:extLst>
+  </p:cSld>
+  <p:clrMapOvr>
+    <a:masterClrMapping/>
+  </p:clrMapOvr>
+</p:notes>
+</file>
+
+<file path=ppt/notesSlides/notesSlide9.xml><?xml version="1.0" encoding="utf-8"?>
+<p:notes xmlns:a="http://schemas.openxmlformats.org/drawingml/2006/main" xmlns:r="http://schemas.openxmlformats.org/officeDocument/2006/relationships" xmlns:p="http://schemas.openxmlformats.org/presentationml/2006/main">
+  <p:cSld>
+    <p:spTree>
+      <p:nvGrpSpPr>
+        <p:cNvPr id="1" name=""/>
+        <p:cNvGrpSpPr/>
+        <p:nvPr/>
+      </p:nvGrpSpPr>
+      <p:grpSpPr>
+        <a:xfrm>
+          <a:off x="0" y="0"/>
+          <a:ext cx="0" cy="0"/>
+          <a:chOff x="0" y="0"/>
+          <a:chExt cx="0" cy="0"/>
+        </a:xfrm>
+      </p:grpSpPr>
+      <p:sp>
+        <p:nvSpPr>
+          <p:cNvPr id="2" name="Slide Image Placeholder 1"/>
+          <p:cNvSpPr>
+            <a:spLocks noGrp="1" noRot="1" noChangeAspect="1"/>
+          </p:cNvSpPr>
+          <p:nvPr>
+            <p:ph type="sldImg"/>
+          </p:nvPr>
+        </p:nvSpPr>
+        <p:spPr/>
+      </p:sp>
+      <p:sp>
+        <p:nvSpPr>
+          <p:cNvPr id="3" name="Notes Placeholder 2"/>
+          <p:cNvSpPr>
+            <a:spLocks noGrp="1"/>
+          </p:cNvSpPr>
+          <p:nvPr>
+            <p:ph type="body" idx="1"/>
+          </p:nvPr>
+        </p:nvSpPr>
+        <p:spPr/>
+        <p:txBody>
+          <a:bodyPr/>
+          <a:lstStyle/>
+          <a:p>
+            <a:endParaRPr lang="en-US" dirty="0"/>
+          </a:p>
+        </p:txBody>
+      </p:sp>
+      <p:sp>
+        <p:nvSpPr>
+          <p:cNvPr id="4" name="Slide Number Placeholder 3"/>
+          <p:cNvSpPr>
+            <a:spLocks noGrp="1"/>
+          </p:cNvSpPr>
+          <p:nvPr>
+            <p:ph type="sldNum" sz="quarter" idx="5"/>
+          </p:nvPr>
+        </p:nvSpPr>
+        <p:spPr/>
+        <p:txBody>
+          <a:bodyPr/>
+          <a:lstStyle/>
+          <a:p>
+            <a:fld id="{BAB2008C-91E3-4B37-A00E-33FD942C0F37}" type="slidenum">
+              <a:rPr lang="en-US" smtClean="0"/>
+              <a:t>20</a:t>
+            </a:fld>
+            <a:endParaRPr lang="en-US"/>
+          </a:p>
+        </p:txBody>
+      </p:sp>
+    </p:spTree>
+    <p:extLst>
+      <p:ext uri="{BB962C8B-B14F-4D97-AF65-F5344CB8AC3E}">
+        <p14:creationId xmlns:p14="http://schemas.microsoft.com/office/powerpoint/2010/main" val="2610976505"/>
       </p:ext>
     </p:extLst>
   </p:cSld>
@@ -6757,61 +7005,6 @@
           </p:txBody>
         </p:sp>
       </p:grpSp>
-      <p:sp>
-        <p:nvSpPr>
-          <p:cNvPr id="15" name="Rectangle 14">
-            <a:extLst>
-              <a:ext uri="{FF2B5EF4-FFF2-40B4-BE49-F238E27FC236}">
-                <a16:creationId xmlns:a16="http://schemas.microsoft.com/office/drawing/2014/main" id="{FD1F8F9B-DEBF-4940-8749-E1E7797EFAD7}"/>
-              </a:ext>
-            </a:extLst>
-          </p:cNvPr>
-          <p:cNvSpPr/>
-          <p:nvPr/>
-        </p:nvSpPr>
-        <p:spPr>
-          <a:xfrm>
-            <a:off x="6217626" y="5259881"/>
-            <a:ext cx="4538858" cy="719527"/>
-          </a:xfrm>
-          <a:prstGeom prst="rect">
-            <a:avLst/>
-          </a:prstGeom>
-          <a:noFill/>
-          <a:ln w="28575" cap="flat">
-            <a:solidFill>
-              <a:srgbClr val="FF0000"/>
-            </a:solidFill>
-            <a:miter lim="400000"/>
-          </a:ln>
-          <a:effectLst>
-            <a:outerShdw blurRad="50800" dist="12700" rotWithShape="0">
-              <a:srgbClr val="000000">
-                <a:alpha val="50000"/>
-              </a:srgbClr>
-            </a:outerShdw>
-          </a:effectLst>
-          <a:extLst>
-            <a:ext uri="{C572A759-6A51-4108-AA02-DFA0A04FC94B}">
-              <ma14:wrappingTextBoxFlag xmlns:ma14="http://schemas.microsoft.com/office/mac/drawingml/2011/main" xmlns="" val="1"/>
-            </a:ext>
-          </a:extLst>
-        </p:spPr>
-        <p:txBody>
-          <a:bodyPr wrap="square" lIns="50800" tIns="50800" rIns="50800" bIns="50800" numCol="1" rtlCol="0" anchor="ctr">
-            <a:noAutofit/>
-          </a:bodyPr>
-          <a:lstStyle/>
-          <a:p>
-            <a:pPr algn="ctr"/>
-            <a:endParaRPr lang="en-US" sz="2400" dirty="0">
-              <a:solidFill>
-                <a:srgbClr val="FFFFFF"/>
-              </a:solidFill>
-            </a:endParaRPr>
-          </a:p>
-        </p:txBody>
-      </p:sp>
       <p:grpSp>
         <p:nvGrpSpPr>
           <p:cNvPr id="11" name="Group 10">
@@ -7573,175 +7766,378 @@
           </p:txBody>
         </p:sp>
       </p:grpSp>
-      <p:sp>
-        <p:nvSpPr>
-          <p:cNvPr id="17" name="Rectangle 16">
+      <p:grpSp>
+        <p:nvGrpSpPr>
+          <p:cNvPr id="25" name="Group 24">
             <a:extLst>
               <a:ext uri="{FF2B5EF4-FFF2-40B4-BE49-F238E27FC236}">
-                <a16:creationId xmlns:a16="http://schemas.microsoft.com/office/drawing/2014/main" id="{59A87858-AB00-2942-BB19-AAD3C97745C5}"/>
+                <a16:creationId xmlns:a16="http://schemas.microsoft.com/office/drawing/2014/main" id="{482F5856-5CE4-E74D-B2CB-95CA0C4B7AEA}"/>
               </a:ext>
             </a:extLst>
           </p:cNvPr>
-          <p:cNvSpPr/>
+          <p:cNvGrpSpPr/>
           <p:nvPr/>
-        </p:nvSpPr>
-        <p:spPr>
+        </p:nvGrpSpPr>
+        <p:grpSpPr>
           <a:xfrm>
             <a:off x="6191702" y="3124390"/>
-            <a:ext cx="4538858" cy="668147"/>
+            <a:ext cx="4564782" cy="2855018"/>
+            <a:chOff x="6191702" y="3124390"/>
+            <a:chExt cx="4564782" cy="2855018"/>
           </a:xfrm>
-          <a:prstGeom prst="rect">
-            <a:avLst/>
-          </a:prstGeom>
-          <a:noFill/>
-          <a:ln w="28575" cap="flat">
-            <a:solidFill>
-              <a:srgbClr val="FF0000"/>
-            </a:solidFill>
-            <a:miter lim="400000"/>
-          </a:ln>
-          <a:effectLst>
-            <a:outerShdw blurRad="50800" dist="12700" rotWithShape="0">
-              <a:srgbClr val="000000">
-                <a:alpha val="50000"/>
-              </a:srgbClr>
-            </a:outerShdw>
-          </a:effectLst>
-          <a:extLst>
-            <a:ext uri="{C572A759-6A51-4108-AA02-DFA0A04FC94B}">
-              <ma14:wrappingTextBoxFlag xmlns:ma14="http://schemas.microsoft.com/office/mac/drawingml/2011/main" xmlns="" val="1"/>
-            </a:ext>
-          </a:extLst>
-        </p:spPr>
-        <p:txBody>
-          <a:bodyPr wrap="square" lIns="50800" tIns="50800" rIns="50800" bIns="50800" numCol="1" rtlCol="0" anchor="ctr">
-            <a:noAutofit/>
-          </a:bodyPr>
-          <a:lstStyle/>
-          <a:p>
-            <a:pPr algn="ctr"/>
-            <a:endParaRPr lang="en-US" sz="2400" dirty="0">
+        </p:grpSpPr>
+        <p:sp>
+          <p:nvSpPr>
+            <p:cNvPr id="15" name="Rectangle 14">
+              <a:extLst>
+                <a:ext uri="{FF2B5EF4-FFF2-40B4-BE49-F238E27FC236}">
+                  <a16:creationId xmlns:a16="http://schemas.microsoft.com/office/drawing/2014/main" id="{FD1F8F9B-DEBF-4940-8749-E1E7797EFAD7}"/>
+                </a:ext>
+              </a:extLst>
+            </p:cNvPr>
+            <p:cNvSpPr/>
+            <p:nvPr/>
+          </p:nvSpPr>
+          <p:spPr>
+            <a:xfrm>
+              <a:off x="6217626" y="5259881"/>
+              <a:ext cx="4538858" cy="719527"/>
+            </a:xfrm>
+            <a:prstGeom prst="rect">
+              <a:avLst/>
+            </a:prstGeom>
+            <a:noFill/>
+            <a:ln w="28575" cap="flat">
               <a:solidFill>
-                <a:srgbClr val="FFFFFF"/>
+                <a:srgbClr val="00B0F0"/>
               </a:solidFill>
-            </a:endParaRPr>
-          </a:p>
-        </p:txBody>
-      </p:sp>
-      <p:sp>
-        <p:nvSpPr>
-          <p:cNvPr id="18" name="Left Arrow 17">
+              <a:miter lim="400000"/>
+            </a:ln>
+            <a:effectLst>
+              <a:outerShdw blurRad="50800" dist="12700" rotWithShape="0">
+                <a:srgbClr val="000000">
+                  <a:alpha val="50000"/>
+                </a:srgbClr>
+              </a:outerShdw>
+            </a:effectLst>
+            <a:extLst>
+              <a:ext uri="{C572A759-6A51-4108-AA02-DFA0A04FC94B}">
+                <ma14:wrappingTextBoxFlag xmlns:ma14="http://schemas.microsoft.com/office/mac/drawingml/2011/main" xmlns="" val="1"/>
+              </a:ext>
+            </a:extLst>
+          </p:spPr>
+          <p:txBody>
+            <a:bodyPr wrap="square" lIns="50800" tIns="50800" rIns="50800" bIns="50800" numCol="1" rtlCol="0" anchor="ctr">
+              <a:noAutofit/>
+            </a:bodyPr>
+            <a:lstStyle/>
+            <a:p>
+              <a:pPr algn="ctr"/>
+              <a:endParaRPr lang="en-US" sz="2400" dirty="0">
+                <a:solidFill>
+                  <a:srgbClr val="FFFFFF"/>
+                </a:solidFill>
+              </a:endParaRPr>
+            </a:p>
+          </p:txBody>
+        </p:sp>
+        <p:sp>
+          <p:nvSpPr>
+            <p:cNvPr id="17" name="Rectangle 16">
+              <a:extLst>
+                <a:ext uri="{FF2B5EF4-FFF2-40B4-BE49-F238E27FC236}">
+                  <a16:creationId xmlns:a16="http://schemas.microsoft.com/office/drawing/2014/main" id="{59A87858-AB00-2942-BB19-AAD3C97745C5}"/>
+                </a:ext>
+              </a:extLst>
+            </p:cNvPr>
+            <p:cNvSpPr/>
+            <p:nvPr/>
+          </p:nvSpPr>
+          <p:spPr>
+            <a:xfrm>
+              <a:off x="6191702" y="3124390"/>
+              <a:ext cx="4538858" cy="668147"/>
+            </a:xfrm>
+            <a:prstGeom prst="rect">
+              <a:avLst/>
+            </a:prstGeom>
+            <a:noFill/>
+            <a:ln w="28575" cap="flat">
+              <a:solidFill>
+                <a:srgbClr val="00B0F0"/>
+              </a:solidFill>
+              <a:miter lim="400000"/>
+            </a:ln>
+            <a:effectLst>
+              <a:outerShdw blurRad="50800" dist="12700" rotWithShape="0">
+                <a:srgbClr val="000000">
+                  <a:alpha val="50000"/>
+                </a:srgbClr>
+              </a:outerShdw>
+            </a:effectLst>
+            <a:extLst>
+              <a:ext uri="{C572A759-6A51-4108-AA02-DFA0A04FC94B}">
+                <ma14:wrappingTextBoxFlag xmlns:ma14="http://schemas.microsoft.com/office/mac/drawingml/2011/main" xmlns="" val="1"/>
+              </a:ext>
+            </a:extLst>
+          </p:spPr>
+          <p:txBody>
+            <a:bodyPr wrap="square" lIns="50800" tIns="50800" rIns="50800" bIns="50800" numCol="1" rtlCol="0" anchor="ctr">
+              <a:noAutofit/>
+            </a:bodyPr>
+            <a:lstStyle/>
+            <a:p>
+              <a:pPr algn="ctr"/>
+              <a:endParaRPr lang="en-US" sz="2400" dirty="0">
+                <a:solidFill>
+                  <a:srgbClr val="FFFFFF"/>
+                </a:solidFill>
+              </a:endParaRPr>
+            </a:p>
+          </p:txBody>
+        </p:sp>
+      </p:grpSp>
+      <p:grpSp>
+        <p:nvGrpSpPr>
+          <p:cNvPr id="24" name="Group 23">
             <a:extLst>
               <a:ext uri="{FF2B5EF4-FFF2-40B4-BE49-F238E27FC236}">
-                <a16:creationId xmlns:a16="http://schemas.microsoft.com/office/drawing/2014/main" id="{15516849-FC22-7346-B191-C48B172DC44A}"/>
+                <a16:creationId xmlns:a16="http://schemas.microsoft.com/office/drawing/2014/main" id="{1D2F8F32-1B99-6543-B79A-243C654A9BEA}"/>
               </a:ext>
             </a:extLst>
           </p:cNvPr>
-          <p:cNvSpPr/>
+          <p:cNvGrpSpPr/>
           <p:nvPr/>
-        </p:nvSpPr>
-        <p:spPr>
+        </p:nvGrpSpPr>
+        <p:grpSpPr>
           <a:xfrm>
-            <a:off x="10521845" y="4124057"/>
-            <a:ext cx="599606" cy="205771"/>
+            <a:off x="6648658" y="3038286"/>
+            <a:ext cx="2619654" cy="2637033"/>
+            <a:chOff x="6648658" y="3038286"/>
+            <a:chExt cx="2619654" cy="2637033"/>
           </a:xfrm>
-          <a:prstGeom prst="leftArrow">
-            <a:avLst/>
-          </a:prstGeom>
-          <a:blipFill rotWithShape="1">
-            <a:blip r:embed="rId2"/>
-            <a:srcRect/>
-            <a:tile tx="0" ty="0" sx="100000" sy="100000" flip="none" algn="tl"/>
-          </a:blipFill>
-          <a:ln w="12700" cap="flat">
+        </p:grpSpPr>
+        <p:sp>
+          <p:nvSpPr>
+            <p:cNvPr id="20" name="Oval 19">
+              <a:extLst>
+                <a:ext uri="{FF2B5EF4-FFF2-40B4-BE49-F238E27FC236}">
+                  <a16:creationId xmlns:a16="http://schemas.microsoft.com/office/drawing/2014/main" id="{D422DAB8-6152-0D43-8625-D876B2596DBC}"/>
+                </a:ext>
+              </a:extLst>
+            </p:cNvPr>
+            <p:cNvSpPr/>
+            <p:nvPr/>
+          </p:nvSpPr>
+          <p:spPr>
+            <a:xfrm>
+              <a:off x="8085215" y="4008151"/>
+              <a:ext cx="1049311" cy="525467"/>
+            </a:xfrm>
+            <a:prstGeom prst="ellipse">
+              <a:avLst/>
+            </a:prstGeom>
             <a:noFill/>
-            <a:miter lim="400000"/>
-          </a:ln>
-          <a:effectLst>
-            <a:outerShdw blurRad="50800" dist="12700" rotWithShape="0">
-              <a:srgbClr val="000000">
-                <a:alpha val="50000"/>
-              </a:srgbClr>
-            </a:outerShdw>
-          </a:effectLst>
-          <a:extLst>
-            <a:ext uri="{C572A759-6A51-4108-AA02-DFA0A04FC94B}">
-              <ma14:wrappingTextBoxFlag xmlns:ma14="http://schemas.microsoft.com/office/mac/drawingml/2011/main" xmlns="" val="1"/>
-            </a:ext>
-          </a:extLst>
-        </p:spPr>
-        <p:txBody>
-          <a:bodyPr wrap="square" lIns="50800" tIns="50800" rIns="50800" bIns="50800" numCol="1" rtlCol="0" anchor="ctr">
-            <a:noAutofit/>
-          </a:bodyPr>
-          <a:lstStyle/>
-          <a:p>
-            <a:pPr algn="ctr"/>
-            <a:endParaRPr lang="en-US" sz="2400" dirty="0">
+            <a:ln w="28575" cap="flat">
               <a:solidFill>
-                <a:srgbClr val="FFFFFF"/>
+                <a:srgbClr val="00B0F0"/>
               </a:solidFill>
-            </a:endParaRPr>
-          </a:p>
-        </p:txBody>
-      </p:sp>
-      <p:sp>
-        <p:nvSpPr>
-          <p:cNvPr id="19" name="Left Arrow 18">
+              <a:miter lim="400000"/>
+            </a:ln>
+            <a:effectLst>
+              <a:outerShdw blurRad="50800" dist="12700" rotWithShape="0">
+                <a:srgbClr val="000000">
+                  <a:alpha val="50000"/>
+                </a:srgbClr>
+              </a:outerShdw>
+            </a:effectLst>
             <a:extLst>
-              <a:ext uri="{FF2B5EF4-FFF2-40B4-BE49-F238E27FC236}">
-                <a16:creationId xmlns:a16="http://schemas.microsoft.com/office/drawing/2014/main" id="{CB241D5E-2557-B64D-8524-A3011287A5D4}"/>
+              <a:ext uri="{C572A759-6A51-4108-AA02-DFA0A04FC94B}">
+                <ma14:wrappingTextBoxFlag xmlns:ma14="http://schemas.microsoft.com/office/mac/drawingml/2011/main" xmlns="" val="1"/>
               </a:ext>
             </a:extLst>
-          </p:cNvPr>
-          <p:cNvSpPr/>
-          <p:nvPr/>
-        </p:nvSpPr>
-        <p:spPr>
-          <a:xfrm>
-            <a:off x="10521845" y="4996958"/>
-            <a:ext cx="599606" cy="205771"/>
-          </a:xfrm>
-          <a:prstGeom prst="leftArrow">
-            <a:avLst/>
-          </a:prstGeom>
-          <a:blipFill rotWithShape="1">
-            <a:blip r:embed="rId2"/>
-            <a:srcRect/>
-            <a:tile tx="0" ty="0" sx="100000" sy="100000" flip="none" algn="tl"/>
-          </a:blipFill>
-          <a:ln w="12700" cap="flat">
+          </p:spPr>
+          <p:txBody>
+            <a:bodyPr wrap="square" lIns="50800" tIns="50800" rIns="50800" bIns="50800" numCol="1" rtlCol="0" anchor="ctr">
+              <a:noAutofit/>
+            </a:bodyPr>
+            <a:lstStyle/>
+            <a:p>
+              <a:pPr algn="ctr"/>
+              <a:endParaRPr lang="en-US" sz="2400" dirty="0">
+                <a:solidFill>
+                  <a:srgbClr val="FFFFFF"/>
+                </a:solidFill>
+              </a:endParaRPr>
+            </a:p>
+          </p:txBody>
+        </p:sp>
+        <p:sp>
+          <p:nvSpPr>
+            <p:cNvPr id="21" name="Oval 20">
+              <a:extLst>
+                <a:ext uri="{FF2B5EF4-FFF2-40B4-BE49-F238E27FC236}">
+                  <a16:creationId xmlns:a16="http://schemas.microsoft.com/office/drawing/2014/main" id="{369755AB-DBA4-8744-B6DE-41A835F40943}"/>
+                </a:ext>
+              </a:extLst>
+            </p:cNvPr>
+            <p:cNvSpPr/>
+            <p:nvPr/>
+          </p:nvSpPr>
+          <p:spPr>
+            <a:xfrm>
+              <a:off x="6648658" y="3038286"/>
+              <a:ext cx="1049311" cy="525467"/>
+            </a:xfrm>
+            <a:prstGeom prst="ellipse">
+              <a:avLst/>
+            </a:prstGeom>
             <a:noFill/>
-            <a:miter lim="400000"/>
-          </a:ln>
-          <a:effectLst>
-            <a:outerShdw blurRad="50800" dist="12700" rotWithShape="0">
-              <a:srgbClr val="000000">
-                <a:alpha val="50000"/>
-              </a:srgbClr>
-            </a:outerShdw>
-          </a:effectLst>
-          <a:extLst>
-            <a:ext uri="{C572A759-6A51-4108-AA02-DFA0A04FC94B}">
-              <ma14:wrappingTextBoxFlag xmlns:ma14="http://schemas.microsoft.com/office/mac/drawingml/2011/main" xmlns="" val="1"/>
-            </a:ext>
-          </a:extLst>
-        </p:spPr>
-        <p:txBody>
-          <a:bodyPr wrap="square" lIns="50800" tIns="50800" rIns="50800" bIns="50800" numCol="1" rtlCol="0" anchor="ctr">
-            <a:noAutofit/>
-          </a:bodyPr>
-          <a:lstStyle/>
-          <a:p>
-            <a:pPr algn="ctr"/>
-            <a:endParaRPr lang="en-US" sz="2400" dirty="0">
+            <a:ln w="28575" cap="flat">
               <a:solidFill>
-                <a:srgbClr val="FFFFFF"/>
+                <a:srgbClr val="00B0F0"/>
               </a:solidFill>
-            </a:endParaRPr>
-          </a:p>
-        </p:txBody>
-      </p:sp>
+              <a:miter lim="400000"/>
+            </a:ln>
+            <a:effectLst>
+              <a:outerShdw blurRad="50800" dist="12700" rotWithShape="0">
+                <a:srgbClr val="000000">
+                  <a:alpha val="50000"/>
+                </a:srgbClr>
+              </a:outerShdw>
+            </a:effectLst>
+            <a:extLst>
+              <a:ext uri="{C572A759-6A51-4108-AA02-DFA0A04FC94B}">
+                <ma14:wrappingTextBoxFlag xmlns:ma14="http://schemas.microsoft.com/office/mac/drawingml/2011/main" xmlns="" val="1"/>
+              </a:ext>
+            </a:extLst>
+          </p:spPr>
+          <p:txBody>
+            <a:bodyPr wrap="square" lIns="50800" tIns="50800" rIns="50800" bIns="50800" numCol="1" rtlCol="0" anchor="ctr">
+              <a:noAutofit/>
+            </a:bodyPr>
+            <a:lstStyle/>
+            <a:p>
+              <a:pPr algn="ctr"/>
+              <a:endParaRPr lang="en-US" sz="2400" dirty="0">
+                <a:solidFill>
+                  <a:srgbClr val="FFFFFF"/>
+                </a:solidFill>
+              </a:endParaRPr>
+            </a:p>
+          </p:txBody>
+        </p:sp>
+        <p:sp>
+          <p:nvSpPr>
+            <p:cNvPr id="22" name="Oval 21">
+              <a:extLst>
+                <a:ext uri="{FF2B5EF4-FFF2-40B4-BE49-F238E27FC236}">
+                  <a16:creationId xmlns:a16="http://schemas.microsoft.com/office/drawing/2014/main" id="{F9399CAC-5470-7043-A661-8993058A7E11}"/>
+                </a:ext>
+              </a:extLst>
+            </p:cNvPr>
+            <p:cNvSpPr/>
+            <p:nvPr/>
+          </p:nvSpPr>
+          <p:spPr>
+            <a:xfrm>
+              <a:off x="8219001" y="4828877"/>
+              <a:ext cx="1049311" cy="525467"/>
+            </a:xfrm>
+            <a:prstGeom prst="ellipse">
+              <a:avLst/>
+            </a:prstGeom>
+            <a:noFill/>
+            <a:ln w="28575" cap="flat">
+              <a:solidFill>
+                <a:srgbClr val="FF0000"/>
+              </a:solidFill>
+              <a:miter lim="400000"/>
+            </a:ln>
+            <a:effectLst>
+              <a:outerShdw blurRad="50800" dist="12700" rotWithShape="0">
+                <a:srgbClr val="000000">
+                  <a:alpha val="50000"/>
+                </a:srgbClr>
+              </a:outerShdw>
+            </a:effectLst>
+            <a:extLst>
+              <a:ext uri="{C572A759-6A51-4108-AA02-DFA0A04FC94B}">
+                <ma14:wrappingTextBoxFlag xmlns:ma14="http://schemas.microsoft.com/office/mac/drawingml/2011/main" xmlns="" val="1"/>
+              </a:ext>
+            </a:extLst>
+          </p:spPr>
+          <p:txBody>
+            <a:bodyPr wrap="square" lIns="50800" tIns="50800" rIns="50800" bIns="50800" numCol="1" rtlCol="0" anchor="ctr">
+              <a:noAutofit/>
+            </a:bodyPr>
+            <a:lstStyle/>
+            <a:p>
+              <a:pPr algn="ctr"/>
+              <a:endParaRPr lang="en-US" sz="2400" dirty="0">
+                <a:solidFill>
+                  <a:srgbClr val="FFFFFF"/>
+                </a:solidFill>
+              </a:endParaRPr>
+            </a:p>
+          </p:txBody>
+        </p:sp>
+        <p:sp>
+          <p:nvSpPr>
+            <p:cNvPr id="23" name="Oval 22">
+              <a:extLst>
+                <a:ext uri="{FF2B5EF4-FFF2-40B4-BE49-F238E27FC236}">
+                  <a16:creationId xmlns:a16="http://schemas.microsoft.com/office/drawing/2014/main" id="{BCA2DF23-3402-4C46-ACE9-8D107BA7870E}"/>
+                </a:ext>
+              </a:extLst>
+            </p:cNvPr>
+            <p:cNvSpPr/>
+            <p:nvPr/>
+          </p:nvSpPr>
+          <p:spPr>
+            <a:xfrm>
+              <a:off x="6690203" y="5149852"/>
+              <a:ext cx="1049311" cy="525467"/>
+            </a:xfrm>
+            <a:prstGeom prst="ellipse">
+              <a:avLst/>
+            </a:prstGeom>
+            <a:noFill/>
+            <a:ln w="28575" cap="flat">
+              <a:solidFill>
+                <a:srgbClr val="FF0000"/>
+              </a:solidFill>
+              <a:miter lim="400000"/>
+            </a:ln>
+            <a:effectLst>
+              <a:outerShdw blurRad="50800" dist="12700" rotWithShape="0">
+                <a:srgbClr val="000000">
+                  <a:alpha val="50000"/>
+                </a:srgbClr>
+              </a:outerShdw>
+            </a:effectLst>
+            <a:extLst>
+              <a:ext uri="{C572A759-6A51-4108-AA02-DFA0A04FC94B}">
+                <ma14:wrappingTextBoxFlag xmlns:ma14="http://schemas.microsoft.com/office/mac/drawingml/2011/main" xmlns="" val="1"/>
+              </a:ext>
+            </a:extLst>
+          </p:spPr>
+          <p:txBody>
+            <a:bodyPr wrap="square" lIns="50800" tIns="50800" rIns="50800" bIns="50800" numCol="1" rtlCol="0" anchor="ctr">
+              <a:noAutofit/>
+            </a:bodyPr>
+            <a:lstStyle/>
+            <a:p>
+              <a:pPr algn="ctr"/>
+              <a:endParaRPr lang="en-US" sz="2400" dirty="0">
+                <a:solidFill>
+                  <a:srgbClr val="FFFFFF"/>
+                </a:solidFill>
+              </a:endParaRPr>
+            </a:p>
+          </p:txBody>
+        </p:sp>
+      </p:grpSp>
     </p:spTree>
     <p:extLst>
       <p:ext uri="{BB962C8B-B14F-4D97-AF65-F5344CB8AC3E}">
@@ -7773,7 +8169,7 @@
                             </p:stCondLst>
                             <p:childTnLst>
                               <p:par>
-                                <p:cTn id="5" presetID="10" presetClass="entr" presetSubtype="0" fill="hold" grpId="0" nodeType="clickEffect">
+                                <p:cTn id="5" presetID="10" presetClass="entr" presetSubtype="0" fill="hold" nodeType="clickEffect">
                                   <p:stCondLst>
                                     <p:cond delay="0"/>
                                   </p:stCondLst>
@@ -7786,7 +8182,11 @@
                                           </p:stCondLst>
                                         </p:cTn>
                                         <p:tgtEl>
-                                          <p:spTgt spid="17"/>
+                                          <p:spTgt spid="3">
+                                            <p:txEl>
+                                              <p:pRg st="0" end="0"/>
+                                            </p:txEl>
+                                          </p:spTgt>
                                         </p:tgtEl>
                                         <p:attrNameLst>
                                           <p:attrName>style.visibility</p:attrName>
@@ -7800,42 +8200,11 @@
                                       <p:cBhvr>
                                         <p:cTn id="7" dur="500"/>
                                         <p:tgtEl>
-                                          <p:spTgt spid="17"/>
-                                        </p:tgtEl>
-                                      </p:cBhvr>
-                                    </p:animEffect>
-                                  </p:childTnLst>
-                                </p:cTn>
-                              </p:par>
-                              <p:par>
-                                <p:cTn id="8" presetID="10" presetClass="entr" presetSubtype="0" fill="hold" grpId="0" nodeType="withEffect">
-                                  <p:stCondLst>
-                                    <p:cond delay="0"/>
-                                  </p:stCondLst>
-                                  <p:childTnLst>
-                                    <p:set>
-                                      <p:cBhvr>
-                                        <p:cTn id="9" dur="1" fill="hold">
-                                          <p:stCondLst>
-                                            <p:cond delay="0"/>
-                                          </p:stCondLst>
-                                        </p:cTn>
-                                        <p:tgtEl>
-                                          <p:spTgt spid="15"/>
-                                        </p:tgtEl>
-                                        <p:attrNameLst>
-                                          <p:attrName>style.visibility</p:attrName>
-                                        </p:attrNameLst>
-                                      </p:cBhvr>
-                                      <p:to>
-                                        <p:strVal val="visible"/>
-                                      </p:to>
-                                    </p:set>
-                                    <p:animEffect transition="in" filter="fade">
-                                      <p:cBhvr>
-                                        <p:cTn id="10" dur="500"/>
-                                        <p:tgtEl>
-                                          <p:spTgt spid="15"/>
+                                          <p:spTgt spid="3">
+                                            <p:txEl>
+                                              <p:pRg st="0" end="0"/>
+                                            </p:txEl>
+                                          </p:spTgt>
                                         </p:tgtEl>
                                       </p:cBhvr>
                                     </p:animEffect>
@@ -7849,32 +8218,32 @@
                     </p:cTn>
                   </p:par>
                   <p:par>
-                    <p:cTn id="11" fill="hold">
+                    <p:cTn id="8" fill="hold">
                       <p:stCondLst>
                         <p:cond delay="indefinite"/>
                       </p:stCondLst>
                       <p:childTnLst>
                         <p:par>
-                          <p:cTn id="12" fill="hold">
+                          <p:cTn id="9" fill="hold">
                             <p:stCondLst>
                               <p:cond delay="0"/>
                             </p:stCondLst>
                             <p:childTnLst>
                               <p:par>
-                                <p:cTn id="13" presetID="10" presetClass="entr" presetSubtype="0" fill="hold" grpId="0" nodeType="clickEffect">
+                                <p:cTn id="10" presetID="10" presetClass="entr" presetSubtype="0" fill="hold" nodeType="clickEffect">
                                   <p:stCondLst>
                                     <p:cond delay="0"/>
                                   </p:stCondLst>
                                   <p:childTnLst>
                                     <p:set>
                                       <p:cBhvr>
-                                        <p:cTn id="14" dur="1" fill="hold">
+                                        <p:cTn id="11" dur="1" fill="hold">
                                           <p:stCondLst>
                                             <p:cond delay="0"/>
                                           </p:stCondLst>
                                         </p:cTn>
                                         <p:tgtEl>
-                                          <p:spTgt spid="19"/>
+                                          <p:spTgt spid="25"/>
                                         </p:tgtEl>
                                         <p:attrNameLst>
                                           <p:attrName>style.visibility</p:attrName>
@@ -7886,30 +8255,101 @@
                                     </p:set>
                                     <p:animEffect transition="in" filter="fade">
                                       <p:cBhvr>
-                                        <p:cTn id="15" dur="500"/>
+                                        <p:cTn id="12" dur="500"/>
                                         <p:tgtEl>
-                                          <p:spTgt spid="19"/>
+                                          <p:spTgt spid="25"/>
                                         </p:tgtEl>
                                       </p:cBhvr>
                                     </p:animEffect>
                                   </p:childTnLst>
                                 </p:cTn>
                               </p:par>
+                            </p:childTnLst>
+                          </p:cTn>
+                        </p:par>
+                      </p:childTnLst>
+                    </p:cTn>
+                  </p:par>
+                  <p:par>
+                    <p:cTn id="13" fill="hold">
+                      <p:stCondLst>
+                        <p:cond delay="indefinite"/>
+                      </p:stCondLst>
+                      <p:childTnLst>
+                        <p:par>
+                          <p:cTn id="14" fill="hold">
+                            <p:stCondLst>
+                              <p:cond delay="0"/>
+                            </p:stCondLst>
+                            <p:childTnLst>
                               <p:par>
-                                <p:cTn id="16" presetID="10" presetClass="entr" presetSubtype="0" fill="hold" grpId="0" nodeType="withEffect">
+                                <p:cTn id="15" presetID="10" presetClass="exit" presetSubtype="0" fill="hold" nodeType="clickEffect">
+                                  <p:stCondLst>
+                                    <p:cond delay="0"/>
+                                  </p:stCondLst>
+                                  <p:childTnLst>
+                                    <p:animEffect transition="out" filter="fade">
+                                      <p:cBhvr>
+                                        <p:cTn id="16" dur="500"/>
+                                        <p:tgtEl>
+                                          <p:spTgt spid="25"/>
+                                        </p:tgtEl>
+                                      </p:cBhvr>
+                                    </p:animEffect>
+                                    <p:set>
+                                      <p:cBhvr>
+                                        <p:cTn id="17" dur="1" fill="hold">
+                                          <p:stCondLst>
+                                            <p:cond delay="499"/>
+                                          </p:stCondLst>
+                                        </p:cTn>
+                                        <p:tgtEl>
+                                          <p:spTgt spid="25"/>
+                                        </p:tgtEl>
+                                        <p:attrNameLst>
+                                          <p:attrName>style.visibility</p:attrName>
+                                        </p:attrNameLst>
+                                      </p:cBhvr>
+                                      <p:to>
+                                        <p:strVal val="hidden"/>
+                                      </p:to>
+                                    </p:set>
+                                  </p:childTnLst>
+                                </p:cTn>
+                              </p:par>
+                            </p:childTnLst>
+                          </p:cTn>
+                        </p:par>
+                      </p:childTnLst>
+                    </p:cTn>
+                  </p:par>
+                  <p:par>
+                    <p:cTn id="18" fill="hold">
+                      <p:stCondLst>
+                        <p:cond delay="indefinite"/>
+                      </p:stCondLst>
+                      <p:childTnLst>
+                        <p:par>
+                          <p:cTn id="19" fill="hold">
+                            <p:stCondLst>
+                              <p:cond delay="0"/>
+                            </p:stCondLst>
+                            <p:childTnLst>
+                              <p:par>
+                                <p:cTn id="20" presetID="10" presetClass="entr" presetSubtype="0" fill="hold" nodeType="clickEffect">
                                   <p:stCondLst>
                                     <p:cond delay="0"/>
                                   </p:stCondLst>
                                   <p:childTnLst>
                                     <p:set>
                                       <p:cBhvr>
-                                        <p:cTn id="17" dur="1" fill="hold">
+                                        <p:cTn id="21" dur="1" fill="hold">
                                           <p:stCondLst>
                                             <p:cond delay="0"/>
                                           </p:stCondLst>
                                         </p:cTn>
                                         <p:tgtEl>
-                                          <p:spTgt spid="18"/>
+                                          <p:spTgt spid="24"/>
                                         </p:tgtEl>
                                         <p:attrNameLst>
                                           <p:attrName>style.visibility</p:attrName>
@@ -7921,9 +8361,9 @@
                                     </p:set>
                                     <p:animEffect transition="in" filter="fade">
                                       <p:cBhvr>
-                                        <p:cTn id="18" dur="500"/>
+                                        <p:cTn id="22" dur="500"/>
                                         <p:tgtEl>
-                                          <p:spTgt spid="18"/>
+                                          <p:spTgt spid="24"/>
                                         </p:tgtEl>
                                       </p:cBhvr>
                                     </p:animEffect>
@@ -7957,12 +8397,6 @@
         </p:cTn>
       </p:par>
     </p:tnLst>
-    <p:bldLst>
-      <p:bldP spid="15" grpId="0" animBg="1"/>
-      <p:bldP spid="17" grpId="0" animBg="1"/>
-      <p:bldP spid="18" grpId="0" animBg="1"/>
-      <p:bldP spid="19" grpId="0" animBg="1"/>
-    </p:bldLst>
   </p:timing>
 </p:sld>
 </file>
@@ -9473,28 +9907,7 @@
                   <a:latin typeface="Arial" panose="020B0604020202020204" pitchFamily="34" charset="0"/>
                   <a:cs typeface="Arial" panose="020B0604020202020204" pitchFamily="34" charset="0"/>
                 </a:rPr>
-                <a:t> ("</a:t>
-              </a:r>
-              <a:r>
-                <a:rPr lang="en-US" sz="1400" kern="1000" dirty="0" err="1">
-                  <a:latin typeface="Arial" panose="020B0604020202020204" pitchFamily="34" charset="0"/>
-                  <a:cs typeface="Arial" panose="020B0604020202020204" pitchFamily="34" charset="0"/>
-                </a:rPr>
-                <a:t>pattern",</a:t>
-              </a:r>
-              <a:r>
-                <a:rPr lang="en-US" sz="1400" i="1" kern="1000" dirty="0" err="1">
-                  <a:latin typeface="Arial" panose="020B0604020202020204" pitchFamily="34" charset="0"/>
-                  <a:cs typeface="Arial" panose="020B0604020202020204" pitchFamily="34" charset="0"/>
-                </a:rPr>
-                <a:t>start</a:t>
-              </a:r>
-              <a:r>
-                <a:rPr lang="en-US" sz="1400" kern="1000" dirty="0">
-                  <a:latin typeface="Arial" panose="020B0604020202020204" pitchFamily="34" charset="0"/>
-                  <a:cs typeface="Arial" panose="020B0604020202020204" pitchFamily="34" charset="0"/>
-                </a:rPr>
-                <a:t>);</a:t>
+                <a:t> ("pattern", start);</a:t>
               </a:r>
               <a:r>
                 <a:rPr lang="en-US" sz="1400" kern="1000" dirty="0">
@@ -9601,116 +10014,247 @@
           </a:p>
         </p:txBody>
       </p:sp>
-      <p:sp>
-        <p:nvSpPr>
-          <p:cNvPr id="6" name="Oval 5">
+      <p:grpSp>
+        <p:nvGrpSpPr>
+          <p:cNvPr id="20" name="Group 19">
             <a:extLst>
               <a:ext uri="{FF2B5EF4-FFF2-40B4-BE49-F238E27FC236}">
-                <a16:creationId xmlns:a16="http://schemas.microsoft.com/office/drawing/2014/main" id="{DBDC0AF6-BB4D-BD43-B1A2-CB85A2F28441}"/>
+                <a16:creationId xmlns:a16="http://schemas.microsoft.com/office/drawing/2014/main" id="{65C19EA3-B104-EE41-AC04-4C0E8B63AEAC}"/>
               </a:ext>
             </a:extLst>
           </p:cNvPr>
-          <p:cNvSpPr/>
+          <p:cNvGrpSpPr/>
           <p:nvPr/>
-        </p:nvSpPr>
-        <p:spPr>
+        </p:nvGrpSpPr>
+        <p:grpSpPr>
           <a:xfrm>
             <a:off x="6610663" y="3031820"/>
-            <a:ext cx="1049311" cy="525467"/>
+            <a:ext cx="2657649" cy="3157010"/>
+            <a:chOff x="6610663" y="3031820"/>
+            <a:chExt cx="2657649" cy="3157010"/>
           </a:xfrm>
-          <a:prstGeom prst="ellipse">
-            <a:avLst/>
-          </a:prstGeom>
-          <a:noFill/>
-          <a:ln w="28575" cap="flat">
-            <a:solidFill>
-              <a:srgbClr val="FF0000"/>
-            </a:solidFill>
-            <a:miter lim="400000"/>
-          </a:ln>
-          <a:effectLst>
-            <a:outerShdw blurRad="50800" dist="12700" rotWithShape="0">
-              <a:srgbClr val="000000">
-                <a:alpha val="50000"/>
-              </a:srgbClr>
-            </a:outerShdw>
-          </a:effectLst>
-          <a:extLst>
-            <a:ext uri="{C572A759-6A51-4108-AA02-DFA0A04FC94B}">
-              <ma14:wrappingTextBoxFlag xmlns:ma14="http://schemas.microsoft.com/office/mac/drawingml/2011/main" xmlns="" val="1"/>
-            </a:ext>
-          </a:extLst>
-        </p:spPr>
-        <p:txBody>
-          <a:bodyPr wrap="square" lIns="50800" tIns="50800" rIns="50800" bIns="50800" numCol="1" rtlCol="0" anchor="ctr">
-            <a:noAutofit/>
-          </a:bodyPr>
-          <a:lstStyle/>
-          <a:p>
-            <a:pPr algn="ctr"/>
-            <a:endParaRPr lang="en-US" sz="2400" dirty="0">
+        </p:grpSpPr>
+        <p:sp>
+          <p:nvSpPr>
+            <p:cNvPr id="6" name="Oval 5">
+              <a:extLst>
+                <a:ext uri="{FF2B5EF4-FFF2-40B4-BE49-F238E27FC236}">
+                  <a16:creationId xmlns:a16="http://schemas.microsoft.com/office/drawing/2014/main" id="{DBDC0AF6-BB4D-BD43-B1A2-CB85A2F28441}"/>
+                </a:ext>
+              </a:extLst>
+            </p:cNvPr>
+            <p:cNvSpPr/>
+            <p:nvPr/>
+          </p:nvSpPr>
+          <p:spPr>
+            <a:xfrm>
+              <a:off x="6610663" y="3031820"/>
+              <a:ext cx="1049311" cy="525467"/>
+            </a:xfrm>
+            <a:prstGeom prst="ellipse">
+              <a:avLst/>
+            </a:prstGeom>
+            <a:noFill/>
+            <a:ln w="28575" cap="flat">
               <a:solidFill>
-                <a:srgbClr val="FFFFFF"/>
+                <a:srgbClr val="00B0F0"/>
               </a:solidFill>
-            </a:endParaRPr>
-          </a:p>
-        </p:txBody>
-      </p:sp>
-      <p:sp>
-        <p:nvSpPr>
-          <p:cNvPr id="18" name="Oval 17">
+              <a:miter lim="400000"/>
+            </a:ln>
+            <a:effectLst>
+              <a:outerShdw blurRad="50800" dist="12700" rotWithShape="0">
+                <a:srgbClr val="000000">
+                  <a:alpha val="50000"/>
+                </a:srgbClr>
+              </a:outerShdw>
+            </a:effectLst>
             <a:extLst>
-              <a:ext uri="{FF2B5EF4-FFF2-40B4-BE49-F238E27FC236}">
-                <a16:creationId xmlns:a16="http://schemas.microsoft.com/office/drawing/2014/main" id="{7F4F1D4A-84E6-F849-BC9C-849357348DCE}"/>
+              <a:ext uri="{C572A759-6A51-4108-AA02-DFA0A04FC94B}">
+                <ma14:wrappingTextBoxFlag xmlns:ma14="http://schemas.microsoft.com/office/mac/drawingml/2011/main" xmlns="" val="1"/>
               </a:ext>
             </a:extLst>
-          </p:cNvPr>
-          <p:cNvSpPr/>
-          <p:nvPr/>
-        </p:nvSpPr>
-        <p:spPr>
-          <a:xfrm>
-            <a:off x="6748073" y="4968413"/>
-            <a:ext cx="1049311" cy="525467"/>
-          </a:xfrm>
-          <a:prstGeom prst="ellipse">
-            <a:avLst/>
-          </a:prstGeom>
-          <a:noFill/>
-          <a:ln w="28575" cap="flat">
-            <a:solidFill>
-              <a:srgbClr val="FF0000"/>
-            </a:solidFill>
-            <a:miter lim="400000"/>
-          </a:ln>
-          <a:effectLst>
-            <a:outerShdw blurRad="50800" dist="12700" rotWithShape="0">
-              <a:srgbClr val="000000">
-                <a:alpha val="50000"/>
-              </a:srgbClr>
-            </a:outerShdw>
-          </a:effectLst>
-          <a:extLst>
-            <a:ext uri="{C572A759-6A51-4108-AA02-DFA0A04FC94B}">
-              <ma14:wrappingTextBoxFlag xmlns:ma14="http://schemas.microsoft.com/office/mac/drawingml/2011/main" xmlns="" val="1"/>
-            </a:ext>
-          </a:extLst>
-        </p:spPr>
-        <p:txBody>
-          <a:bodyPr wrap="square" lIns="50800" tIns="50800" rIns="50800" bIns="50800" numCol="1" rtlCol="0" anchor="ctr">
-            <a:noAutofit/>
-          </a:bodyPr>
-          <a:lstStyle/>
-          <a:p>
-            <a:pPr algn="ctr"/>
-            <a:endParaRPr lang="en-US" sz="2400" dirty="0">
+          </p:spPr>
+          <p:txBody>
+            <a:bodyPr wrap="square" lIns="50800" tIns="50800" rIns="50800" bIns="50800" numCol="1" rtlCol="0" anchor="ctr">
+              <a:noAutofit/>
+            </a:bodyPr>
+            <a:lstStyle/>
+            <a:p>
+              <a:pPr algn="ctr"/>
+              <a:endParaRPr lang="en-US" sz="2400" dirty="0">
+                <a:solidFill>
+                  <a:srgbClr val="FFFFFF"/>
+                </a:solidFill>
+              </a:endParaRPr>
+            </a:p>
+          </p:txBody>
+        </p:sp>
+        <p:sp>
+          <p:nvSpPr>
+            <p:cNvPr id="18" name="Oval 17">
+              <a:extLst>
+                <a:ext uri="{FF2B5EF4-FFF2-40B4-BE49-F238E27FC236}">
+                  <a16:creationId xmlns:a16="http://schemas.microsoft.com/office/drawing/2014/main" id="{7F4F1D4A-84E6-F849-BC9C-849357348DCE}"/>
+                </a:ext>
+              </a:extLst>
+            </p:cNvPr>
+            <p:cNvSpPr/>
+            <p:nvPr/>
+          </p:nvSpPr>
+          <p:spPr>
+            <a:xfrm>
+              <a:off x="8219001" y="5663363"/>
+              <a:ext cx="1049311" cy="525467"/>
+            </a:xfrm>
+            <a:prstGeom prst="ellipse">
+              <a:avLst/>
+            </a:prstGeom>
+            <a:noFill/>
+            <a:ln w="28575" cap="flat">
               <a:solidFill>
-                <a:srgbClr val="FFFFFF"/>
+                <a:srgbClr val="FF0000"/>
               </a:solidFill>
-            </a:endParaRPr>
-          </a:p>
-        </p:txBody>
-      </p:sp>
+              <a:miter lim="400000"/>
+            </a:ln>
+            <a:effectLst>
+              <a:outerShdw blurRad="50800" dist="12700" rotWithShape="0">
+                <a:srgbClr val="000000">
+                  <a:alpha val="50000"/>
+                </a:srgbClr>
+              </a:outerShdw>
+            </a:effectLst>
+            <a:extLst>
+              <a:ext uri="{C572A759-6A51-4108-AA02-DFA0A04FC94B}">
+                <ma14:wrappingTextBoxFlag xmlns:ma14="http://schemas.microsoft.com/office/mac/drawingml/2011/main" xmlns="" val="1"/>
+              </a:ext>
+            </a:extLst>
+          </p:spPr>
+          <p:txBody>
+            <a:bodyPr wrap="square" lIns="50800" tIns="50800" rIns="50800" bIns="50800" numCol="1" rtlCol="0" anchor="ctr">
+              <a:noAutofit/>
+            </a:bodyPr>
+            <a:lstStyle/>
+            <a:p>
+              <a:pPr algn="ctr"/>
+              <a:endParaRPr lang="en-US" sz="2400" dirty="0">
+                <a:solidFill>
+                  <a:srgbClr val="FFFFFF"/>
+                </a:solidFill>
+              </a:endParaRPr>
+            </a:p>
+          </p:txBody>
+        </p:sp>
+        <p:sp>
+          <p:nvSpPr>
+            <p:cNvPr id="10" name="Rounded Rectangle 9">
+              <a:extLst>
+                <a:ext uri="{FF2B5EF4-FFF2-40B4-BE49-F238E27FC236}">
+                  <a16:creationId xmlns:a16="http://schemas.microsoft.com/office/drawing/2014/main" id="{2A965B87-1DCD-B443-ABF9-14B7BB681E22}"/>
+                </a:ext>
+              </a:extLst>
+            </p:cNvPr>
+            <p:cNvSpPr/>
+            <p:nvPr/>
+          </p:nvSpPr>
+          <p:spPr>
+            <a:xfrm>
+              <a:off x="6760565" y="5055513"/>
+              <a:ext cx="974360" cy="376745"/>
+            </a:xfrm>
+            <a:prstGeom prst="roundRect">
+              <a:avLst/>
+            </a:prstGeom>
+            <a:noFill/>
+            <a:ln w="28575" cap="flat">
+              <a:solidFill>
+                <a:srgbClr val="FF0000"/>
+              </a:solidFill>
+              <a:miter lim="400000"/>
+            </a:ln>
+            <a:effectLst>
+              <a:outerShdw blurRad="50800" dist="12700" rotWithShape="0">
+                <a:srgbClr val="000000">
+                  <a:alpha val="50000"/>
+                </a:srgbClr>
+              </a:outerShdw>
+            </a:effectLst>
+            <a:extLst>
+              <a:ext uri="{C572A759-6A51-4108-AA02-DFA0A04FC94B}">
+                <ma14:wrappingTextBoxFlag xmlns:ma14="http://schemas.microsoft.com/office/mac/drawingml/2011/main" xmlns="" val="1"/>
+              </a:ext>
+            </a:extLst>
+          </p:spPr>
+          <p:txBody>
+            <a:bodyPr wrap="square" lIns="50800" tIns="50800" rIns="50800" bIns="50800" numCol="1" rtlCol="0" anchor="ctr">
+              <a:noAutofit/>
+            </a:bodyPr>
+            <a:lstStyle/>
+            <a:p>
+              <a:pPr algn="ctr"/>
+              <a:endParaRPr lang="en-US" sz="2400" dirty="0">
+                <a:solidFill>
+                  <a:srgbClr val="FFFFFF"/>
+                </a:solidFill>
+              </a:endParaRPr>
+            </a:p>
+          </p:txBody>
+        </p:sp>
+        <p:sp>
+          <p:nvSpPr>
+            <p:cNvPr id="19" name="Oval 18">
+              <a:extLst>
+                <a:ext uri="{FF2B5EF4-FFF2-40B4-BE49-F238E27FC236}">
+                  <a16:creationId xmlns:a16="http://schemas.microsoft.com/office/drawing/2014/main" id="{AE55F063-3418-B54A-A831-1BECE249D0D6}"/>
+                </a:ext>
+              </a:extLst>
+            </p:cNvPr>
+            <p:cNvSpPr/>
+            <p:nvPr/>
+          </p:nvSpPr>
+          <p:spPr>
+            <a:xfrm>
+              <a:off x="8219001" y="4039348"/>
+              <a:ext cx="1049311" cy="525467"/>
+            </a:xfrm>
+            <a:prstGeom prst="ellipse">
+              <a:avLst/>
+            </a:prstGeom>
+            <a:noFill/>
+            <a:ln w="28575" cap="flat">
+              <a:solidFill>
+                <a:srgbClr val="00B0F0"/>
+              </a:solidFill>
+              <a:miter lim="400000"/>
+            </a:ln>
+            <a:effectLst>
+              <a:outerShdw blurRad="50800" dist="12700" rotWithShape="0">
+                <a:srgbClr val="000000">
+                  <a:alpha val="50000"/>
+                </a:srgbClr>
+              </a:outerShdw>
+            </a:effectLst>
+            <a:extLst>
+              <a:ext uri="{C572A759-6A51-4108-AA02-DFA0A04FC94B}">
+                <ma14:wrappingTextBoxFlag xmlns:ma14="http://schemas.microsoft.com/office/mac/drawingml/2011/main" xmlns="" val="1"/>
+              </a:ext>
+            </a:extLst>
+          </p:spPr>
+          <p:txBody>
+            <a:bodyPr wrap="square" lIns="50800" tIns="50800" rIns="50800" bIns="50800" numCol="1" rtlCol="0" anchor="ctr">
+              <a:noAutofit/>
+            </a:bodyPr>
+            <a:lstStyle/>
+            <a:p>
+              <a:pPr algn="ctr"/>
+              <a:endParaRPr lang="en-US" sz="2400" dirty="0">
+                <a:solidFill>
+                  <a:srgbClr val="FFFFFF"/>
+                </a:solidFill>
+              </a:endParaRPr>
+            </a:p>
+          </p:txBody>
+        </p:sp>
+      </p:grpSp>
     </p:spTree>
     <p:extLst>
       <p:ext uri="{BB962C8B-B14F-4D97-AF65-F5344CB8AC3E}">
@@ -9905,94 +10449,6 @@
                       </p:childTnLst>
                     </p:cTn>
                   </p:par>
-                  <p:par>
-                    <p:cTn id="19" fill="hold">
-                      <p:stCondLst>
-                        <p:cond delay="indefinite"/>
-                      </p:stCondLst>
-                      <p:childTnLst>
-                        <p:par>
-                          <p:cTn id="20" fill="hold">
-                            <p:stCondLst>
-                              <p:cond delay="0"/>
-                            </p:stCondLst>
-                            <p:childTnLst>
-                              <p:par>
-                                <p:cTn id="21" presetID="10" presetClass="entr" presetSubtype="0" fill="hold" grpId="0" nodeType="clickEffect">
-                                  <p:stCondLst>
-                                    <p:cond delay="0"/>
-                                  </p:stCondLst>
-                                  <p:childTnLst>
-                                    <p:set>
-                                      <p:cBhvr>
-                                        <p:cTn id="22" dur="1" fill="hold">
-                                          <p:stCondLst>
-                                            <p:cond delay="0"/>
-                                          </p:stCondLst>
-                                        </p:cTn>
-                                        <p:tgtEl>
-                                          <p:spTgt spid="6"/>
-                                        </p:tgtEl>
-                                        <p:attrNameLst>
-                                          <p:attrName>style.visibility</p:attrName>
-                                        </p:attrNameLst>
-                                      </p:cBhvr>
-                                      <p:to>
-                                        <p:strVal val="visible"/>
-                                      </p:to>
-                                    </p:set>
-                                    <p:animEffect transition="in" filter="fade">
-                                      <p:cBhvr>
-                                        <p:cTn id="23" dur="500"/>
-                                        <p:tgtEl>
-                                          <p:spTgt spid="6"/>
-                                        </p:tgtEl>
-                                      </p:cBhvr>
-                                    </p:animEffect>
-                                  </p:childTnLst>
-                                </p:cTn>
-                              </p:par>
-                              <p:par>
-                                <p:cTn id="24" presetID="10" presetClass="entr" presetSubtype="0" fill="hold" grpId="0" nodeType="withEffect">
-                                  <p:stCondLst>
-                                    <p:cond delay="0"/>
-                                  </p:stCondLst>
-                                  <p:childTnLst>
-                                    <p:set>
-                                      <p:cBhvr>
-                                        <p:cTn id="25" dur="1" fill="hold">
-                                          <p:stCondLst>
-                                            <p:cond delay="0"/>
-                                          </p:stCondLst>
-                                        </p:cTn>
-                                        <p:tgtEl>
-                                          <p:spTgt spid="18"/>
-                                        </p:tgtEl>
-                                        <p:attrNameLst>
-                                          <p:attrName>style.visibility</p:attrName>
-                                        </p:attrNameLst>
-                                      </p:cBhvr>
-                                      <p:to>
-                                        <p:strVal val="visible"/>
-                                      </p:to>
-                                    </p:set>
-                                    <p:animEffect transition="in" filter="fade">
-                                      <p:cBhvr>
-                                        <p:cTn id="26" dur="500"/>
-                                        <p:tgtEl>
-                                          <p:spTgt spid="18"/>
-                                        </p:tgtEl>
-                                      </p:cBhvr>
-                                    </p:animEffect>
-                                  </p:childTnLst>
-                                </p:cTn>
-                              </p:par>
-                            </p:childTnLst>
-                          </p:cTn>
-                        </p:par>
-                      </p:childTnLst>
-                    </p:cTn>
-                  </p:par>
                 </p:childTnLst>
               </p:cTn>
               <p:prevCondLst>
@@ -10019,8 +10475,6 @@
       <p:bldP spid="15" grpId="1" animBg="1"/>
       <p:bldP spid="17" grpId="0" animBg="1"/>
       <p:bldP spid="17" grpId="1" animBg="1"/>
-      <p:bldP spid="6" grpId="0" animBg="1"/>
-      <p:bldP spid="18" grpId="0" animBg="1"/>
     </p:bldLst>
   </p:timing>
 </p:sld>
@@ -10167,1594 +10621,6 @@
 </file>
 
 <file path=ppt/slides/slide14.xml><?xml version="1.0" encoding="utf-8"?>
-<p:sld xmlns:a="http://schemas.openxmlformats.org/drawingml/2006/main" xmlns:r="http://schemas.openxmlformats.org/officeDocument/2006/relationships" xmlns:p="http://schemas.openxmlformats.org/presentationml/2006/main">
-  <p:cSld>
-    <p:spTree>
-      <p:nvGrpSpPr>
-        <p:cNvPr id="1" name=""/>
-        <p:cNvGrpSpPr/>
-        <p:nvPr/>
-      </p:nvGrpSpPr>
-      <p:grpSpPr>
-        <a:xfrm>
-          <a:off x="0" y="0"/>
-          <a:ext cx="0" cy="0"/>
-          <a:chOff x="0" y="0"/>
-          <a:chExt cx="0" cy="0"/>
-        </a:xfrm>
-      </p:grpSpPr>
-      <p:sp>
-        <p:nvSpPr>
-          <p:cNvPr id="2" name="Title 1">
-            <a:extLst>
-              <a:ext uri="{FF2B5EF4-FFF2-40B4-BE49-F238E27FC236}">
-                <a16:creationId xmlns:a16="http://schemas.microsoft.com/office/drawing/2014/main" id="{86522AA8-73B7-3A4F-AD5D-A8CD730EFA02}"/>
-              </a:ext>
-            </a:extLst>
-          </p:cNvPr>
-          <p:cNvSpPr>
-            <a:spLocks noGrp="1"/>
-          </p:cNvSpPr>
-          <p:nvPr>
-            <p:ph type="title"/>
-          </p:nvPr>
-        </p:nvSpPr>
-        <p:spPr/>
-        <p:txBody>
-          <a:bodyPr>
-            <a:normAutofit/>
-          </a:bodyPr>
-          <a:lstStyle/>
-          <a:p>
-            <a:pPr algn="ctr"/>
-            <a:r>
-              <a:rPr lang="en-US" sz="4000" dirty="0"/>
-              <a:t>Challenges of Semantic Change Pattern Detection</a:t>
-            </a:r>
-          </a:p>
-        </p:txBody>
-      </p:sp>
-      <p:sp>
-        <p:nvSpPr>
-          <p:cNvPr id="3" name="Content Placeholder 2">
-            <a:extLst>
-              <a:ext uri="{FF2B5EF4-FFF2-40B4-BE49-F238E27FC236}">
-                <a16:creationId xmlns:a16="http://schemas.microsoft.com/office/drawing/2014/main" id="{E8457E09-2DA3-4444-B75A-7E4C351DF28B}"/>
-              </a:ext>
-            </a:extLst>
-          </p:cNvPr>
-          <p:cNvSpPr>
-            <a:spLocks noGrp="1"/>
-          </p:cNvSpPr>
-          <p:nvPr>
-            <p:ph idx="1"/>
-          </p:nvPr>
-        </p:nvSpPr>
-        <p:spPr>
-          <a:xfrm>
-            <a:off x="838200" y="1825625"/>
-            <a:ext cx="10515600" cy="2459363"/>
-          </a:xfrm>
-        </p:spPr>
-        <p:txBody>
-          <a:bodyPr>
-            <a:normAutofit lnSpcReduction="10000"/>
-          </a:bodyPr>
-          <a:lstStyle/>
-          <a:p>
-            <a:r>
-              <a:rPr lang="en-US" dirty="0">
-                <a:solidFill>
-                  <a:schemeClr val="bg1">
-                    <a:lumMod val="75000"/>
-                  </a:schemeClr>
-                </a:solidFill>
-              </a:rPr>
-              <a:t>Syntactically un-changed program elements could carry the semantic context of change</a:t>
-            </a:r>
-          </a:p>
-          <a:p>
-            <a:r>
-              <a:rPr lang="en-US" dirty="0"/>
-              <a:t>Elements of a semantic change could be non-contiguous in source code</a:t>
-            </a:r>
-          </a:p>
-          <a:p>
-            <a:r>
-              <a:rPr lang="en-US" dirty="0"/>
-              <a:t>Different semantic changes could have the same syntactic change representation</a:t>
-            </a:r>
-          </a:p>
-          <a:p>
-            <a:endParaRPr lang="en-US" dirty="0"/>
-          </a:p>
-        </p:txBody>
-      </p:sp>
-      <p:sp>
-        <p:nvSpPr>
-          <p:cNvPr id="4" name="Slide Number Placeholder 3">
-            <a:extLst>
-              <a:ext uri="{FF2B5EF4-FFF2-40B4-BE49-F238E27FC236}">
-                <a16:creationId xmlns:a16="http://schemas.microsoft.com/office/drawing/2014/main" id="{CF5FFB8B-BB85-E245-BC85-B2580E69F3CB}"/>
-              </a:ext>
-            </a:extLst>
-          </p:cNvPr>
-          <p:cNvSpPr>
-            <a:spLocks noGrp="1"/>
-          </p:cNvSpPr>
-          <p:nvPr>
-            <p:ph type="sldNum" sz="quarter" idx="12"/>
-          </p:nvPr>
-        </p:nvSpPr>
-        <p:spPr/>
-        <p:txBody>
-          <a:bodyPr/>
-          <a:lstStyle/>
-          <a:p>
-            <a:fld id="{C4BF04A0-1647-43F2-B0F5-56BA1A66771F}" type="slidenum">
-              <a:rPr lang="en-US" smtClean="0"/>
-              <a:t>14</a:t>
-            </a:fld>
-            <a:endParaRPr lang="en-US"/>
-          </a:p>
-        </p:txBody>
-      </p:sp>
-      <p:grpSp>
-        <p:nvGrpSpPr>
-          <p:cNvPr id="9" name="Group 8">
-            <a:extLst>
-              <a:ext uri="{FF2B5EF4-FFF2-40B4-BE49-F238E27FC236}">
-                <a16:creationId xmlns:a16="http://schemas.microsoft.com/office/drawing/2014/main" id="{3052FD55-3D92-EF4C-BF6F-21B37714A64E}"/>
-              </a:ext>
-            </a:extLst>
-          </p:cNvPr>
-          <p:cNvGrpSpPr/>
-          <p:nvPr/>
-        </p:nvGrpSpPr>
-        <p:grpSpPr>
-          <a:xfrm>
-            <a:off x="954578" y="4284988"/>
-            <a:ext cx="10399222" cy="2071362"/>
-            <a:chOff x="954578" y="4652900"/>
-            <a:chExt cx="10399222" cy="2071362"/>
-          </a:xfrm>
-        </p:grpSpPr>
-        <p:sp>
-          <p:nvSpPr>
-            <p:cNvPr id="5" name="Content Placeholder 2">
-              <a:extLst>
-                <a:ext uri="{FF2B5EF4-FFF2-40B4-BE49-F238E27FC236}">
-                  <a16:creationId xmlns:a16="http://schemas.microsoft.com/office/drawing/2014/main" id="{379B6455-1364-5245-B07B-EA7D4B0980F1}"/>
-                </a:ext>
-              </a:extLst>
-            </p:cNvPr>
-            <p:cNvSpPr txBox="1">
-              <a:spLocks/>
-            </p:cNvSpPr>
-            <p:nvPr/>
-          </p:nvSpPr>
-          <p:spPr>
-            <a:xfrm>
-              <a:off x="954579" y="5073762"/>
-              <a:ext cx="5577839" cy="1650500"/>
-            </a:xfrm>
-            <a:prstGeom prst="rect">
-              <a:avLst/>
-            </a:prstGeom>
-          </p:spPr>
-          <p:txBody>
-            <a:bodyPr vert="horz" lIns="91440" tIns="45720" rIns="91440" bIns="45720" rtlCol="0">
-              <a:noAutofit/>
-            </a:bodyPr>
-            <a:lstStyle>
-              <a:lvl1pPr marL="228600" indent="-228600" algn="l" defTabSz="914400" rtl="0" eaLnBrk="1" latinLnBrk="0" hangingPunct="1">
-                <a:lnSpc>
-                  <a:spcPct val="90000"/>
-                </a:lnSpc>
-                <a:spcBef>
-                  <a:spcPts val="1000"/>
-                </a:spcBef>
-                <a:buFont typeface="Arial" panose="020B0604020202020204" pitchFamily="34" charset="0"/>
-                <a:buChar char="•"/>
-                <a:defRPr sz="2800" kern="1200">
-                  <a:solidFill>
-                    <a:schemeClr val="tx1"/>
-                  </a:solidFill>
-                  <a:latin typeface="+mn-lt"/>
-                  <a:ea typeface="+mn-ea"/>
-                  <a:cs typeface="+mn-cs"/>
-                </a:defRPr>
-              </a:lvl1pPr>
-              <a:lvl2pPr marL="685800" indent="-228600" algn="l" defTabSz="914400" rtl="0" eaLnBrk="1" latinLnBrk="0" hangingPunct="1">
-                <a:lnSpc>
-                  <a:spcPct val="90000"/>
-                </a:lnSpc>
-                <a:spcBef>
-                  <a:spcPts val="500"/>
-                </a:spcBef>
-                <a:buFont typeface="Arial" panose="020B0604020202020204" pitchFamily="34" charset="0"/>
-                <a:buChar char="•"/>
-                <a:defRPr sz="2400" kern="1200">
-                  <a:solidFill>
-                    <a:schemeClr val="tx1"/>
-                  </a:solidFill>
-                  <a:latin typeface="+mn-lt"/>
-                  <a:ea typeface="+mn-ea"/>
-                  <a:cs typeface="+mn-cs"/>
-                </a:defRPr>
-              </a:lvl2pPr>
-              <a:lvl3pPr marL="1143000" indent="-228600" algn="l" defTabSz="914400" rtl="0" eaLnBrk="1" latinLnBrk="0" hangingPunct="1">
-                <a:lnSpc>
-                  <a:spcPct val="90000"/>
-                </a:lnSpc>
-                <a:spcBef>
-                  <a:spcPts val="500"/>
-                </a:spcBef>
-                <a:buFont typeface="Arial" panose="020B0604020202020204" pitchFamily="34" charset="0"/>
-                <a:buChar char="•"/>
-                <a:defRPr sz="2000" kern="1200">
-                  <a:solidFill>
-                    <a:schemeClr val="tx1"/>
-                  </a:solidFill>
-                  <a:latin typeface="+mn-lt"/>
-                  <a:ea typeface="+mn-ea"/>
-                  <a:cs typeface="+mn-cs"/>
-                </a:defRPr>
-              </a:lvl3pPr>
-              <a:lvl4pPr marL="1600200" indent="-228600" algn="l" defTabSz="914400" rtl="0" eaLnBrk="1" latinLnBrk="0" hangingPunct="1">
-                <a:lnSpc>
-                  <a:spcPct val="90000"/>
-                </a:lnSpc>
-                <a:spcBef>
-                  <a:spcPts val="500"/>
-                </a:spcBef>
-                <a:buFont typeface="Arial" panose="020B0604020202020204" pitchFamily="34" charset="0"/>
-                <a:buChar char="•"/>
-                <a:defRPr sz="1800" kern="1200">
-                  <a:solidFill>
-                    <a:schemeClr val="tx1"/>
-                  </a:solidFill>
-                  <a:latin typeface="+mn-lt"/>
-                  <a:ea typeface="+mn-ea"/>
-                  <a:cs typeface="+mn-cs"/>
-                </a:defRPr>
-              </a:lvl4pPr>
-              <a:lvl5pPr marL="2057400" indent="-228600" algn="l" defTabSz="914400" rtl="0" eaLnBrk="1" latinLnBrk="0" hangingPunct="1">
-                <a:lnSpc>
-                  <a:spcPct val="90000"/>
-                </a:lnSpc>
-                <a:spcBef>
-                  <a:spcPts val="500"/>
-                </a:spcBef>
-                <a:buFont typeface="Arial" panose="020B0604020202020204" pitchFamily="34" charset="0"/>
-                <a:buChar char="•"/>
-                <a:defRPr sz="1800" kern="1200">
-                  <a:solidFill>
-                    <a:schemeClr val="tx1"/>
-                  </a:solidFill>
-                  <a:latin typeface="+mn-lt"/>
-                  <a:ea typeface="+mn-ea"/>
-                  <a:cs typeface="+mn-cs"/>
-                </a:defRPr>
-              </a:lvl5pPr>
-              <a:lvl6pPr marL="2514600" indent="-228600" algn="l" defTabSz="914400" rtl="0" eaLnBrk="1" latinLnBrk="0" hangingPunct="1">
-                <a:lnSpc>
-                  <a:spcPct val="90000"/>
-                </a:lnSpc>
-                <a:spcBef>
-                  <a:spcPts val="500"/>
-                </a:spcBef>
-                <a:buFont typeface="Arial" panose="020B0604020202020204" pitchFamily="34" charset="0"/>
-                <a:buChar char="•"/>
-                <a:defRPr sz="1800" kern="1200">
-                  <a:solidFill>
-                    <a:schemeClr val="tx1"/>
-                  </a:solidFill>
-                  <a:latin typeface="+mn-lt"/>
-                  <a:ea typeface="+mn-ea"/>
-                  <a:cs typeface="+mn-cs"/>
-                </a:defRPr>
-              </a:lvl6pPr>
-              <a:lvl7pPr marL="2971800" indent="-228600" algn="l" defTabSz="914400" rtl="0" eaLnBrk="1" latinLnBrk="0" hangingPunct="1">
-                <a:lnSpc>
-                  <a:spcPct val="90000"/>
-                </a:lnSpc>
-                <a:spcBef>
-                  <a:spcPts val="500"/>
-                </a:spcBef>
-                <a:buFont typeface="Arial" panose="020B0604020202020204" pitchFamily="34" charset="0"/>
-                <a:buChar char="•"/>
-                <a:defRPr sz="1800" kern="1200">
-                  <a:solidFill>
-                    <a:schemeClr val="tx1"/>
-                  </a:solidFill>
-                  <a:latin typeface="+mn-lt"/>
-                  <a:ea typeface="+mn-ea"/>
-                  <a:cs typeface="+mn-cs"/>
-                </a:defRPr>
-              </a:lvl7pPr>
-              <a:lvl8pPr marL="3429000" indent="-228600" algn="l" defTabSz="914400" rtl="0" eaLnBrk="1" latinLnBrk="0" hangingPunct="1">
-                <a:lnSpc>
-                  <a:spcPct val="90000"/>
-                </a:lnSpc>
-                <a:spcBef>
-                  <a:spcPts val="500"/>
-                </a:spcBef>
-                <a:buFont typeface="Arial" panose="020B0604020202020204" pitchFamily="34" charset="0"/>
-                <a:buChar char="•"/>
-                <a:defRPr sz="1800" kern="1200">
-                  <a:solidFill>
-                    <a:schemeClr val="tx1"/>
-                  </a:solidFill>
-                  <a:latin typeface="+mn-lt"/>
-                  <a:ea typeface="+mn-ea"/>
-                  <a:cs typeface="+mn-cs"/>
-                </a:defRPr>
-              </a:lvl8pPr>
-              <a:lvl9pPr marL="3886200" indent="-228600" algn="l" defTabSz="914400" rtl="0" eaLnBrk="1" latinLnBrk="0" hangingPunct="1">
-                <a:lnSpc>
-                  <a:spcPct val="90000"/>
-                </a:lnSpc>
-                <a:spcBef>
-                  <a:spcPts val="500"/>
-                </a:spcBef>
-                <a:buFont typeface="Arial" panose="020B0604020202020204" pitchFamily="34" charset="0"/>
-                <a:buChar char="•"/>
-                <a:defRPr sz="1800" kern="1200">
-                  <a:solidFill>
-                    <a:schemeClr val="tx1"/>
-                  </a:solidFill>
-                  <a:latin typeface="+mn-lt"/>
-                  <a:ea typeface="+mn-ea"/>
-                  <a:cs typeface="+mn-cs"/>
-                </a:defRPr>
-              </a:lvl9pPr>
-            </a:lstStyle>
-            <a:p>
-              <a:pPr marL="0" indent="0">
-                <a:buNone/>
-              </a:pPr>
-              <a:r>
-                <a:rPr lang="en-US" sz="1400" kern="1000" dirty="0">
-                  <a:latin typeface="Arial" panose="020B0604020202020204" pitchFamily="34" charset="0"/>
-                  <a:cs typeface="Arial" panose="020B0604020202020204" pitchFamily="34" charset="0"/>
-                </a:rPr>
-                <a:t>1</a:t>
-              </a:r>
-            </a:p>
-            <a:p>
-              <a:pPr marL="0" indent="0">
-                <a:buNone/>
-              </a:pPr>
-              <a:r>
-                <a:rPr lang="en-US" sz="1400" kern="1000" dirty="0">
-                  <a:latin typeface="Arial" panose="020B0604020202020204" pitchFamily="34" charset="0"/>
-                  <a:cs typeface="Arial" panose="020B0604020202020204" pitchFamily="34" charset="0"/>
-                </a:rPr>
-                <a:t>2</a:t>
-              </a:r>
-            </a:p>
-            <a:p>
-              <a:pPr marL="0" indent="0">
-                <a:buNone/>
-              </a:pPr>
-              <a:r>
-                <a:rPr lang="en-US" sz="1400" kern="1000" dirty="0">
-                  <a:highlight>
-                    <a:srgbClr val="00FFFF"/>
-                  </a:highlight>
-                  <a:latin typeface="Arial" panose="020B0604020202020204" pitchFamily="34" charset="0"/>
-                  <a:cs typeface="Arial" panose="020B0604020202020204" pitchFamily="34" charset="0"/>
-                </a:rPr>
-                <a:t>3  File f = </a:t>
-              </a:r>
-              <a:r>
-                <a:rPr lang="en-US" sz="1400" b="1" kern="1000" dirty="0">
-                  <a:highlight>
-                    <a:srgbClr val="00FFFF"/>
-                  </a:highlight>
-                  <a:latin typeface="Arial" panose="020B0604020202020204" pitchFamily="34" charset="0"/>
-                  <a:cs typeface="Arial" panose="020B0604020202020204" pitchFamily="34" charset="0"/>
-                </a:rPr>
-                <a:t>new</a:t>
-              </a:r>
-              <a:r>
-                <a:rPr lang="en-US" sz="1400" kern="1000" dirty="0">
-                  <a:highlight>
-                    <a:srgbClr val="00FFFF"/>
-                  </a:highlight>
-                  <a:latin typeface="Arial" panose="020B0604020202020204" pitchFamily="34" charset="0"/>
-                  <a:cs typeface="Arial" panose="020B0604020202020204" pitchFamily="34" charset="0"/>
-                </a:rPr>
-                <a:t> File ("</a:t>
-              </a:r>
-              <a:r>
-                <a:rPr lang="en-US" sz="1400" kern="1000" dirty="0" err="1">
-                  <a:highlight>
-                    <a:srgbClr val="00FFFF"/>
-                  </a:highlight>
-                  <a:latin typeface="Arial" panose="020B0604020202020204" pitchFamily="34" charset="0"/>
-                  <a:cs typeface="Arial" panose="020B0604020202020204" pitchFamily="34" charset="0"/>
-                </a:rPr>
-                <a:t>Output.txt</a:t>
-              </a:r>
-              <a:r>
-                <a:rPr lang="en-US" sz="1400" kern="1000" dirty="0">
-                  <a:highlight>
-                    <a:srgbClr val="00FFFF"/>
-                  </a:highlight>
-                  <a:latin typeface="Arial" panose="020B0604020202020204" pitchFamily="34" charset="0"/>
-                  <a:cs typeface="Arial" panose="020B0604020202020204" pitchFamily="34" charset="0"/>
-                </a:rPr>
-                <a:t>"); </a:t>
-              </a:r>
-              <a:r>
-                <a:rPr lang="en-US" sz="1400" kern="1000" dirty="0">
-                  <a:solidFill>
-                    <a:schemeClr val="bg1"/>
-                  </a:solidFill>
-                  <a:highlight>
-                    <a:srgbClr val="00FFFF"/>
-                  </a:highlight>
-                  <a:latin typeface="Arial" panose="020B0604020202020204" pitchFamily="34" charset="0"/>
-                  <a:cs typeface="Arial" panose="020B0604020202020204" pitchFamily="34" charset="0"/>
-                </a:rPr>
-                <a:t>_______________________</a:t>
-              </a:r>
-            </a:p>
-            <a:p>
-              <a:pPr marL="0" indent="0">
-                <a:buNone/>
-              </a:pPr>
-              <a:r>
-                <a:rPr lang="en-US" sz="1400" kern="1000" dirty="0">
-                  <a:highlight>
-                    <a:srgbClr val="00FFFF"/>
-                  </a:highlight>
-                  <a:latin typeface="Arial" panose="020B0604020202020204" pitchFamily="34" charset="0"/>
-                  <a:cs typeface="Arial" panose="020B0604020202020204" pitchFamily="34" charset="0"/>
-                </a:rPr>
-                <a:t>4  </a:t>
-              </a:r>
-              <a:r>
-                <a:rPr lang="en-US" sz="1400" kern="1000" dirty="0" err="1">
-                  <a:highlight>
-                    <a:srgbClr val="00FFFF"/>
-                  </a:highlight>
-                  <a:latin typeface="Arial" panose="020B0604020202020204" pitchFamily="34" charset="0"/>
-                  <a:cs typeface="Arial" panose="020B0604020202020204" pitchFamily="34" charset="0"/>
-                </a:rPr>
-                <a:t>FileOutputStream</a:t>
-              </a:r>
-              <a:r>
-                <a:rPr lang="en-US" sz="1400" kern="1000" dirty="0">
-                  <a:highlight>
-                    <a:srgbClr val="00FFFF"/>
-                  </a:highlight>
-                  <a:latin typeface="Arial" panose="020B0604020202020204" pitchFamily="34" charset="0"/>
-                  <a:cs typeface="Arial" panose="020B0604020202020204" pitchFamily="34" charset="0"/>
-                </a:rPr>
-                <a:t> s = </a:t>
-              </a:r>
-              <a:r>
-                <a:rPr lang="en-US" sz="1400" b="1" kern="1000" dirty="0">
-                  <a:highlight>
-                    <a:srgbClr val="00FFFF"/>
-                  </a:highlight>
-                  <a:latin typeface="Arial" panose="020B0604020202020204" pitchFamily="34" charset="0"/>
-                  <a:cs typeface="Arial" panose="020B0604020202020204" pitchFamily="34" charset="0"/>
-                </a:rPr>
-                <a:t>new</a:t>
-              </a:r>
-              <a:r>
-                <a:rPr lang="en-US" sz="1400" kern="1000" dirty="0">
-                  <a:highlight>
-                    <a:srgbClr val="00FFFF"/>
-                  </a:highlight>
-                  <a:latin typeface="Arial" panose="020B0604020202020204" pitchFamily="34" charset="0"/>
-                  <a:cs typeface="Arial" panose="020B0604020202020204" pitchFamily="34" charset="0"/>
-                </a:rPr>
-                <a:t> </a:t>
-              </a:r>
-              <a:r>
-                <a:rPr lang="en-US" sz="1400" kern="1000" dirty="0" err="1">
-                  <a:highlight>
-                    <a:srgbClr val="00FFFF"/>
-                  </a:highlight>
-                  <a:latin typeface="Arial" panose="020B0604020202020204" pitchFamily="34" charset="0"/>
-                  <a:cs typeface="Arial" panose="020B0604020202020204" pitchFamily="34" charset="0"/>
-                </a:rPr>
-                <a:t>FileOutputStream</a:t>
-              </a:r>
-              <a:r>
-                <a:rPr lang="en-US" sz="1400" kern="1000" dirty="0">
-                  <a:highlight>
-                    <a:srgbClr val="00FFFF"/>
-                  </a:highlight>
-                  <a:latin typeface="Arial" panose="020B0604020202020204" pitchFamily="34" charset="0"/>
-                  <a:cs typeface="Arial" panose="020B0604020202020204" pitchFamily="34" charset="0"/>
-                </a:rPr>
-                <a:t> (f); </a:t>
-              </a:r>
-              <a:r>
-                <a:rPr lang="en-US" sz="1400" kern="1000" dirty="0">
-                  <a:solidFill>
-                    <a:schemeClr val="bg1"/>
-                  </a:solidFill>
-                  <a:highlight>
-                    <a:srgbClr val="00FFFF"/>
-                  </a:highlight>
-                  <a:latin typeface="Arial" panose="020B0604020202020204" pitchFamily="34" charset="0"/>
-                  <a:cs typeface="Arial" panose="020B0604020202020204" pitchFamily="34" charset="0"/>
-                </a:rPr>
-                <a:t>_________</a:t>
-              </a:r>
-            </a:p>
-            <a:p>
-              <a:pPr marL="0" indent="0">
-                <a:buNone/>
-              </a:pPr>
-              <a:r>
-                <a:rPr lang="en-US" sz="1400" kern="1000" dirty="0">
-                  <a:latin typeface="Arial" panose="020B0604020202020204" pitchFamily="34" charset="0"/>
-                  <a:cs typeface="Arial" panose="020B0604020202020204" pitchFamily="34" charset="0"/>
-                </a:rPr>
-                <a:t>5  </a:t>
-              </a:r>
-              <a:r>
-                <a:rPr lang="en-US" sz="1400" kern="1000" dirty="0" err="1">
-                  <a:latin typeface="Arial" panose="020B0604020202020204" pitchFamily="34" charset="0"/>
-                  <a:cs typeface="Arial" panose="020B0604020202020204" pitchFamily="34" charset="0"/>
-                </a:rPr>
-                <a:t>i</a:t>
-              </a:r>
-              <a:r>
-                <a:rPr lang="en-US" sz="1400" kern="1000" dirty="0">
-                  <a:latin typeface="Arial" panose="020B0604020202020204" pitchFamily="34" charset="0"/>
-                  <a:cs typeface="Arial" panose="020B0604020202020204" pitchFamily="34" charset="0"/>
-                </a:rPr>
-                <a:t> = </a:t>
-              </a:r>
-              <a:r>
-                <a:rPr lang="en-US" sz="1400" kern="1000" dirty="0" err="1">
-                  <a:latin typeface="Arial" panose="020B0604020202020204" pitchFamily="34" charset="0"/>
-                  <a:cs typeface="Arial" panose="020B0604020202020204" pitchFamily="34" charset="0"/>
-                </a:rPr>
-                <a:t>str.indexOf</a:t>
-              </a:r>
-              <a:r>
-                <a:rPr lang="en-US" sz="1400" kern="1000" dirty="0">
-                  <a:latin typeface="Arial" panose="020B0604020202020204" pitchFamily="34" charset="0"/>
-                  <a:cs typeface="Arial" panose="020B0604020202020204" pitchFamily="34" charset="0"/>
-                </a:rPr>
-                <a:t> ("</a:t>
-              </a:r>
-              <a:r>
-                <a:rPr lang="en-US" sz="1400" kern="1000" dirty="0" err="1">
-                  <a:latin typeface="Arial" panose="020B0604020202020204" pitchFamily="34" charset="0"/>
-                  <a:cs typeface="Arial" panose="020B0604020202020204" pitchFamily="34" charset="0"/>
-                </a:rPr>
-                <a:t>pattern",start</a:t>
-              </a:r>
-              <a:r>
-                <a:rPr lang="en-US" sz="1400" kern="1000" dirty="0">
-                  <a:latin typeface="Arial" panose="020B0604020202020204" pitchFamily="34" charset="0"/>
-                  <a:cs typeface="Arial" panose="020B0604020202020204" pitchFamily="34" charset="0"/>
-                </a:rPr>
-                <a:t>); </a:t>
-              </a:r>
-              <a:r>
-                <a:rPr lang="en-US" sz="1400" kern="1000" dirty="0">
-                  <a:solidFill>
-                    <a:schemeClr val="bg1"/>
-                  </a:solidFill>
-                  <a:latin typeface="Arial" panose="020B0604020202020204" pitchFamily="34" charset="0"/>
-                  <a:cs typeface="Arial" panose="020B0604020202020204" pitchFamily="34" charset="0"/>
-                </a:rPr>
-                <a:t>______________________</a:t>
-              </a:r>
-            </a:p>
-          </p:txBody>
-        </p:sp>
-        <p:sp>
-          <p:nvSpPr>
-            <p:cNvPr id="6" name="TextBox 5">
-              <a:extLst>
-                <a:ext uri="{FF2B5EF4-FFF2-40B4-BE49-F238E27FC236}">
-                  <a16:creationId xmlns:a16="http://schemas.microsoft.com/office/drawing/2014/main" id="{3E08CB3B-F3B8-554E-8241-BD3C7F0E29B4}"/>
-                </a:ext>
-              </a:extLst>
-            </p:cNvPr>
-            <p:cNvSpPr txBox="1"/>
-            <p:nvPr/>
-          </p:nvSpPr>
-          <p:spPr>
-            <a:xfrm>
-              <a:off x="954578" y="4675932"/>
-              <a:ext cx="5577839" cy="369332"/>
-            </a:xfrm>
-            <a:prstGeom prst="rect">
-              <a:avLst/>
-            </a:prstGeom>
-            <a:noFill/>
-          </p:spPr>
-          <p:txBody>
-            <a:bodyPr wrap="square" rtlCol="0">
-              <a:spAutoFit/>
-            </a:bodyPr>
-            <a:lstStyle/>
-            <a:p>
-              <a:pPr algn="ctr"/>
-              <a:r>
-                <a:rPr lang="en-US" i="1" dirty="0"/>
-                <a:t>Before</a:t>
-              </a:r>
-            </a:p>
-          </p:txBody>
-        </p:sp>
-        <p:sp>
-          <p:nvSpPr>
-            <p:cNvPr id="7" name="Content Placeholder 2">
-              <a:extLst>
-                <a:ext uri="{FF2B5EF4-FFF2-40B4-BE49-F238E27FC236}">
-                  <a16:creationId xmlns:a16="http://schemas.microsoft.com/office/drawing/2014/main" id="{78BE8FD7-1DD2-7840-B346-C8E45549E748}"/>
-                </a:ext>
-              </a:extLst>
-            </p:cNvPr>
-            <p:cNvSpPr txBox="1">
-              <a:spLocks/>
-            </p:cNvSpPr>
-            <p:nvPr/>
-          </p:nvSpPr>
-          <p:spPr>
-            <a:xfrm>
-              <a:off x="6532419" y="5093389"/>
-              <a:ext cx="4821381" cy="1630873"/>
-            </a:xfrm>
-            <a:prstGeom prst="rect">
-              <a:avLst/>
-            </a:prstGeom>
-          </p:spPr>
-          <p:txBody>
-            <a:bodyPr vert="horz" lIns="91440" tIns="45720" rIns="91440" bIns="45720" rtlCol="0">
-              <a:noAutofit/>
-            </a:bodyPr>
-            <a:lstStyle>
-              <a:lvl1pPr marL="228600" indent="-228600" algn="l" defTabSz="914400" rtl="0" eaLnBrk="1" latinLnBrk="0" hangingPunct="1">
-                <a:lnSpc>
-                  <a:spcPct val="90000"/>
-                </a:lnSpc>
-                <a:spcBef>
-                  <a:spcPts val="1000"/>
-                </a:spcBef>
-                <a:buFont typeface="Arial" panose="020B0604020202020204" pitchFamily="34" charset="0"/>
-                <a:buChar char="•"/>
-                <a:defRPr sz="2800" kern="1200">
-                  <a:solidFill>
-                    <a:schemeClr val="tx1"/>
-                  </a:solidFill>
-                  <a:latin typeface="+mn-lt"/>
-                  <a:ea typeface="+mn-ea"/>
-                  <a:cs typeface="+mn-cs"/>
-                </a:defRPr>
-              </a:lvl1pPr>
-              <a:lvl2pPr marL="685800" indent="-228600" algn="l" defTabSz="914400" rtl="0" eaLnBrk="1" latinLnBrk="0" hangingPunct="1">
-                <a:lnSpc>
-                  <a:spcPct val="90000"/>
-                </a:lnSpc>
-                <a:spcBef>
-                  <a:spcPts val="500"/>
-                </a:spcBef>
-                <a:buFont typeface="Arial" panose="020B0604020202020204" pitchFamily="34" charset="0"/>
-                <a:buChar char="•"/>
-                <a:defRPr sz="2400" kern="1200">
-                  <a:solidFill>
-                    <a:schemeClr val="tx1"/>
-                  </a:solidFill>
-                  <a:latin typeface="+mn-lt"/>
-                  <a:ea typeface="+mn-ea"/>
-                  <a:cs typeface="+mn-cs"/>
-                </a:defRPr>
-              </a:lvl2pPr>
-              <a:lvl3pPr marL="1143000" indent="-228600" algn="l" defTabSz="914400" rtl="0" eaLnBrk="1" latinLnBrk="0" hangingPunct="1">
-                <a:lnSpc>
-                  <a:spcPct val="90000"/>
-                </a:lnSpc>
-                <a:spcBef>
-                  <a:spcPts val="500"/>
-                </a:spcBef>
-                <a:buFont typeface="Arial" panose="020B0604020202020204" pitchFamily="34" charset="0"/>
-                <a:buChar char="•"/>
-                <a:defRPr sz="2000" kern="1200">
-                  <a:solidFill>
-                    <a:schemeClr val="tx1"/>
-                  </a:solidFill>
-                  <a:latin typeface="+mn-lt"/>
-                  <a:ea typeface="+mn-ea"/>
-                  <a:cs typeface="+mn-cs"/>
-                </a:defRPr>
-              </a:lvl3pPr>
-              <a:lvl4pPr marL="1600200" indent="-228600" algn="l" defTabSz="914400" rtl="0" eaLnBrk="1" latinLnBrk="0" hangingPunct="1">
-                <a:lnSpc>
-                  <a:spcPct val="90000"/>
-                </a:lnSpc>
-                <a:spcBef>
-                  <a:spcPts val="500"/>
-                </a:spcBef>
-                <a:buFont typeface="Arial" panose="020B0604020202020204" pitchFamily="34" charset="0"/>
-                <a:buChar char="•"/>
-                <a:defRPr sz="1800" kern="1200">
-                  <a:solidFill>
-                    <a:schemeClr val="tx1"/>
-                  </a:solidFill>
-                  <a:latin typeface="+mn-lt"/>
-                  <a:ea typeface="+mn-ea"/>
-                  <a:cs typeface="+mn-cs"/>
-                </a:defRPr>
-              </a:lvl4pPr>
-              <a:lvl5pPr marL="2057400" indent="-228600" algn="l" defTabSz="914400" rtl="0" eaLnBrk="1" latinLnBrk="0" hangingPunct="1">
-                <a:lnSpc>
-                  <a:spcPct val="90000"/>
-                </a:lnSpc>
-                <a:spcBef>
-                  <a:spcPts val="500"/>
-                </a:spcBef>
-                <a:buFont typeface="Arial" panose="020B0604020202020204" pitchFamily="34" charset="0"/>
-                <a:buChar char="•"/>
-                <a:defRPr sz="1800" kern="1200">
-                  <a:solidFill>
-                    <a:schemeClr val="tx1"/>
-                  </a:solidFill>
-                  <a:latin typeface="+mn-lt"/>
-                  <a:ea typeface="+mn-ea"/>
-                  <a:cs typeface="+mn-cs"/>
-                </a:defRPr>
-              </a:lvl5pPr>
-              <a:lvl6pPr marL="2514600" indent="-228600" algn="l" defTabSz="914400" rtl="0" eaLnBrk="1" latinLnBrk="0" hangingPunct="1">
-                <a:lnSpc>
-                  <a:spcPct val="90000"/>
-                </a:lnSpc>
-                <a:spcBef>
-                  <a:spcPts val="500"/>
-                </a:spcBef>
-                <a:buFont typeface="Arial" panose="020B0604020202020204" pitchFamily="34" charset="0"/>
-                <a:buChar char="•"/>
-                <a:defRPr sz="1800" kern="1200">
-                  <a:solidFill>
-                    <a:schemeClr val="tx1"/>
-                  </a:solidFill>
-                  <a:latin typeface="+mn-lt"/>
-                  <a:ea typeface="+mn-ea"/>
-                  <a:cs typeface="+mn-cs"/>
-                </a:defRPr>
-              </a:lvl6pPr>
-              <a:lvl7pPr marL="2971800" indent="-228600" algn="l" defTabSz="914400" rtl="0" eaLnBrk="1" latinLnBrk="0" hangingPunct="1">
-                <a:lnSpc>
-                  <a:spcPct val="90000"/>
-                </a:lnSpc>
-                <a:spcBef>
-                  <a:spcPts val="500"/>
-                </a:spcBef>
-                <a:buFont typeface="Arial" panose="020B0604020202020204" pitchFamily="34" charset="0"/>
-                <a:buChar char="•"/>
-                <a:defRPr sz="1800" kern="1200">
-                  <a:solidFill>
-                    <a:schemeClr val="tx1"/>
-                  </a:solidFill>
-                  <a:latin typeface="+mn-lt"/>
-                  <a:ea typeface="+mn-ea"/>
-                  <a:cs typeface="+mn-cs"/>
-                </a:defRPr>
-              </a:lvl7pPr>
-              <a:lvl8pPr marL="3429000" indent="-228600" algn="l" defTabSz="914400" rtl="0" eaLnBrk="1" latinLnBrk="0" hangingPunct="1">
-                <a:lnSpc>
-                  <a:spcPct val="90000"/>
-                </a:lnSpc>
-                <a:spcBef>
-                  <a:spcPts val="500"/>
-                </a:spcBef>
-                <a:buFont typeface="Arial" panose="020B0604020202020204" pitchFamily="34" charset="0"/>
-                <a:buChar char="•"/>
-                <a:defRPr sz="1800" kern="1200">
-                  <a:solidFill>
-                    <a:schemeClr val="tx1"/>
-                  </a:solidFill>
-                  <a:latin typeface="+mn-lt"/>
-                  <a:ea typeface="+mn-ea"/>
-                  <a:cs typeface="+mn-cs"/>
-                </a:defRPr>
-              </a:lvl8pPr>
-              <a:lvl9pPr marL="3886200" indent="-228600" algn="l" defTabSz="914400" rtl="0" eaLnBrk="1" latinLnBrk="0" hangingPunct="1">
-                <a:lnSpc>
-                  <a:spcPct val="90000"/>
-                </a:lnSpc>
-                <a:spcBef>
-                  <a:spcPts val="500"/>
-                </a:spcBef>
-                <a:buFont typeface="Arial" panose="020B0604020202020204" pitchFamily="34" charset="0"/>
-                <a:buChar char="•"/>
-                <a:defRPr sz="1800" kern="1200">
-                  <a:solidFill>
-                    <a:schemeClr val="tx1"/>
-                  </a:solidFill>
-                  <a:latin typeface="+mn-lt"/>
-                  <a:ea typeface="+mn-ea"/>
-                  <a:cs typeface="+mn-cs"/>
-                </a:defRPr>
-              </a:lvl9pPr>
-            </a:lstStyle>
-            <a:p>
-              <a:pPr marL="0" indent="0">
-                <a:buNone/>
-              </a:pPr>
-              <a:r>
-                <a:rPr lang="en-US" sz="1400" kern="1000" dirty="0">
-                  <a:highlight>
-                    <a:srgbClr val="00FF00"/>
-                  </a:highlight>
-                  <a:latin typeface="Arial" panose="020B0604020202020204" pitchFamily="34" charset="0"/>
-                  <a:cs typeface="Arial" panose="020B0604020202020204" pitchFamily="34" charset="0"/>
-                </a:rPr>
-                <a:t>1+  if(start &lt;= 0)  </a:t>
-              </a:r>
-              <a:r>
-                <a:rPr lang="en-US" sz="1400" kern="1000" dirty="0">
-                  <a:solidFill>
-                    <a:schemeClr val="bg1"/>
-                  </a:solidFill>
-                  <a:highlight>
-                    <a:srgbClr val="00FF00"/>
-                  </a:highlight>
-                  <a:latin typeface="Arial" panose="020B0604020202020204" pitchFamily="34" charset="0"/>
-                  <a:cs typeface="Arial" panose="020B0604020202020204" pitchFamily="34" charset="0"/>
-                </a:rPr>
-                <a:t>_______________________________</a:t>
-              </a:r>
-            </a:p>
-            <a:p>
-              <a:pPr marL="0" indent="0">
-                <a:buNone/>
-              </a:pPr>
-              <a:r>
-                <a:rPr lang="en-US" sz="1400" kern="1000" dirty="0">
-                  <a:highlight>
-                    <a:srgbClr val="00FF00"/>
-                  </a:highlight>
-                  <a:latin typeface="Arial" panose="020B0604020202020204" pitchFamily="34" charset="0"/>
-                  <a:cs typeface="Arial" panose="020B0604020202020204" pitchFamily="34" charset="0"/>
-                </a:rPr>
-                <a:t>2+  return; </a:t>
-              </a:r>
-              <a:r>
-                <a:rPr lang="en-US" sz="1400" kern="1000" dirty="0">
-                  <a:solidFill>
-                    <a:schemeClr val="bg1"/>
-                  </a:solidFill>
-                  <a:highlight>
-                    <a:srgbClr val="00FF00"/>
-                  </a:highlight>
-                  <a:latin typeface="Arial" panose="020B0604020202020204" pitchFamily="34" charset="0"/>
-                  <a:cs typeface="Arial" panose="020B0604020202020204" pitchFamily="34" charset="0"/>
-                </a:rPr>
-                <a:t>____________________________________</a:t>
-              </a:r>
-            </a:p>
-            <a:p>
-              <a:pPr marL="0" indent="0">
-                <a:buNone/>
-              </a:pPr>
-              <a:r>
-                <a:rPr lang="en-US" sz="1400" kern="1000" dirty="0">
-                  <a:highlight>
-                    <a:srgbClr val="00FFFF"/>
-                  </a:highlight>
-                  <a:latin typeface="Arial" panose="020B0604020202020204" pitchFamily="34" charset="0"/>
-                  <a:cs typeface="Arial" panose="020B0604020202020204" pitchFamily="34" charset="0"/>
-                </a:rPr>
-                <a:t>3    File f = new File ("</a:t>
-              </a:r>
-              <a:r>
-                <a:rPr lang="en-US" sz="1400" kern="1000" dirty="0" err="1">
-                  <a:highlight>
-                    <a:srgbClr val="00FFFF"/>
-                  </a:highlight>
-                  <a:latin typeface="Arial" panose="020B0604020202020204" pitchFamily="34" charset="0"/>
-                  <a:cs typeface="Arial" panose="020B0604020202020204" pitchFamily="34" charset="0"/>
-                </a:rPr>
-                <a:t>Output.txt</a:t>
-              </a:r>
-              <a:r>
-                <a:rPr lang="en-US" sz="1400" kern="1000" dirty="0">
-                  <a:highlight>
-                    <a:srgbClr val="00FFFF"/>
-                  </a:highlight>
-                  <a:latin typeface="Arial" panose="020B0604020202020204" pitchFamily="34" charset="0"/>
-                  <a:cs typeface="Arial" panose="020B0604020202020204" pitchFamily="34" charset="0"/>
-                </a:rPr>
-                <a:t>");</a:t>
-              </a:r>
-              <a:r>
-                <a:rPr lang="en-US" sz="1400" kern="1000" dirty="0">
-                  <a:solidFill>
-                    <a:schemeClr val="bg1"/>
-                  </a:solidFill>
-                  <a:highlight>
-                    <a:srgbClr val="00FFFF"/>
-                  </a:highlight>
-                  <a:latin typeface="Arial" panose="020B0604020202020204" pitchFamily="34" charset="0"/>
-                  <a:cs typeface="Arial" panose="020B0604020202020204" pitchFamily="34" charset="0"/>
-                </a:rPr>
-                <a:t>__________________</a:t>
-              </a:r>
-              <a:r>
-                <a:rPr lang="en-US" sz="1400" kern="1000" dirty="0">
-                  <a:highlight>
-                    <a:srgbClr val="00FFFF"/>
-                  </a:highlight>
-                  <a:latin typeface="Arial" panose="020B0604020202020204" pitchFamily="34" charset="0"/>
-                  <a:cs typeface="Arial" panose="020B0604020202020204" pitchFamily="34" charset="0"/>
-                </a:rPr>
-                <a:t> </a:t>
-              </a:r>
-            </a:p>
-            <a:p>
-              <a:pPr marL="0" indent="0">
-                <a:buNone/>
-              </a:pPr>
-              <a:r>
-                <a:rPr lang="en-US" sz="1400" kern="1000" dirty="0">
-                  <a:highlight>
-                    <a:srgbClr val="00FFFF"/>
-                  </a:highlight>
-                  <a:latin typeface="Arial" panose="020B0604020202020204" pitchFamily="34" charset="0"/>
-                  <a:cs typeface="Arial" panose="020B0604020202020204" pitchFamily="34" charset="0"/>
-                </a:rPr>
-                <a:t>4    </a:t>
-              </a:r>
-              <a:r>
-                <a:rPr lang="en-US" sz="1400" kern="1000" dirty="0" err="1">
-                  <a:highlight>
-                    <a:srgbClr val="00FFFF"/>
-                  </a:highlight>
-                  <a:latin typeface="Arial" panose="020B0604020202020204" pitchFamily="34" charset="0"/>
-                  <a:cs typeface="Arial" panose="020B0604020202020204" pitchFamily="34" charset="0"/>
-                </a:rPr>
-                <a:t>FileOutputStream</a:t>
-              </a:r>
-              <a:r>
-                <a:rPr lang="en-US" sz="1400" kern="1000" dirty="0">
-                  <a:highlight>
-                    <a:srgbClr val="00FFFF"/>
-                  </a:highlight>
-                  <a:latin typeface="Arial" panose="020B0604020202020204" pitchFamily="34" charset="0"/>
-                  <a:cs typeface="Arial" panose="020B0604020202020204" pitchFamily="34" charset="0"/>
-                </a:rPr>
-                <a:t> s = new </a:t>
-              </a:r>
-              <a:r>
-                <a:rPr lang="en-US" sz="1400" kern="1000" dirty="0" err="1">
-                  <a:highlight>
-                    <a:srgbClr val="00FFFF"/>
-                  </a:highlight>
-                  <a:latin typeface="Arial" panose="020B0604020202020204" pitchFamily="34" charset="0"/>
-                  <a:cs typeface="Arial" panose="020B0604020202020204" pitchFamily="34" charset="0"/>
-                </a:rPr>
-                <a:t>FileOutputStream</a:t>
-              </a:r>
-              <a:r>
-                <a:rPr lang="en-US" sz="1400" kern="1000" dirty="0">
-                  <a:highlight>
-                    <a:srgbClr val="00FFFF"/>
-                  </a:highlight>
-                  <a:latin typeface="Arial" panose="020B0604020202020204" pitchFamily="34" charset="0"/>
-                  <a:cs typeface="Arial" panose="020B0604020202020204" pitchFamily="34" charset="0"/>
-                </a:rPr>
-                <a:t> (f);</a:t>
-              </a:r>
-              <a:r>
-                <a:rPr lang="en-US" sz="1400" kern="1000" dirty="0">
-                  <a:solidFill>
-                    <a:schemeClr val="bg1"/>
-                  </a:solidFill>
-                  <a:highlight>
-                    <a:srgbClr val="00FFFF"/>
-                  </a:highlight>
-                  <a:latin typeface="Arial" panose="020B0604020202020204" pitchFamily="34" charset="0"/>
-                  <a:cs typeface="Arial" panose="020B0604020202020204" pitchFamily="34" charset="0"/>
-                </a:rPr>
-                <a:t>____</a:t>
-              </a:r>
-              <a:r>
-                <a:rPr lang="en-US" sz="1400" kern="1000" dirty="0">
-                  <a:highlight>
-                    <a:srgbClr val="00FFFF"/>
-                  </a:highlight>
-                  <a:latin typeface="Arial" panose="020B0604020202020204" pitchFamily="34" charset="0"/>
-                  <a:cs typeface="Arial" panose="020B0604020202020204" pitchFamily="34" charset="0"/>
-                </a:rPr>
-                <a:t> </a:t>
-              </a:r>
-            </a:p>
-            <a:p>
-              <a:pPr marL="0" indent="0">
-                <a:buNone/>
-              </a:pPr>
-              <a:r>
-                <a:rPr lang="en-US" sz="1400" kern="1000" dirty="0">
-                  <a:latin typeface="Arial" panose="020B0604020202020204" pitchFamily="34" charset="0"/>
-                  <a:cs typeface="Arial" panose="020B0604020202020204" pitchFamily="34" charset="0"/>
-                </a:rPr>
-                <a:t>5    </a:t>
-              </a:r>
-              <a:r>
-                <a:rPr lang="en-US" sz="1400" kern="1000" dirty="0" err="1">
-                  <a:latin typeface="Arial" panose="020B0604020202020204" pitchFamily="34" charset="0"/>
-                  <a:cs typeface="Arial" panose="020B0604020202020204" pitchFamily="34" charset="0"/>
-                </a:rPr>
-                <a:t>i</a:t>
-              </a:r>
-              <a:r>
-                <a:rPr lang="en-US" sz="1400" kern="1000" dirty="0">
-                  <a:latin typeface="Arial" panose="020B0604020202020204" pitchFamily="34" charset="0"/>
-                  <a:cs typeface="Arial" panose="020B0604020202020204" pitchFamily="34" charset="0"/>
-                </a:rPr>
-                <a:t> = </a:t>
-              </a:r>
-              <a:r>
-                <a:rPr lang="en-US" sz="1400" kern="1000" dirty="0" err="1">
-                  <a:latin typeface="Arial" panose="020B0604020202020204" pitchFamily="34" charset="0"/>
-                  <a:cs typeface="Arial" panose="020B0604020202020204" pitchFamily="34" charset="0"/>
-                </a:rPr>
-                <a:t>str.indexOf</a:t>
-              </a:r>
-              <a:r>
-                <a:rPr lang="en-US" sz="1400" kern="1000" dirty="0">
-                  <a:latin typeface="Arial" panose="020B0604020202020204" pitchFamily="34" charset="0"/>
-                  <a:cs typeface="Arial" panose="020B0604020202020204" pitchFamily="34" charset="0"/>
-                </a:rPr>
-                <a:t> ("</a:t>
-              </a:r>
-              <a:r>
-                <a:rPr lang="en-US" sz="1400" kern="1000" dirty="0" err="1">
-                  <a:latin typeface="Arial" panose="020B0604020202020204" pitchFamily="34" charset="0"/>
-                  <a:cs typeface="Arial" panose="020B0604020202020204" pitchFamily="34" charset="0"/>
-                </a:rPr>
-                <a:t>pattern",start</a:t>
-              </a:r>
-              <a:r>
-                <a:rPr lang="en-US" sz="1400" kern="1000" dirty="0">
-                  <a:latin typeface="Arial" panose="020B0604020202020204" pitchFamily="34" charset="0"/>
-                  <a:cs typeface="Arial" panose="020B0604020202020204" pitchFamily="34" charset="0"/>
-                </a:rPr>
-                <a:t>);</a:t>
-              </a:r>
-              <a:r>
-                <a:rPr lang="en-US" sz="1400" kern="1000" dirty="0">
-                  <a:solidFill>
-                    <a:schemeClr val="bg1"/>
-                  </a:solidFill>
-                  <a:latin typeface="Arial" panose="020B0604020202020204" pitchFamily="34" charset="0"/>
-                  <a:cs typeface="Arial" panose="020B0604020202020204" pitchFamily="34" charset="0"/>
-                </a:rPr>
-                <a:t>____</a:t>
-              </a:r>
-            </a:p>
-          </p:txBody>
-        </p:sp>
-        <p:sp>
-          <p:nvSpPr>
-            <p:cNvPr id="8" name="TextBox 7">
-              <a:extLst>
-                <a:ext uri="{FF2B5EF4-FFF2-40B4-BE49-F238E27FC236}">
-                  <a16:creationId xmlns:a16="http://schemas.microsoft.com/office/drawing/2014/main" id="{70689D7A-662C-E646-B5C5-D54734D6816D}"/>
-                </a:ext>
-              </a:extLst>
-            </p:cNvPr>
-            <p:cNvSpPr txBox="1"/>
-            <p:nvPr/>
-          </p:nvSpPr>
-          <p:spPr>
-            <a:xfrm>
-              <a:off x="6532417" y="4652900"/>
-              <a:ext cx="4821381" cy="369332"/>
-            </a:xfrm>
-            <a:prstGeom prst="rect">
-              <a:avLst/>
-            </a:prstGeom>
-            <a:noFill/>
-          </p:spPr>
-          <p:txBody>
-            <a:bodyPr wrap="square" rtlCol="0">
-              <a:spAutoFit/>
-            </a:bodyPr>
-            <a:lstStyle/>
-            <a:p>
-              <a:pPr algn="ctr"/>
-              <a:r>
-                <a:rPr lang="en-US" i="1" dirty="0"/>
-                <a:t>After</a:t>
-              </a:r>
-            </a:p>
-          </p:txBody>
-        </p:sp>
-      </p:grpSp>
-      <p:grpSp>
-        <p:nvGrpSpPr>
-          <p:cNvPr id="14" name="Group 13">
-            <a:extLst>
-              <a:ext uri="{FF2B5EF4-FFF2-40B4-BE49-F238E27FC236}">
-                <a16:creationId xmlns:a16="http://schemas.microsoft.com/office/drawing/2014/main" id="{ED127307-BDF0-6548-A441-BC0A8780E32A}"/>
-              </a:ext>
-            </a:extLst>
-          </p:cNvPr>
-          <p:cNvGrpSpPr/>
-          <p:nvPr/>
-        </p:nvGrpSpPr>
-        <p:grpSpPr>
-          <a:xfrm>
-            <a:off x="954578" y="5989614"/>
-            <a:ext cx="10116697" cy="366736"/>
-            <a:chOff x="954578" y="5989614"/>
-            <a:chExt cx="10116697" cy="366736"/>
-          </a:xfrm>
-        </p:grpSpPr>
-        <p:sp>
-          <p:nvSpPr>
-            <p:cNvPr id="12" name="Rectangle 11">
-              <a:extLst>
-                <a:ext uri="{FF2B5EF4-FFF2-40B4-BE49-F238E27FC236}">
-                  <a16:creationId xmlns:a16="http://schemas.microsoft.com/office/drawing/2014/main" id="{9582E837-870B-3A49-B8E8-2B92BBB5DBA7}"/>
-                </a:ext>
-              </a:extLst>
-            </p:cNvPr>
-            <p:cNvSpPr/>
-            <p:nvPr/>
-          </p:nvSpPr>
-          <p:spPr>
-            <a:xfrm>
-              <a:off x="954578" y="5991226"/>
-              <a:ext cx="4996056" cy="365124"/>
-            </a:xfrm>
-            <a:prstGeom prst="rect">
-              <a:avLst/>
-            </a:prstGeom>
-            <a:noFill/>
-            <a:ln w="28575" cap="flat">
-              <a:solidFill>
-                <a:srgbClr val="FF0000"/>
-              </a:solidFill>
-              <a:miter lim="400000"/>
-            </a:ln>
-            <a:effectLst>
-              <a:outerShdw blurRad="50800" dist="12700" rotWithShape="0">
-                <a:srgbClr val="000000">
-                  <a:alpha val="50000"/>
-                </a:srgbClr>
-              </a:outerShdw>
-            </a:effectLst>
-            <a:extLst>
-              <a:ext uri="{C572A759-6A51-4108-AA02-DFA0A04FC94B}">
-                <ma14:wrappingTextBoxFlag xmlns:ma14="http://schemas.microsoft.com/office/mac/drawingml/2011/main" xmlns="" val="1"/>
-              </a:ext>
-            </a:extLst>
-          </p:spPr>
-          <p:txBody>
-            <a:bodyPr wrap="square" lIns="50800" tIns="50800" rIns="50800" bIns="50800" numCol="1" rtlCol="0" anchor="ctr">
-              <a:noAutofit/>
-            </a:bodyPr>
-            <a:lstStyle/>
-            <a:p>
-              <a:pPr algn="ctr"/>
-              <a:endParaRPr lang="en-US" sz="2400" dirty="0">
-                <a:solidFill>
-                  <a:srgbClr val="FFFFFF"/>
-                </a:solidFill>
-              </a:endParaRPr>
-            </a:p>
-          </p:txBody>
-        </p:sp>
-        <p:sp>
-          <p:nvSpPr>
-            <p:cNvPr id="13" name="Rectangle 12">
-              <a:extLst>
-                <a:ext uri="{FF2B5EF4-FFF2-40B4-BE49-F238E27FC236}">
-                  <a16:creationId xmlns:a16="http://schemas.microsoft.com/office/drawing/2014/main" id="{9E601EAD-2689-FD48-96C3-316453F39EA0}"/>
-                </a:ext>
-              </a:extLst>
-            </p:cNvPr>
-            <p:cNvSpPr/>
-            <p:nvPr/>
-          </p:nvSpPr>
-          <p:spPr>
-            <a:xfrm>
-              <a:off x="6532417" y="5989614"/>
-              <a:ext cx="4538858" cy="365124"/>
-            </a:xfrm>
-            <a:prstGeom prst="rect">
-              <a:avLst/>
-            </a:prstGeom>
-            <a:noFill/>
-            <a:ln w="28575" cap="flat">
-              <a:solidFill>
-                <a:srgbClr val="FF0000"/>
-              </a:solidFill>
-              <a:miter lim="400000"/>
-            </a:ln>
-            <a:effectLst>
-              <a:outerShdw blurRad="50800" dist="12700" rotWithShape="0">
-                <a:srgbClr val="000000">
-                  <a:alpha val="50000"/>
-                </a:srgbClr>
-              </a:outerShdw>
-            </a:effectLst>
-            <a:extLst>
-              <a:ext uri="{C572A759-6A51-4108-AA02-DFA0A04FC94B}">
-                <ma14:wrappingTextBoxFlag xmlns:ma14="http://schemas.microsoft.com/office/mac/drawingml/2011/main" xmlns="" val="1"/>
-              </a:ext>
-            </a:extLst>
-          </p:spPr>
-          <p:txBody>
-            <a:bodyPr wrap="square" lIns="50800" tIns="50800" rIns="50800" bIns="50800" numCol="1" rtlCol="0" anchor="ctr">
-              <a:noAutofit/>
-            </a:bodyPr>
-            <a:lstStyle/>
-            <a:p>
-              <a:pPr algn="ctr"/>
-              <a:endParaRPr lang="en-US" sz="2400" dirty="0">
-                <a:solidFill>
-                  <a:srgbClr val="FFFFFF"/>
-                </a:solidFill>
-              </a:endParaRPr>
-            </a:p>
-          </p:txBody>
-        </p:sp>
-      </p:grpSp>
-      <p:sp>
-        <p:nvSpPr>
-          <p:cNvPr id="15" name="Rectangle 14">
-            <a:extLst>
-              <a:ext uri="{FF2B5EF4-FFF2-40B4-BE49-F238E27FC236}">
-                <a16:creationId xmlns:a16="http://schemas.microsoft.com/office/drawing/2014/main" id="{FD1F8F9B-DEBF-4940-8749-E1E7797EFAD7}"/>
-              </a:ext>
-            </a:extLst>
-          </p:cNvPr>
-          <p:cNvSpPr/>
-          <p:nvPr/>
-        </p:nvSpPr>
-        <p:spPr>
-          <a:xfrm>
-            <a:off x="6532417" y="4682817"/>
-            <a:ext cx="4538858" cy="668671"/>
-          </a:xfrm>
-          <a:prstGeom prst="rect">
-            <a:avLst/>
-          </a:prstGeom>
-          <a:noFill/>
-          <a:ln w="28575" cap="flat">
-            <a:solidFill>
-              <a:srgbClr val="00B0F0"/>
-            </a:solidFill>
-            <a:miter lim="400000"/>
-          </a:ln>
-          <a:effectLst>
-            <a:outerShdw blurRad="50800" dist="12700" rotWithShape="0">
-              <a:srgbClr val="000000">
-                <a:alpha val="50000"/>
-              </a:srgbClr>
-            </a:outerShdw>
-          </a:effectLst>
-          <a:extLst>
-            <a:ext uri="{C572A759-6A51-4108-AA02-DFA0A04FC94B}">
-              <ma14:wrappingTextBoxFlag xmlns:ma14="http://schemas.microsoft.com/office/mac/drawingml/2011/main" xmlns="" val="1"/>
-            </a:ext>
-          </a:extLst>
-        </p:spPr>
-        <p:txBody>
-          <a:bodyPr wrap="square" lIns="50800" tIns="50800" rIns="50800" bIns="50800" numCol="1" rtlCol="0" anchor="ctr">
-            <a:noAutofit/>
-          </a:bodyPr>
-          <a:lstStyle/>
-          <a:p>
-            <a:pPr algn="ctr"/>
-            <a:endParaRPr lang="en-US" sz="2400" dirty="0">
-              <a:solidFill>
-                <a:srgbClr val="FFFFFF"/>
-              </a:solidFill>
-            </a:endParaRPr>
-          </a:p>
-        </p:txBody>
-      </p:sp>
-    </p:spTree>
-    <p:extLst>
-      <p:ext uri="{BB962C8B-B14F-4D97-AF65-F5344CB8AC3E}">
-        <p14:creationId xmlns:p14="http://schemas.microsoft.com/office/powerpoint/2010/main" val="1780036989"/>
-      </p:ext>
-    </p:extLst>
-  </p:cSld>
-  <p:clrMapOvr>
-    <a:masterClrMapping/>
-  </p:clrMapOvr>
-  <p:timing>
-    <p:tnLst>
-      <p:par>
-        <p:cTn id="1" dur="indefinite" restart="never" nodeType="tmRoot">
-          <p:childTnLst>
-            <p:seq concurrent="1" nextAc="seek">
-              <p:cTn id="2" dur="indefinite" nodeType="mainSeq">
-                <p:childTnLst>
-                  <p:par>
-                    <p:cTn id="3" fill="hold">
-                      <p:stCondLst>
-                        <p:cond delay="indefinite"/>
-                      </p:stCondLst>
-                      <p:childTnLst>
-                        <p:par>
-                          <p:cTn id="4" fill="hold">
-                            <p:stCondLst>
-                              <p:cond delay="0"/>
-                            </p:stCondLst>
-                            <p:childTnLst>
-                              <p:par>
-                                <p:cTn id="5" presetID="10" presetClass="entr" presetSubtype="0" fill="hold" grpId="0" nodeType="clickEffect">
-                                  <p:stCondLst>
-                                    <p:cond delay="0"/>
-                                  </p:stCondLst>
-                                  <p:childTnLst>
-                                    <p:set>
-                                      <p:cBhvr>
-                                        <p:cTn id="6" dur="1" fill="hold">
-                                          <p:stCondLst>
-                                            <p:cond delay="0"/>
-                                          </p:stCondLst>
-                                        </p:cTn>
-                                        <p:tgtEl>
-                                          <p:spTgt spid="15"/>
-                                        </p:tgtEl>
-                                        <p:attrNameLst>
-                                          <p:attrName>style.visibility</p:attrName>
-                                        </p:attrNameLst>
-                                      </p:cBhvr>
-                                      <p:to>
-                                        <p:strVal val="visible"/>
-                                      </p:to>
-                                    </p:set>
-                                    <p:animEffect transition="in" filter="fade">
-                                      <p:cBhvr>
-                                        <p:cTn id="7" dur="500"/>
-                                        <p:tgtEl>
-                                          <p:spTgt spid="15"/>
-                                        </p:tgtEl>
-                                      </p:cBhvr>
-                                    </p:animEffect>
-                                  </p:childTnLst>
-                                </p:cTn>
-                              </p:par>
-                            </p:childTnLst>
-                          </p:cTn>
-                        </p:par>
-                      </p:childTnLst>
-                    </p:cTn>
-                  </p:par>
-                  <p:par>
-                    <p:cTn id="8" fill="hold">
-                      <p:stCondLst>
-                        <p:cond delay="indefinite"/>
-                      </p:stCondLst>
-                      <p:childTnLst>
-                        <p:par>
-                          <p:cTn id="9" fill="hold">
-                            <p:stCondLst>
-                              <p:cond delay="0"/>
-                            </p:stCondLst>
-                            <p:childTnLst>
-                              <p:par>
-                                <p:cTn id="10" presetID="10" presetClass="entr" presetSubtype="0" fill="hold" nodeType="clickEffect">
-                                  <p:stCondLst>
-                                    <p:cond delay="0"/>
-                                  </p:stCondLst>
-                                  <p:childTnLst>
-                                    <p:set>
-                                      <p:cBhvr>
-                                        <p:cTn id="11" dur="1" fill="hold">
-                                          <p:stCondLst>
-                                            <p:cond delay="0"/>
-                                          </p:stCondLst>
-                                        </p:cTn>
-                                        <p:tgtEl>
-                                          <p:spTgt spid="14"/>
-                                        </p:tgtEl>
-                                        <p:attrNameLst>
-                                          <p:attrName>style.visibility</p:attrName>
-                                        </p:attrNameLst>
-                                      </p:cBhvr>
-                                      <p:to>
-                                        <p:strVal val="visible"/>
-                                      </p:to>
-                                    </p:set>
-                                    <p:animEffect transition="in" filter="fade">
-                                      <p:cBhvr>
-                                        <p:cTn id="12" dur="500"/>
-                                        <p:tgtEl>
-                                          <p:spTgt spid="14"/>
-                                        </p:tgtEl>
-                                      </p:cBhvr>
-                                    </p:animEffect>
-                                  </p:childTnLst>
-                                </p:cTn>
-                              </p:par>
-                            </p:childTnLst>
-                          </p:cTn>
-                        </p:par>
-                      </p:childTnLst>
-                    </p:cTn>
-                  </p:par>
-                </p:childTnLst>
-              </p:cTn>
-              <p:prevCondLst>
-                <p:cond evt="onPrev" delay="0">
-                  <p:tgtEl>
-                    <p:sldTgt/>
-                  </p:tgtEl>
-                </p:cond>
-              </p:prevCondLst>
-              <p:nextCondLst>
-                <p:cond evt="onNext" delay="0">
-                  <p:tgtEl>
-                    <p:sldTgt/>
-                  </p:tgtEl>
-                </p:cond>
-              </p:nextCondLst>
-            </p:seq>
-          </p:childTnLst>
-        </p:cTn>
-      </p:par>
-    </p:tnLst>
-    <p:bldLst>
-      <p:bldP spid="15" grpId="0" animBg="1"/>
-    </p:bldLst>
-  </p:timing>
-</p:sld>
-</file>
-
-<file path=ppt/slides/slide15.xml><?xml version="1.0" encoding="utf-8"?>
-<p:sld xmlns:a="http://schemas.openxmlformats.org/drawingml/2006/main" xmlns:r="http://schemas.openxmlformats.org/officeDocument/2006/relationships" xmlns:p="http://schemas.openxmlformats.org/presentationml/2006/main">
-  <p:cSld>
-    <p:spTree>
-      <p:nvGrpSpPr>
-        <p:cNvPr id="1" name=""/>
-        <p:cNvGrpSpPr/>
-        <p:nvPr/>
-      </p:nvGrpSpPr>
-      <p:grpSpPr>
-        <a:xfrm>
-          <a:off x="0" y="0"/>
-          <a:ext cx="0" cy="0"/>
-          <a:chOff x="0" y="0"/>
-          <a:chExt cx="0" cy="0"/>
-        </a:xfrm>
-      </p:grpSpPr>
-      <p:sp>
-        <p:nvSpPr>
-          <p:cNvPr id="2" name="Title 1">
-            <a:extLst>
-              <a:ext uri="{FF2B5EF4-FFF2-40B4-BE49-F238E27FC236}">
-                <a16:creationId xmlns:a16="http://schemas.microsoft.com/office/drawing/2014/main" id="{86522AA8-73B7-3A4F-AD5D-A8CD730EFA02}"/>
-              </a:ext>
-            </a:extLst>
-          </p:cNvPr>
-          <p:cNvSpPr>
-            <a:spLocks noGrp="1"/>
-          </p:cNvSpPr>
-          <p:nvPr>
-            <p:ph type="title"/>
-          </p:nvPr>
-        </p:nvSpPr>
-        <p:spPr/>
-        <p:txBody>
-          <a:bodyPr>
-            <a:normAutofit/>
-          </a:bodyPr>
-          <a:lstStyle/>
-          <a:p>
-            <a:pPr algn="ctr"/>
-            <a:r>
-              <a:rPr lang="en-US" sz="4000" dirty="0"/>
-              <a:t>Challenges of Semantic Change Pattern Detection</a:t>
-            </a:r>
-          </a:p>
-        </p:txBody>
-      </p:sp>
-      <p:sp>
-        <p:nvSpPr>
-          <p:cNvPr id="3" name="Content Placeholder 2">
-            <a:extLst>
-              <a:ext uri="{FF2B5EF4-FFF2-40B4-BE49-F238E27FC236}">
-                <a16:creationId xmlns:a16="http://schemas.microsoft.com/office/drawing/2014/main" id="{E8457E09-2DA3-4444-B75A-7E4C351DF28B}"/>
-              </a:ext>
-            </a:extLst>
-          </p:cNvPr>
-          <p:cNvSpPr>
-            <a:spLocks noGrp="1"/>
-          </p:cNvSpPr>
-          <p:nvPr>
-            <p:ph idx="1"/>
-          </p:nvPr>
-        </p:nvSpPr>
-        <p:spPr>
-          <a:xfrm>
-            <a:off x="838200" y="1825625"/>
-            <a:ext cx="10515600" cy="4351338"/>
-          </a:xfrm>
-        </p:spPr>
-        <p:txBody>
-          <a:bodyPr/>
-          <a:lstStyle/>
-          <a:p>
-            <a:r>
-              <a:rPr lang="en-US" dirty="0"/>
-              <a:t>Syntactically un-changed program elements could carry the semantic context of change</a:t>
-            </a:r>
-          </a:p>
-          <a:p>
-            <a:r>
-              <a:rPr lang="en-US" dirty="0"/>
-              <a:t>Elements of a semantic change could be non-contiguous in source code</a:t>
-            </a:r>
-          </a:p>
-          <a:p>
-            <a:r>
-              <a:rPr lang="en-US" dirty="0"/>
-              <a:t>Different semantic changes could have the same syntactic change representation</a:t>
-            </a:r>
-          </a:p>
-          <a:p>
-            <a:endParaRPr lang="en-US" dirty="0"/>
-          </a:p>
-        </p:txBody>
-      </p:sp>
-      <p:sp>
-        <p:nvSpPr>
-          <p:cNvPr id="4" name="Slide Number Placeholder 3">
-            <a:extLst>
-              <a:ext uri="{FF2B5EF4-FFF2-40B4-BE49-F238E27FC236}">
-                <a16:creationId xmlns:a16="http://schemas.microsoft.com/office/drawing/2014/main" id="{CF5FFB8B-BB85-E245-BC85-B2580E69F3CB}"/>
-              </a:ext>
-            </a:extLst>
-          </p:cNvPr>
-          <p:cNvSpPr>
-            <a:spLocks noGrp="1"/>
-          </p:cNvSpPr>
-          <p:nvPr>
-            <p:ph type="sldNum" sz="quarter" idx="12"/>
-          </p:nvPr>
-        </p:nvSpPr>
-        <p:spPr/>
-        <p:txBody>
-          <a:bodyPr/>
-          <a:lstStyle/>
-          <a:p>
-            <a:fld id="{C4BF04A0-1647-43F2-B0F5-56BA1A66771F}" type="slidenum">
-              <a:rPr lang="en-US" smtClean="0"/>
-              <a:t>15</a:t>
-            </a:fld>
-            <a:endParaRPr lang="en-US"/>
-          </a:p>
-        </p:txBody>
-      </p:sp>
-    </p:spTree>
-    <p:extLst>
-      <p:ext uri="{BB962C8B-B14F-4D97-AF65-F5344CB8AC3E}">
-        <p14:creationId xmlns:p14="http://schemas.microsoft.com/office/powerpoint/2010/main" val="2799337356"/>
-      </p:ext>
-    </p:extLst>
-  </p:cSld>
-  <p:clrMapOvr>
-    <a:masterClrMapping/>
-  </p:clrMapOvr>
-</p:sld>
-</file>
-
-<file path=ppt/slides/slide16.xml><?xml version="1.0" encoding="utf-8"?>
 <p:sld xmlns:a="http://schemas.openxmlformats.org/drawingml/2006/main" xmlns:r="http://schemas.openxmlformats.org/officeDocument/2006/relationships" xmlns:p="http://schemas.openxmlformats.org/presentationml/2006/main" show="0">
   <p:cSld>
     <p:spTree>
@@ -11848,7 +10714,7 @@
           <a:p>
             <a:fld id="{C4BF04A0-1647-43F2-B0F5-56BA1A66771F}" type="slidenum">
               <a:rPr lang="en-US" smtClean="0"/>
-              <a:t>16</a:t>
+              <a:t>14</a:t>
             </a:fld>
             <a:endParaRPr lang="en-US"/>
           </a:p>
@@ -11867,7 +10733,7 @@
 </p:sld>
 </file>
 
-<file path=ppt/slides/slide17.xml><?xml version="1.0" encoding="utf-8"?>
+<file path=ppt/slides/slide15.xml><?xml version="1.0" encoding="utf-8"?>
 <p:sld xmlns:a="http://schemas.openxmlformats.org/drawingml/2006/main" xmlns:r="http://schemas.openxmlformats.org/officeDocument/2006/relationships" xmlns:p="http://schemas.openxmlformats.org/presentationml/2006/main" show="0">
   <p:cSld>
     <p:spTree>
@@ -11961,7 +10827,7 @@
           <a:p>
             <a:fld id="{C4BF04A0-1647-43F2-B0F5-56BA1A66771F}" type="slidenum">
               <a:rPr lang="en-US" smtClean="0"/>
-              <a:t>17</a:t>
+              <a:t>15</a:t>
             </a:fld>
             <a:endParaRPr lang="en-US"/>
           </a:p>
@@ -11980,7 +10846,7 @@
 </p:sld>
 </file>
 
-<file path=ppt/slides/slide18.xml><?xml version="1.0" encoding="utf-8"?>
+<file path=ppt/slides/slide16.xml><?xml version="1.0" encoding="utf-8"?>
 <p:sld xmlns:a="http://schemas.openxmlformats.org/drawingml/2006/main" xmlns:r="http://schemas.openxmlformats.org/officeDocument/2006/relationships" xmlns:p="http://schemas.openxmlformats.org/presentationml/2006/main" show="0">
   <p:cSld>
     <p:spTree>
@@ -12079,7 +10945,7 @@
           <a:p>
             <a:fld id="{C4BF04A0-1647-43F2-B0F5-56BA1A66771F}" type="slidenum">
               <a:rPr lang="en-US" smtClean="0"/>
-              <a:t>18</a:t>
+              <a:t>16</a:t>
             </a:fld>
             <a:endParaRPr lang="en-US"/>
           </a:p>
@@ -12098,7 +10964,7 @@
 </p:sld>
 </file>
 
-<file path=ppt/slides/slide19.xml><?xml version="1.0" encoding="utf-8"?>
+<file path=ppt/slides/slide17.xml><?xml version="1.0" encoding="utf-8"?>
 <p:sld xmlns:a="http://schemas.openxmlformats.org/drawingml/2006/main" xmlns:r="http://schemas.openxmlformats.org/officeDocument/2006/relationships" xmlns:p="http://schemas.openxmlformats.org/presentationml/2006/main">
   <p:cSld>
     <p:spTree>
@@ -12138,10 +11004,9 @@
           <a:p>
             <a:pPr algn="ctr"/>
             <a:r>
-              <a:rPr lang="en-US" dirty="0" err="1"/>
+              <a:rPr lang="en-US" cap="small" dirty="0"/>
               <a:t>CPatMiner</a:t>
             </a:r>
-            <a:endParaRPr lang="en-US" dirty="0"/>
           </a:p>
         </p:txBody>
       </p:sp>
@@ -12161,22 +11026,77 @@
             <p:ph idx="1"/>
           </p:nvPr>
         </p:nvSpPr>
-        <p:spPr/>
+        <p:spPr>
+          <a:xfrm>
+            <a:off x="838200" y="4616969"/>
+            <a:ext cx="10515600" cy="1559993"/>
+          </a:xfrm>
+        </p:spPr>
         <p:txBody>
-          <a:bodyPr/>
+          <a:bodyPr>
+            <a:normAutofit/>
+          </a:bodyPr>
           <a:lstStyle/>
           <a:p>
             <a:pPr fontAlgn="base"/>
             <a:r>
+              <a:rPr lang="en-US" dirty="0">
+                <a:latin typeface="+mj-lt"/>
+              </a:rPr>
+              <a:t>Uses</a:t>
+            </a:r>
+            <a:r>
               <a:rPr lang="en-US" dirty="0"/>
-              <a:t>Use program dependence graph to capture data/control dependencies between atomic changes</a:t>
+              <a:t> program dependence graph </a:t>
+            </a:r>
+            <a:r>
+              <a:rPr lang="en-US" dirty="0">
+                <a:latin typeface="+mj-lt"/>
+              </a:rPr>
+              <a:t>to capture </a:t>
+            </a:r>
+            <a:r>
+              <a:rPr lang="en-US" dirty="0"/>
+              <a:t>dependencies </a:t>
+            </a:r>
+            <a:r>
+              <a:rPr lang="en-US" dirty="0">
+                <a:latin typeface="+mj-lt"/>
+              </a:rPr>
+              <a:t>between</a:t>
+            </a:r>
+            <a:r>
+              <a:rPr lang="en-US" dirty="0"/>
+              <a:t> program elements involved in atomic changes, </a:t>
+            </a:r>
+            <a:r>
+              <a:rPr lang="en-US" dirty="0">
+                <a:latin typeface="+mj-lt"/>
+              </a:rPr>
+              <a:t>and</a:t>
             </a:r>
           </a:p>
           <a:p>
             <a:pPr fontAlgn="base"/>
             <a:r>
+              <a:rPr lang="en-US" dirty="0">
+                <a:latin typeface="+mj-lt"/>
+              </a:rPr>
+              <a:t>Infers</a:t>
+            </a:r>
+            <a:r>
               <a:rPr lang="en-US" dirty="0"/>
-              <a:t>Use frequent sub-graph mining to infer semantic change patterns</a:t>
+              <a:t> semantic change patterns </a:t>
+            </a:r>
+            <a:r>
+              <a:rPr lang="en-US" dirty="0">
+                <a:latin typeface="+mj-lt"/>
+              </a:rPr>
+              <a:t>using</a:t>
+            </a:r>
+            <a:r>
+              <a:rPr lang="en-US" dirty="0"/>
+              <a:t> frequent sub-graph mining</a:t>
             </a:r>
           </a:p>
         </p:txBody>
@@ -12204,6 +11124,267 @@
           <a:p>
             <a:fld id="{C4BF04A0-1647-43F2-B0F5-56BA1A66771F}" type="slidenum">
               <a:rPr lang="en-US" smtClean="0"/>
+              <a:t>17</a:t>
+            </a:fld>
+            <a:endParaRPr lang="en-US"/>
+          </a:p>
+        </p:txBody>
+      </p:sp>
+      <p:pic>
+        <p:nvPicPr>
+          <p:cNvPr id="5" name="pasted-image.png">
+            <a:extLst>
+              <a:ext uri="{FF2B5EF4-FFF2-40B4-BE49-F238E27FC236}">
+                <a16:creationId xmlns:a16="http://schemas.microsoft.com/office/drawing/2014/main" id="{E8E85DD1-3BC9-7440-8B33-B853AAE9B179}"/>
+              </a:ext>
+            </a:extLst>
+          </p:cNvPr>
+          <p:cNvPicPr/>
+          <p:nvPr/>
+        </p:nvPicPr>
+        <p:blipFill>
+          <a:blip r:embed="rId3">
+            <a:extLst/>
+          </a:blip>
+          <a:stretch>
+            <a:fillRect/>
+          </a:stretch>
+        </p:blipFill>
+        <p:spPr>
+          <a:xfrm>
+            <a:off x="4865557" y="2099640"/>
+            <a:ext cx="2460886" cy="1888759"/>
+          </a:xfrm>
+          <a:prstGeom prst="rect">
+            <a:avLst/>
+          </a:prstGeom>
+          <a:ln w="12700">
+            <a:miter lim="400000"/>
+          </a:ln>
+        </p:spPr>
+      </p:pic>
+    </p:spTree>
+    <p:extLst>
+      <p:ext uri="{BB962C8B-B14F-4D97-AF65-F5344CB8AC3E}">
+        <p14:creationId xmlns:p14="http://schemas.microsoft.com/office/powerpoint/2010/main" val="2021829347"/>
+      </p:ext>
+    </p:extLst>
+  </p:cSld>
+  <p:clrMapOvr>
+    <a:masterClrMapping/>
+  </p:clrMapOvr>
+</p:sld>
+</file>
+
+<file path=ppt/slides/slide18.xml><?xml version="1.0" encoding="utf-8"?>
+<p:sld xmlns:a="http://schemas.openxmlformats.org/drawingml/2006/main" xmlns:r="http://schemas.openxmlformats.org/officeDocument/2006/relationships" xmlns:p="http://schemas.openxmlformats.org/presentationml/2006/main">
+  <p:cSld>
+    <p:spTree>
+      <p:nvGrpSpPr>
+        <p:cNvPr id="1" name=""/>
+        <p:cNvGrpSpPr/>
+        <p:nvPr/>
+      </p:nvGrpSpPr>
+      <p:grpSpPr>
+        <a:xfrm>
+          <a:off x="0" y="0"/>
+          <a:ext cx="0" cy="0"/>
+          <a:chOff x="0" y="0"/>
+          <a:chExt cx="0" cy="0"/>
+        </a:xfrm>
+      </p:grpSpPr>
+      <p:sp>
+        <p:nvSpPr>
+          <p:cNvPr id="2" name="Title 1">
+            <a:extLst>
+              <a:ext uri="{FF2B5EF4-FFF2-40B4-BE49-F238E27FC236}">
+                <a16:creationId xmlns:a16="http://schemas.microsoft.com/office/drawing/2014/main" id="{EB1843A1-B47C-4E4B-904A-0273F13A185E}"/>
+              </a:ext>
+            </a:extLst>
+          </p:cNvPr>
+          <p:cNvSpPr>
+            <a:spLocks noGrp="1"/>
+          </p:cNvSpPr>
+          <p:nvPr>
+            <p:ph type="title"/>
+          </p:nvPr>
+        </p:nvSpPr>
+        <p:spPr/>
+        <p:txBody>
+          <a:bodyPr/>
+          <a:lstStyle/>
+          <a:p>
+            <a:pPr algn="ctr"/>
+            <a:r>
+              <a:rPr lang="en-US" dirty="0"/>
+              <a:t>Fine-grained Code Representation</a:t>
+            </a:r>
+          </a:p>
+        </p:txBody>
+      </p:sp>
+      <p:sp>
+        <p:nvSpPr>
+          <p:cNvPr id="3" name="Content Placeholder 2">
+            <a:extLst>
+              <a:ext uri="{FF2B5EF4-FFF2-40B4-BE49-F238E27FC236}">
+                <a16:creationId xmlns:a16="http://schemas.microsoft.com/office/drawing/2014/main" id="{E5216C5A-FBDD-2049-8529-548337057715}"/>
+              </a:ext>
+            </a:extLst>
+          </p:cNvPr>
+          <p:cNvSpPr>
+            <a:spLocks noGrp="1"/>
+          </p:cNvSpPr>
+          <p:nvPr>
+            <p:ph idx="1"/>
+          </p:nvPr>
+        </p:nvSpPr>
+        <p:spPr/>
+        <p:txBody>
+          <a:bodyPr/>
+          <a:lstStyle/>
+          <a:p>
+            <a:endParaRPr lang="en-US" dirty="0"/>
+          </a:p>
+        </p:txBody>
+      </p:sp>
+      <p:sp>
+        <p:nvSpPr>
+          <p:cNvPr id="4" name="Slide Number Placeholder 3">
+            <a:extLst>
+              <a:ext uri="{FF2B5EF4-FFF2-40B4-BE49-F238E27FC236}">
+                <a16:creationId xmlns:a16="http://schemas.microsoft.com/office/drawing/2014/main" id="{0BB15B96-B436-9B4C-AF31-C680226B2279}"/>
+              </a:ext>
+            </a:extLst>
+          </p:cNvPr>
+          <p:cNvSpPr>
+            <a:spLocks noGrp="1"/>
+          </p:cNvSpPr>
+          <p:nvPr>
+            <p:ph type="sldNum" sz="quarter" idx="12"/>
+          </p:nvPr>
+        </p:nvSpPr>
+        <p:spPr/>
+        <p:txBody>
+          <a:bodyPr/>
+          <a:lstStyle/>
+          <a:p>
+            <a:fld id="{C4BF04A0-1647-43F2-B0F5-56BA1A66771F}" type="slidenum">
+              <a:rPr lang="en-US" smtClean="0"/>
+              <a:t>18</a:t>
+            </a:fld>
+            <a:endParaRPr lang="en-US"/>
+          </a:p>
+        </p:txBody>
+      </p:sp>
+    </p:spTree>
+    <p:extLst>
+      <p:ext uri="{BB962C8B-B14F-4D97-AF65-F5344CB8AC3E}">
+        <p14:creationId xmlns:p14="http://schemas.microsoft.com/office/powerpoint/2010/main" val="2893311595"/>
+      </p:ext>
+    </p:extLst>
+  </p:cSld>
+  <p:clrMapOvr>
+    <a:masterClrMapping/>
+  </p:clrMapOvr>
+</p:sld>
+</file>
+
+<file path=ppt/slides/slide19.xml><?xml version="1.0" encoding="utf-8"?>
+<p:sld xmlns:a="http://schemas.openxmlformats.org/drawingml/2006/main" xmlns:r="http://schemas.openxmlformats.org/officeDocument/2006/relationships" xmlns:p="http://schemas.openxmlformats.org/presentationml/2006/main">
+  <p:cSld>
+    <p:spTree>
+      <p:nvGrpSpPr>
+        <p:cNvPr id="1" name=""/>
+        <p:cNvGrpSpPr/>
+        <p:nvPr/>
+      </p:nvGrpSpPr>
+      <p:grpSpPr>
+        <a:xfrm>
+          <a:off x="0" y="0"/>
+          <a:ext cx="0" cy="0"/>
+          <a:chOff x="0" y="0"/>
+          <a:chExt cx="0" cy="0"/>
+        </a:xfrm>
+      </p:grpSpPr>
+      <p:sp>
+        <p:nvSpPr>
+          <p:cNvPr id="2" name="Title 1">
+            <a:extLst>
+              <a:ext uri="{FF2B5EF4-FFF2-40B4-BE49-F238E27FC236}">
+                <a16:creationId xmlns:a16="http://schemas.microsoft.com/office/drawing/2014/main" id="{9D760338-A9F0-7644-BA24-93E3031865C7}"/>
+              </a:ext>
+            </a:extLst>
+          </p:cNvPr>
+          <p:cNvSpPr>
+            <a:spLocks noGrp="1"/>
+          </p:cNvSpPr>
+          <p:nvPr>
+            <p:ph type="title"/>
+          </p:nvPr>
+        </p:nvSpPr>
+        <p:spPr/>
+        <p:txBody>
+          <a:bodyPr>
+            <a:normAutofit/>
+          </a:bodyPr>
+          <a:lstStyle/>
+          <a:p>
+            <a:pPr algn="ctr"/>
+            <a:r>
+              <a:rPr lang="en-US" dirty="0"/>
+              <a:t>Fine-grained Change Representation</a:t>
+            </a:r>
+          </a:p>
+        </p:txBody>
+      </p:sp>
+      <p:sp>
+        <p:nvSpPr>
+          <p:cNvPr id="3" name="Content Placeholder 2">
+            <a:extLst>
+              <a:ext uri="{FF2B5EF4-FFF2-40B4-BE49-F238E27FC236}">
+                <a16:creationId xmlns:a16="http://schemas.microsoft.com/office/drawing/2014/main" id="{8F48DB49-7738-0747-A1A8-9DBDA6DDD575}"/>
+              </a:ext>
+            </a:extLst>
+          </p:cNvPr>
+          <p:cNvSpPr>
+            <a:spLocks noGrp="1"/>
+          </p:cNvSpPr>
+          <p:nvPr>
+            <p:ph idx="1"/>
+          </p:nvPr>
+        </p:nvSpPr>
+        <p:spPr/>
+        <p:txBody>
+          <a:bodyPr/>
+          <a:lstStyle/>
+          <a:p>
+            <a:endParaRPr lang="en-US"/>
+          </a:p>
+        </p:txBody>
+      </p:sp>
+      <p:sp>
+        <p:nvSpPr>
+          <p:cNvPr id="4" name="Slide Number Placeholder 3">
+            <a:extLst>
+              <a:ext uri="{FF2B5EF4-FFF2-40B4-BE49-F238E27FC236}">
+                <a16:creationId xmlns:a16="http://schemas.microsoft.com/office/drawing/2014/main" id="{BEF3D4C7-4956-134D-B3E0-A3A09EF50B22}"/>
+              </a:ext>
+            </a:extLst>
+          </p:cNvPr>
+          <p:cNvSpPr>
+            <a:spLocks noGrp="1"/>
+          </p:cNvSpPr>
+          <p:nvPr>
+            <p:ph type="sldNum" sz="quarter" idx="12"/>
+          </p:nvPr>
+        </p:nvSpPr>
+        <p:spPr/>
+        <p:txBody>
+          <a:bodyPr/>
+          <a:lstStyle/>
+          <a:p>
+            <a:fld id="{C4BF04A0-1647-43F2-B0F5-56BA1A66771F}" type="slidenum">
+              <a:rPr lang="en-US" smtClean="0"/>
               <a:t>19</a:t>
             </a:fld>
             <a:endParaRPr lang="en-US"/>
@@ -12213,7 +11394,7 @@
     </p:spTree>
     <p:extLst>
       <p:ext uri="{BB962C8B-B14F-4D97-AF65-F5344CB8AC3E}">
-        <p14:creationId xmlns:p14="http://schemas.microsoft.com/office/powerpoint/2010/main" val="2021829347"/>
+        <p14:creationId xmlns:p14="http://schemas.microsoft.com/office/powerpoint/2010/main" val="1073036793"/>
       </p:ext>
     </p:extLst>
   </p:cSld>
@@ -12319,7 +11500,7 @@
         </p:nvSpPr>
         <p:spPr bwMode="auto">
           <a:xfrm>
-            <a:off x="5208913" y="3084472"/>
+            <a:off x="5208913" y="2949562"/>
             <a:ext cx="2127522" cy="724072"/>
           </a:xfrm>
           <a:prstGeom prst="cloudCallout">
@@ -12742,7 +11923,7 @@
         </p:nvSpPr>
         <p:spPr bwMode="auto">
           <a:xfrm>
-            <a:off x="5208913" y="3084472"/>
+            <a:off x="5208913" y="2949562"/>
             <a:ext cx="2127522" cy="724072"/>
           </a:xfrm>
           <a:prstGeom prst="cloudCallout">
@@ -13163,7 +12344,7 @@
         </p:nvGrpSpPr>
         <p:grpSpPr>
           <a:xfrm>
-            <a:off x="3380112" y="3060069"/>
+            <a:off x="2290273" y="3052173"/>
             <a:ext cx="1436077" cy="2916077"/>
             <a:chOff x="5568676" y="2761198"/>
             <a:chExt cx="1436077" cy="2916077"/>
@@ -13204,7 +12385,7 @@
               <p:nvPr/>
             </p:nvPicPr>
             <p:blipFill>
-              <a:blip r:embed="rId2" cstate="print">
+              <a:blip r:embed="rId3" cstate="print">
                 <a:extLst>
                   <a:ext uri="{28A0092B-C50C-407E-A947-70E740481C1C}">
                     <a14:useLocalDpi xmlns:a14="http://schemas.microsoft.com/office/drawing/2010/main" val="0"/>
@@ -13900,7 +13081,7 @@
         </p:nvGrpSpPr>
         <p:grpSpPr>
           <a:xfrm>
-            <a:off x="7729159" y="3052173"/>
+            <a:off x="8728823" y="3052173"/>
             <a:ext cx="1573479" cy="2923973"/>
             <a:chOff x="9917723" y="2753302"/>
             <a:chExt cx="1573479" cy="2923973"/>
@@ -13921,7 +13102,7 @@
             <p:nvPr/>
           </p:nvPicPr>
           <p:blipFill>
-            <a:blip r:embed="rId3" cstate="print">
+            <a:blip r:embed="rId4" cstate="print">
               <a:extLst>
                 <a:ext uri="{28A0092B-C50C-407E-A947-70E740481C1C}">
                   <a14:useLocalDpi xmlns:a14="http://schemas.microsoft.com/office/drawing/2010/main" val="0"/>
@@ -14639,7 +13820,7 @@
         </p:nvSpPr>
         <p:spPr bwMode="auto">
           <a:xfrm>
-            <a:off x="5435994" y="5034493"/>
+            <a:off x="5435994" y="5244353"/>
             <a:ext cx="1595641" cy="677812"/>
           </a:xfrm>
           <a:prstGeom prst="cloudCallout">
@@ -14837,7 +14018,7 @@
         </p:nvSpPr>
         <p:spPr bwMode="auto">
           <a:xfrm>
-            <a:off x="5435994" y="5034493"/>
+            <a:off x="5435994" y="5244353"/>
             <a:ext cx="1595641" cy="677812"/>
           </a:xfrm>
           <a:prstGeom prst="cloudCallout">
@@ -15033,7 +14214,7 @@
         </p:nvSpPr>
         <p:spPr>
           <a:xfrm>
-            <a:off x="5208913" y="2070892"/>
+            <a:off x="5208913" y="1920992"/>
             <a:ext cx="2127522" cy="400110"/>
           </a:xfrm>
           <a:prstGeom prst="rect">
@@ -15087,8 +14268,8 @@
         </p:nvCxnSpPr>
         <p:spPr>
           <a:xfrm flipH="1">
-            <a:off x="4098151" y="2270947"/>
-            <a:ext cx="1110762" cy="789122"/>
+            <a:off x="3008312" y="2121047"/>
+            <a:ext cx="2200601" cy="931126"/>
           </a:xfrm>
           <a:prstGeom prst="straightConnector1">
             <a:avLst/>
@@ -15130,8 +14311,8 @@
         </p:nvCxnSpPr>
         <p:spPr>
           <a:xfrm>
-            <a:off x="7336435" y="2270947"/>
-            <a:ext cx="1110763" cy="781226"/>
+            <a:off x="7336435" y="2121047"/>
+            <a:ext cx="2110427" cy="931126"/>
           </a:xfrm>
           <a:prstGeom prst="straightConnector1">
             <a:avLst/>
@@ -15544,234 +14725,6 @@
           <p:cNvPr id="2" name="Title 1">
             <a:extLst>
               <a:ext uri="{FF2B5EF4-FFF2-40B4-BE49-F238E27FC236}">
-                <a16:creationId xmlns:a16="http://schemas.microsoft.com/office/drawing/2014/main" id="{EB1843A1-B47C-4E4B-904A-0273F13A185E}"/>
-              </a:ext>
-            </a:extLst>
-          </p:cNvPr>
-          <p:cNvSpPr>
-            <a:spLocks noGrp="1"/>
-          </p:cNvSpPr>
-          <p:nvPr>
-            <p:ph type="title"/>
-          </p:nvPr>
-        </p:nvSpPr>
-        <p:spPr/>
-        <p:txBody>
-          <a:bodyPr/>
-          <a:lstStyle/>
-          <a:p>
-            <a:pPr algn="ctr"/>
-            <a:r>
-              <a:rPr lang="en-US" dirty="0"/>
-              <a:t>Fine-grained Code Representation</a:t>
-            </a:r>
-          </a:p>
-        </p:txBody>
-      </p:sp>
-      <p:sp>
-        <p:nvSpPr>
-          <p:cNvPr id="3" name="Content Placeholder 2">
-            <a:extLst>
-              <a:ext uri="{FF2B5EF4-FFF2-40B4-BE49-F238E27FC236}">
-                <a16:creationId xmlns:a16="http://schemas.microsoft.com/office/drawing/2014/main" id="{E5216C5A-FBDD-2049-8529-548337057715}"/>
-              </a:ext>
-            </a:extLst>
-          </p:cNvPr>
-          <p:cNvSpPr>
-            <a:spLocks noGrp="1"/>
-          </p:cNvSpPr>
-          <p:nvPr>
-            <p:ph idx="1"/>
-          </p:nvPr>
-        </p:nvSpPr>
-        <p:spPr/>
-        <p:txBody>
-          <a:bodyPr/>
-          <a:lstStyle/>
-          <a:p>
-            <a:endParaRPr lang="en-US"/>
-          </a:p>
-        </p:txBody>
-      </p:sp>
-      <p:sp>
-        <p:nvSpPr>
-          <p:cNvPr id="4" name="Slide Number Placeholder 3">
-            <a:extLst>
-              <a:ext uri="{FF2B5EF4-FFF2-40B4-BE49-F238E27FC236}">
-                <a16:creationId xmlns:a16="http://schemas.microsoft.com/office/drawing/2014/main" id="{0BB15B96-B436-9B4C-AF31-C680226B2279}"/>
-              </a:ext>
-            </a:extLst>
-          </p:cNvPr>
-          <p:cNvSpPr>
-            <a:spLocks noGrp="1"/>
-          </p:cNvSpPr>
-          <p:nvPr>
-            <p:ph type="sldNum" sz="quarter" idx="12"/>
-          </p:nvPr>
-        </p:nvSpPr>
-        <p:spPr/>
-        <p:txBody>
-          <a:bodyPr/>
-          <a:lstStyle/>
-          <a:p>
-            <a:fld id="{C4BF04A0-1647-43F2-B0F5-56BA1A66771F}" type="slidenum">
-              <a:rPr lang="en-US" smtClean="0"/>
-              <a:t>20</a:t>
-            </a:fld>
-            <a:endParaRPr lang="en-US"/>
-          </a:p>
-        </p:txBody>
-      </p:sp>
-    </p:spTree>
-    <p:extLst>
-      <p:ext uri="{BB962C8B-B14F-4D97-AF65-F5344CB8AC3E}">
-        <p14:creationId xmlns:p14="http://schemas.microsoft.com/office/powerpoint/2010/main" val="2893311595"/>
-      </p:ext>
-    </p:extLst>
-  </p:cSld>
-  <p:clrMapOvr>
-    <a:masterClrMapping/>
-  </p:clrMapOvr>
-</p:sld>
-</file>
-
-<file path=ppt/slides/slide21.xml><?xml version="1.0" encoding="utf-8"?>
-<p:sld xmlns:a="http://schemas.openxmlformats.org/drawingml/2006/main" xmlns:r="http://schemas.openxmlformats.org/officeDocument/2006/relationships" xmlns:p="http://schemas.openxmlformats.org/presentationml/2006/main">
-  <p:cSld>
-    <p:spTree>
-      <p:nvGrpSpPr>
-        <p:cNvPr id="1" name=""/>
-        <p:cNvGrpSpPr/>
-        <p:nvPr/>
-      </p:nvGrpSpPr>
-      <p:grpSpPr>
-        <a:xfrm>
-          <a:off x="0" y="0"/>
-          <a:ext cx="0" cy="0"/>
-          <a:chOff x="0" y="0"/>
-          <a:chExt cx="0" cy="0"/>
-        </a:xfrm>
-      </p:grpSpPr>
-      <p:sp>
-        <p:nvSpPr>
-          <p:cNvPr id="2" name="Title 1">
-            <a:extLst>
-              <a:ext uri="{FF2B5EF4-FFF2-40B4-BE49-F238E27FC236}">
-                <a16:creationId xmlns:a16="http://schemas.microsoft.com/office/drawing/2014/main" id="{9D760338-A9F0-7644-BA24-93E3031865C7}"/>
-              </a:ext>
-            </a:extLst>
-          </p:cNvPr>
-          <p:cNvSpPr>
-            <a:spLocks noGrp="1"/>
-          </p:cNvSpPr>
-          <p:nvPr>
-            <p:ph type="title"/>
-          </p:nvPr>
-        </p:nvSpPr>
-        <p:spPr/>
-        <p:txBody>
-          <a:bodyPr>
-            <a:normAutofit/>
-          </a:bodyPr>
-          <a:lstStyle/>
-          <a:p>
-            <a:pPr algn="ctr"/>
-            <a:r>
-              <a:rPr lang="en-US" dirty="0"/>
-              <a:t>Fine-grained Change Representation</a:t>
-            </a:r>
-          </a:p>
-        </p:txBody>
-      </p:sp>
-      <p:sp>
-        <p:nvSpPr>
-          <p:cNvPr id="3" name="Content Placeholder 2">
-            <a:extLst>
-              <a:ext uri="{FF2B5EF4-FFF2-40B4-BE49-F238E27FC236}">
-                <a16:creationId xmlns:a16="http://schemas.microsoft.com/office/drawing/2014/main" id="{8F48DB49-7738-0747-A1A8-9DBDA6DDD575}"/>
-              </a:ext>
-            </a:extLst>
-          </p:cNvPr>
-          <p:cNvSpPr>
-            <a:spLocks noGrp="1"/>
-          </p:cNvSpPr>
-          <p:nvPr>
-            <p:ph idx="1"/>
-          </p:nvPr>
-        </p:nvSpPr>
-        <p:spPr/>
-        <p:txBody>
-          <a:bodyPr/>
-          <a:lstStyle/>
-          <a:p>
-            <a:endParaRPr lang="en-US"/>
-          </a:p>
-        </p:txBody>
-      </p:sp>
-      <p:sp>
-        <p:nvSpPr>
-          <p:cNvPr id="4" name="Slide Number Placeholder 3">
-            <a:extLst>
-              <a:ext uri="{FF2B5EF4-FFF2-40B4-BE49-F238E27FC236}">
-                <a16:creationId xmlns:a16="http://schemas.microsoft.com/office/drawing/2014/main" id="{BEF3D4C7-4956-134D-B3E0-A3A09EF50B22}"/>
-              </a:ext>
-            </a:extLst>
-          </p:cNvPr>
-          <p:cNvSpPr>
-            <a:spLocks noGrp="1"/>
-          </p:cNvSpPr>
-          <p:nvPr>
-            <p:ph type="sldNum" sz="quarter" idx="12"/>
-          </p:nvPr>
-        </p:nvSpPr>
-        <p:spPr/>
-        <p:txBody>
-          <a:bodyPr/>
-          <a:lstStyle/>
-          <a:p>
-            <a:fld id="{C4BF04A0-1647-43F2-B0F5-56BA1A66771F}" type="slidenum">
-              <a:rPr lang="en-US" smtClean="0"/>
-              <a:t>21</a:t>
-            </a:fld>
-            <a:endParaRPr lang="en-US"/>
-          </a:p>
-        </p:txBody>
-      </p:sp>
-    </p:spTree>
-    <p:extLst>
-      <p:ext uri="{BB962C8B-B14F-4D97-AF65-F5344CB8AC3E}">
-        <p14:creationId xmlns:p14="http://schemas.microsoft.com/office/powerpoint/2010/main" val="1073036793"/>
-      </p:ext>
-    </p:extLst>
-  </p:cSld>
-  <p:clrMapOvr>
-    <a:masterClrMapping/>
-  </p:clrMapOvr>
-</p:sld>
-</file>
-
-<file path=ppt/slides/slide22.xml><?xml version="1.0" encoding="utf-8"?>
-<p:sld xmlns:a="http://schemas.openxmlformats.org/drawingml/2006/main" xmlns:r="http://schemas.openxmlformats.org/officeDocument/2006/relationships" xmlns:p="http://schemas.openxmlformats.org/presentationml/2006/main">
-  <p:cSld>
-    <p:spTree>
-      <p:nvGrpSpPr>
-        <p:cNvPr id="1" name=""/>
-        <p:cNvGrpSpPr/>
-        <p:nvPr/>
-      </p:nvGrpSpPr>
-      <p:grpSpPr>
-        <a:xfrm>
-          <a:off x="0" y="0"/>
-          <a:ext cx="0" cy="0"/>
-          <a:chOff x="0" y="0"/>
-          <a:chExt cx="0" cy="0"/>
-        </a:xfrm>
-      </p:grpSpPr>
-      <p:sp>
-        <p:nvSpPr>
-          <p:cNvPr id="2" name="Title 1">
-            <a:extLst>
-              <a:ext uri="{FF2B5EF4-FFF2-40B4-BE49-F238E27FC236}">
                 <a16:creationId xmlns:a16="http://schemas.microsoft.com/office/drawing/2014/main" id="{215B916A-ED98-5049-A9BD-1C5D8DC51097}"/>
               </a:ext>
             </a:extLst>
@@ -15846,7 +14799,7 @@
           <a:p>
             <a:fld id="{C4BF04A0-1647-43F2-B0F5-56BA1A66771F}" type="slidenum">
               <a:rPr lang="en-US" smtClean="0"/>
-              <a:t>22</a:t>
+              <a:t>20</a:t>
             </a:fld>
             <a:endParaRPr lang="en-US"/>
           </a:p>
@@ -15865,7 +14818,7 @@
 </p:sld>
 </file>
 
-<file path=ppt/slides/slide23.xml><?xml version="1.0" encoding="utf-8"?>
+<file path=ppt/slides/slide21.xml><?xml version="1.0" encoding="utf-8"?>
 <p:sld xmlns:a="http://schemas.openxmlformats.org/drawingml/2006/main" xmlns:r="http://schemas.openxmlformats.org/officeDocument/2006/relationships" xmlns:p="http://schemas.openxmlformats.org/presentationml/2006/main">
   <p:cSld>
     <p:spTree>
@@ -15921,7 +14874,7 @@
           <a:p>
             <a:fld id="{C4BF04A0-1647-43F2-B0F5-56BA1A66771F}" type="slidenum">
               <a:rPr lang="en-US" smtClean="0"/>
-              <a:t>23</a:t>
+              <a:t>21</a:t>
             </a:fld>
             <a:endParaRPr lang="en-US"/>
           </a:p>
@@ -17253,7 +16206,7 @@
 </p:sld>
 </file>
 
-<file path=ppt/slides/slide24.xml><?xml version="1.0" encoding="utf-8"?>
+<file path=ppt/slides/slide22.xml><?xml version="1.0" encoding="utf-8"?>
 <p:sld xmlns:a="http://schemas.openxmlformats.org/drawingml/2006/main" xmlns:r="http://schemas.openxmlformats.org/officeDocument/2006/relationships" xmlns:p="http://schemas.openxmlformats.org/presentationml/2006/main">
   <p:cSld>
     <p:spTree>
@@ -18274,7 +17227,7 @@
 </p:sld>
 </file>
 
-<file path=ppt/slides/slide25.xml><?xml version="1.0" encoding="utf-8"?>
+<file path=ppt/slides/slide23.xml><?xml version="1.0" encoding="utf-8"?>
 <p:sld xmlns:a="http://schemas.openxmlformats.org/drawingml/2006/main" xmlns:r="http://schemas.openxmlformats.org/officeDocument/2006/relationships" xmlns:p="http://schemas.openxmlformats.org/presentationml/2006/main">
   <p:cSld>
     <p:spTree>
@@ -18370,7 +17323,7 @@
           <a:p>
             <a:fld id="{C4BF04A0-1647-43F2-B0F5-56BA1A66771F}" type="slidenum">
               <a:rPr lang="en-US" smtClean="0"/>
-              <a:t>25</a:t>
+              <a:t>23</a:t>
             </a:fld>
             <a:endParaRPr lang="en-US"/>
           </a:p>
@@ -18389,7 +17342,7 @@
 </p:sld>
 </file>
 
-<file path=ppt/slides/slide26.xml><?xml version="1.0" encoding="utf-8"?>
+<file path=ppt/slides/slide24.xml><?xml version="1.0" encoding="utf-8"?>
 <p:sld xmlns:a="http://schemas.openxmlformats.org/drawingml/2006/main" xmlns:r="http://schemas.openxmlformats.org/officeDocument/2006/relationships" xmlns:p="http://schemas.openxmlformats.org/presentationml/2006/main">
   <p:cSld>
     <p:spTree>
@@ -18485,7 +17438,7 @@
           <a:p>
             <a:fld id="{C4BF04A0-1647-43F2-B0F5-56BA1A66771F}" type="slidenum">
               <a:rPr lang="en-US" smtClean="0"/>
-              <a:t>26</a:t>
+              <a:t>24</a:t>
             </a:fld>
             <a:endParaRPr lang="en-US"/>
           </a:p>
@@ -18534,7 +17487,7 @@
 </p:sld>
 </file>
 
-<file path=ppt/slides/slide27.xml><?xml version="1.0" encoding="utf-8"?>
+<file path=ppt/slides/slide25.xml><?xml version="1.0" encoding="utf-8"?>
 <p:sld xmlns:a="http://schemas.openxmlformats.org/drawingml/2006/main" xmlns:r="http://schemas.openxmlformats.org/officeDocument/2006/relationships" xmlns:p="http://schemas.openxmlformats.org/presentationml/2006/main">
   <p:cSld>
     <p:spTree>
@@ -18630,7 +17583,7 @@
           <a:p>
             <a:fld id="{C4BF04A0-1647-43F2-B0F5-56BA1A66771F}" type="slidenum">
               <a:rPr lang="en-US" smtClean="0"/>
-              <a:t>27</a:t>
+              <a:t>25</a:t>
             </a:fld>
             <a:endParaRPr lang="en-US"/>
           </a:p>
@@ -18649,7 +17602,7 @@
 </p:sld>
 </file>
 
-<file path=ppt/slides/slide28.xml><?xml version="1.0" encoding="utf-8"?>
+<file path=ppt/slides/slide26.xml><?xml version="1.0" encoding="utf-8"?>
 <p:sld xmlns:a="http://schemas.openxmlformats.org/drawingml/2006/main" xmlns:r="http://schemas.openxmlformats.org/officeDocument/2006/relationships" xmlns:p="http://schemas.openxmlformats.org/presentationml/2006/main">
   <p:cSld>
     <p:spTree>
@@ -18745,7 +17698,7 @@
           <a:p>
             <a:fld id="{C4BF04A0-1647-43F2-B0F5-56BA1A66771F}" type="slidenum">
               <a:rPr lang="en-US" smtClean="0"/>
-              <a:t>28</a:t>
+              <a:t>26</a:t>
             </a:fld>
             <a:endParaRPr lang="en-US"/>
           </a:p>
@@ -18764,7 +17717,7 @@
 </p:sld>
 </file>
 
-<file path=ppt/slides/slide29.xml><?xml version="1.0" encoding="utf-8"?>
+<file path=ppt/slides/slide27.xml><?xml version="1.0" encoding="utf-8"?>
 <p:sld xmlns:a="http://schemas.openxmlformats.org/drawingml/2006/main" xmlns:r="http://schemas.openxmlformats.org/officeDocument/2006/relationships" xmlns:p="http://schemas.openxmlformats.org/presentationml/2006/main">
   <p:cSld>
     <p:spTree>
@@ -18858,6 +17811,235 @@
           <a:p>
             <a:fld id="{C4BF04A0-1647-43F2-B0F5-56BA1A66771F}" type="slidenum">
               <a:rPr lang="en-US" smtClean="0"/>
+              <a:t>27</a:t>
+            </a:fld>
+            <a:endParaRPr lang="en-US"/>
+          </a:p>
+        </p:txBody>
+      </p:sp>
+    </p:spTree>
+    <p:extLst>
+      <p:ext uri="{BB962C8B-B14F-4D97-AF65-F5344CB8AC3E}">
+        <p14:creationId xmlns:p14="http://schemas.microsoft.com/office/powerpoint/2010/main" val="2124767697"/>
+      </p:ext>
+    </p:extLst>
+  </p:cSld>
+  <p:clrMapOvr>
+    <a:masterClrMapping/>
+  </p:clrMapOvr>
+</p:sld>
+</file>
+
+<file path=ppt/slides/slide28.xml><?xml version="1.0" encoding="utf-8"?>
+<p:sld xmlns:a="http://schemas.openxmlformats.org/drawingml/2006/main" xmlns:r="http://schemas.openxmlformats.org/officeDocument/2006/relationships" xmlns:p="http://schemas.openxmlformats.org/presentationml/2006/main">
+  <p:cSld>
+    <p:spTree>
+      <p:nvGrpSpPr>
+        <p:cNvPr id="1" name=""/>
+        <p:cNvGrpSpPr/>
+        <p:nvPr/>
+      </p:nvGrpSpPr>
+      <p:grpSpPr>
+        <a:xfrm>
+          <a:off x="0" y="0"/>
+          <a:ext cx="0" cy="0"/>
+          <a:chOff x="0" y="0"/>
+          <a:chExt cx="0" cy="0"/>
+        </a:xfrm>
+      </p:grpSpPr>
+      <p:sp>
+        <p:nvSpPr>
+          <p:cNvPr id="2" name="Title 1">
+            <a:extLst>
+              <a:ext uri="{FF2B5EF4-FFF2-40B4-BE49-F238E27FC236}">
+                <a16:creationId xmlns:a16="http://schemas.microsoft.com/office/drawing/2014/main" id="{C3B15CDB-7096-D94A-BAA5-49F9D35E0EB3}"/>
+              </a:ext>
+            </a:extLst>
+          </p:cNvPr>
+          <p:cNvSpPr>
+            <a:spLocks noGrp="1"/>
+          </p:cNvSpPr>
+          <p:nvPr>
+            <p:ph type="title"/>
+          </p:nvPr>
+        </p:nvSpPr>
+        <p:spPr/>
+        <p:txBody>
+          <a:bodyPr>
+            <a:normAutofit/>
+          </a:bodyPr>
+          <a:lstStyle/>
+          <a:p>
+            <a:pPr algn="ctr"/>
+            <a:r>
+              <a:rPr lang="en-US" dirty="0"/>
+              <a:t>Diversity of Change Patterns (RQ3)</a:t>
+            </a:r>
+          </a:p>
+        </p:txBody>
+      </p:sp>
+      <p:sp>
+        <p:nvSpPr>
+          <p:cNvPr id="3" name="Content Placeholder 2">
+            <a:extLst>
+              <a:ext uri="{FF2B5EF4-FFF2-40B4-BE49-F238E27FC236}">
+                <a16:creationId xmlns:a16="http://schemas.microsoft.com/office/drawing/2014/main" id="{DACB5773-6805-9348-87CB-8521D18AF05B}"/>
+              </a:ext>
+            </a:extLst>
+          </p:cNvPr>
+          <p:cNvSpPr>
+            <a:spLocks noGrp="1"/>
+          </p:cNvSpPr>
+          <p:nvPr>
+            <p:ph idx="1"/>
+          </p:nvPr>
+        </p:nvSpPr>
+        <p:spPr/>
+        <p:txBody>
+          <a:bodyPr/>
+          <a:lstStyle/>
+          <a:p>
+            <a:endParaRPr lang="en-US"/>
+          </a:p>
+        </p:txBody>
+      </p:sp>
+      <p:sp>
+        <p:nvSpPr>
+          <p:cNvPr id="4" name="Slide Number Placeholder 3">
+            <a:extLst>
+              <a:ext uri="{FF2B5EF4-FFF2-40B4-BE49-F238E27FC236}">
+                <a16:creationId xmlns:a16="http://schemas.microsoft.com/office/drawing/2014/main" id="{3BFA7CC4-8C7B-6D4B-9624-75DF4DA97B6D}"/>
+              </a:ext>
+            </a:extLst>
+          </p:cNvPr>
+          <p:cNvSpPr>
+            <a:spLocks noGrp="1"/>
+          </p:cNvSpPr>
+          <p:nvPr>
+            <p:ph type="sldNum" sz="quarter" idx="12"/>
+          </p:nvPr>
+        </p:nvSpPr>
+        <p:spPr/>
+        <p:txBody>
+          <a:bodyPr/>
+          <a:lstStyle/>
+          <a:p>
+            <a:fld id="{C4BF04A0-1647-43F2-B0F5-56BA1A66771F}" type="slidenum">
+              <a:rPr lang="en-US" smtClean="0"/>
+              <a:t>28</a:t>
+            </a:fld>
+            <a:endParaRPr lang="en-US"/>
+          </a:p>
+        </p:txBody>
+      </p:sp>
+    </p:spTree>
+    <p:extLst>
+      <p:ext uri="{BB962C8B-B14F-4D97-AF65-F5344CB8AC3E}">
+        <p14:creationId xmlns:p14="http://schemas.microsoft.com/office/powerpoint/2010/main" val="3090818961"/>
+      </p:ext>
+    </p:extLst>
+  </p:cSld>
+  <p:clrMapOvr>
+    <a:masterClrMapping/>
+  </p:clrMapOvr>
+</p:sld>
+</file>
+
+<file path=ppt/slides/slide29.xml><?xml version="1.0" encoding="utf-8"?>
+<p:sld xmlns:a="http://schemas.openxmlformats.org/drawingml/2006/main" xmlns:r="http://schemas.openxmlformats.org/officeDocument/2006/relationships" xmlns:p="http://schemas.openxmlformats.org/presentationml/2006/main">
+  <p:cSld>
+    <p:spTree>
+      <p:nvGrpSpPr>
+        <p:cNvPr id="1" name=""/>
+        <p:cNvGrpSpPr/>
+        <p:nvPr/>
+      </p:nvGrpSpPr>
+      <p:grpSpPr>
+        <a:xfrm>
+          <a:off x="0" y="0"/>
+          <a:ext cx="0" cy="0"/>
+          <a:chOff x="0" y="0"/>
+          <a:chExt cx="0" cy="0"/>
+        </a:xfrm>
+      </p:grpSpPr>
+      <p:sp>
+        <p:nvSpPr>
+          <p:cNvPr id="2" name="Title 1">
+            <a:extLst>
+              <a:ext uri="{FF2B5EF4-FFF2-40B4-BE49-F238E27FC236}">
+                <a16:creationId xmlns:a16="http://schemas.microsoft.com/office/drawing/2014/main" id="{10573436-4074-524D-9E4D-4E2E7F3A47AA}"/>
+              </a:ext>
+            </a:extLst>
+          </p:cNvPr>
+          <p:cNvSpPr>
+            <a:spLocks noGrp="1"/>
+          </p:cNvSpPr>
+          <p:nvPr>
+            <p:ph type="title"/>
+          </p:nvPr>
+        </p:nvSpPr>
+        <p:spPr/>
+        <p:txBody>
+          <a:bodyPr>
+            <a:normAutofit/>
+          </a:bodyPr>
+          <a:lstStyle/>
+          <a:p>
+            <a:r>
+              <a:rPr lang="en-US" dirty="0"/>
+              <a:t>Commonality of Patterns (RQ4)</a:t>
+            </a:r>
+          </a:p>
+        </p:txBody>
+      </p:sp>
+      <p:sp>
+        <p:nvSpPr>
+          <p:cNvPr id="3" name="Content Placeholder 2">
+            <a:extLst>
+              <a:ext uri="{FF2B5EF4-FFF2-40B4-BE49-F238E27FC236}">
+                <a16:creationId xmlns:a16="http://schemas.microsoft.com/office/drawing/2014/main" id="{0171F5C4-2979-C948-BFB6-1A737D3AE4D5}"/>
+              </a:ext>
+            </a:extLst>
+          </p:cNvPr>
+          <p:cNvSpPr>
+            <a:spLocks noGrp="1"/>
+          </p:cNvSpPr>
+          <p:nvPr>
+            <p:ph idx="1"/>
+          </p:nvPr>
+        </p:nvSpPr>
+        <p:spPr/>
+        <p:txBody>
+          <a:bodyPr/>
+          <a:lstStyle/>
+          <a:p>
+            <a:endParaRPr lang="en-US"/>
+          </a:p>
+        </p:txBody>
+      </p:sp>
+      <p:sp>
+        <p:nvSpPr>
+          <p:cNvPr id="4" name="Slide Number Placeholder 3">
+            <a:extLst>
+              <a:ext uri="{FF2B5EF4-FFF2-40B4-BE49-F238E27FC236}">
+                <a16:creationId xmlns:a16="http://schemas.microsoft.com/office/drawing/2014/main" id="{973F58ED-2857-3049-8B14-18DD55A037EA}"/>
+              </a:ext>
+            </a:extLst>
+          </p:cNvPr>
+          <p:cNvSpPr>
+            <a:spLocks noGrp="1"/>
+          </p:cNvSpPr>
+          <p:nvPr>
+            <p:ph type="sldNum" sz="quarter" idx="12"/>
+          </p:nvPr>
+        </p:nvSpPr>
+        <p:spPr/>
+        <p:txBody>
+          <a:bodyPr/>
+          <a:lstStyle/>
+          <a:p>
+            <a:fld id="{C4BF04A0-1647-43F2-B0F5-56BA1A66771F}" type="slidenum">
+              <a:rPr lang="en-US" smtClean="0"/>
               <a:t>29</a:t>
             </a:fld>
             <a:endParaRPr lang="en-US"/>
@@ -18867,7 +18049,7 @@
     </p:spTree>
     <p:extLst>
       <p:ext uri="{BB962C8B-B14F-4D97-AF65-F5344CB8AC3E}">
-        <p14:creationId xmlns:p14="http://schemas.microsoft.com/office/powerpoint/2010/main" val="2124767697"/>
+        <p14:creationId xmlns:p14="http://schemas.microsoft.com/office/powerpoint/2010/main" val="1851371166"/>
       </p:ext>
     </p:extLst>
   </p:cSld>
@@ -18910,12 +18092,7 @@
             <p:ph type="title"/>
           </p:nvPr>
         </p:nvSpPr>
-        <p:spPr>
-          <a:xfrm>
-            <a:off x="838200" y="365124"/>
-            <a:ext cx="10515600" cy="1325880"/>
-          </a:xfrm>
-        </p:spPr>
+        <p:spPr/>
         <p:txBody>
           <a:bodyPr>
             <a:normAutofit/>
@@ -18924,9 +18101,12 @@
           <a:p>
             <a:pPr algn="ctr"/>
             <a:r>
-              <a:rPr lang="en-US" sz="4000" dirty="0"/>
-              <a:t>Repetitiveness of Changes</a:t>
+              <a:rPr lang="en-US" sz="4000" dirty="0">
+                <a:ea typeface="SimSun" panose="02010600030101010101" pitchFamily="2" charset="-122"/>
+              </a:rPr>
+              <a:t>Repetitiveness of Software</a:t>
             </a:r>
+            <a:endParaRPr lang="en-US" sz="4000" dirty="0"/>
           </a:p>
         </p:txBody>
       </p:sp>
@@ -18961,10 +18141,10 @@
       </p:sp>
       <p:sp>
         <p:nvSpPr>
-          <p:cNvPr id="7" name="Cloud Callout 6">
+          <p:cNvPr id="9" name="Cloud Callout 6">
             <a:extLst>
               <a:ext uri="{FF2B5EF4-FFF2-40B4-BE49-F238E27FC236}">
-                <a16:creationId xmlns:a16="http://schemas.microsoft.com/office/drawing/2014/main" id="{9ED275C8-A2BB-1E46-B2E8-EA369C780016}"/>
+                <a16:creationId xmlns:a16="http://schemas.microsoft.com/office/drawing/2014/main" id="{697A2222-B700-F94F-9101-0635328EAFA7}"/>
               </a:ext>
             </a:extLst>
           </p:cNvPr>
@@ -18975,7 +18155,7 @@
         </p:nvSpPr>
         <p:spPr bwMode="auto">
           <a:xfrm>
-            <a:off x="5208913" y="2710650"/>
+            <a:off x="5208913" y="2949562"/>
             <a:ext cx="2127522" cy="724072"/>
           </a:xfrm>
           <a:prstGeom prst="cloudCallout">
@@ -19163,10 +18343,10 @@
       </p:sp>
       <p:sp>
         <p:nvSpPr>
-          <p:cNvPr id="8" name="Cloud Callout 7">
+          <p:cNvPr id="10" name="Cloud Callout 7">
             <a:extLst>
               <a:ext uri="{FF2B5EF4-FFF2-40B4-BE49-F238E27FC236}">
-                <a16:creationId xmlns:a16="http://schemas.microsoft.com/office/drawing/2014/main" id="{E8C8C4F1-8BF0-0742-9248-0EB51A3AA80B}"/>
+                <a16:creationId xmlns:a16="http://schemas.microsoft.com/office/drawing/2014/main" id="{45D3D7DA-4079-DD48-AEC3-A8082675EDA3}"/>
               </a:ext>
             </a:extLst>
           </p:cNvPr>
@@ -19177,7 +18357,7 @@
         </p:nvSpPr>
         <p:spPr bwMode="auto">
           <a:xfrm>
-            <a:off x="5389970" y="3696976"/>
+            <a:off x="5389970" y="4070798"/>
             <a:ext cx="1489265" cy="677812"/>
           </a:xfrm>
           <a:prstGeom prst="cloudCallout">
@@ -19384,10 +18564,10 @@
       </p:sp>
       <p:sp>
         <p:nvSpPr>
-          <p:cNvPr id="9" name="Cloud Callout 8">
+          <p:cNvPr id="11" name="Cloud Callout 8">
             <a:extLst>
               <a:ext uri="{FF2B5EF4-FFF2-40B4-BE49-F238E27FC236}">
-                <a16:creationId xmlns:a16="http://schemas.microsoft.com/office/drawing/2014/main" id="{F5983360-EE84-3B47-BC26-58375EF3F4F6}"/>
+                <a16:creationId xmlns:a16="http://schemas.microsoft.com/office/drawing/2014/main" id="{3A27C6A8-A05D-FB41-BAE7-762D854F1FD8}"/>
               </a:ext>
             </a:extLst>
           </p:cNvPr>
@@ -19398,7 +18578,7 @@
         </p:nvSpPr>
         <p:spPr bwMode="auto">
           <a:xfrm>
-            <a:off x="5208913" y="2710650"/>
+            <a:off x="5208913" y="2949562"/>
             <a:ext cx="2127522" cy="724072"/>
           </a:xfrm>
           <a:prstGeom prst="cloudCallout">
@@ -19586,10 +18766,10 @@
       </p:sp>
       <p:sp>
         <p:nvSpPr>
-          <p:cNvPr id="10" name="Cloud Callout 9">
+          <p:cNvPr id="12" name="Cloud Callout 9">
             <a:extLst>
               <a:ext uri="{FF2B5EF4-FFF2-40B4-BE49-F238E27FC236}">
-                <a16:creationId xmlns:a16="http://schemas.microsoft.com/office/drawing/2014/main" id="{EAFA9B59-277E-F440-B40A-92FA320C7830}"/>
+                <a16:creationId xmlns:a16="http://schemas.microsoft.com/office/drawing/2014/main" id="{93B16677-6469-6B49-B1F7-F5789FD8D69F}"/>
               </a:ext>
             </a:extLst>
           </p:cNvPr>
@@ -19600,7 +18780,7 @@
         </p:nvSpPr>
         <p:spPr bwMode="auto">
           <a:xfrm>
-            <a:off x="5389970" y="3696976"/>
+            <a:off x="5389970" y="4070798"/>
             <a:ext cx="1489265" cy="677812"/>
           </a:xfrm>
           <a:prstGeom prst="cloudCallout">
@@ -19807,10 +18987,10 @@
       </p:sp>
       <p:grpSp>
         <p:nvGrpSpPr>
-          <p:cNvPr id="53" name="Group 52">
+          <p:cNvPr id="49" name="Group 48">
             <a:extLst>
               <a:ext uri="{FF2B5EF4-FFF2-40B4-BE49-F238E27FC236}">
-                <a16:creationId xmlns:a16="http://schemas.microsoft.com/office/drawing/2014/main" id="{4A8A2A4A-6F2C-6F49-8A50-87F52167B9B9}"/>
+                <a16:creationId xmlns:a16="http://schemas.microsoft.com/office/drawing/2014/main" id="{6DB40985-2368-4A4D-B934-95B91F5DDB43}"/>
               </a:ext>
             </a:extLst>
           </p:cNvPr>
@@ -19819,511 +18999,532 @@
         </p:nvGrpSpPr>
         <p:grpSpPr>
           <a:xfrm>
-            <a:off x="3380112" y="2686247"/>
+            <a:off x="2290273" y="3052173"/>
             <a:ext cx="1436077" cy="2916077"/>
             <a:chOff x="5568676" y="2761198"/>
             <a:chExt cx="1436077" cy="2916077"/>
           </a:xfrm>
         </p:grpSpPr>
-        <p:pic>
-          <p:nvPicPr>
-            <p:cNvPr id="5" name="Picture 3">
+        <p:grpSp>
+          <p:nvGrpSpPr>
+            <p:cNvPr id="47" name="Group 46">
               <a:extLst>
                 <a:ext uri="{FF2B5EF4-FFF2-40B4-BE49-F238E27FC236}">
-                  <a16:creationId xmlns:a16="http://schemas.microsoft.com/office/drawing/2014/main" id="{FDB18470-0D5C-AF49-AB3C-45208924B0A7}"/>
+                  <a16:creationId xmlns:a16="http://schemas.microsoft.com/office/drawing/2014/main" id="{C806F95F-B749-6246-ADE5-5BB2E475D1F5}"/>
                 </a:ext>
               </a:extLst>
             </p:cNvPr>
-            <p:cNvPicPr>
-              <a:picLocks noChangeAspect="1" noChangeArrowheads="1"/>
-            </p:cNvPicPr>
-            <p:nvPr/>
-          </p:nvPicPr>
-          <p:blipFill>
-            <a:blip r:embed="rId2" cstate="print">
-              <a:extLst>
-                <a:ext uri="{28A0092B-C50C-407E-A947-70E740481C1C}">
-                  <a14:useLocalDpi xmlns:a14="http://schemas.microsoft.com/office/drawing/2010/main" val="0"/>
-                </a:ext>
-              </a:extLst>
-            </a:blip>
-            <a:srcRect/>
-            <a:stretch>
-              <a:fillRect/>
-            </a:stretch>
-          </p:blipFill>
-          <p:spPr>
-            <a:xfrm>
-              <a:off x="5600093" y="4058956"/>
-              <a:ext cx="991814" cy="967981"/>
-            </a:xfrm>
-            <a:prstGeom prst="rect">
-              <a:avLst/>
-            </a:prstGeom>
-            <a:noFill/>
-            <a:ln/>
-          </p:spPr>
-        </p:pic>
-        <p:grpSp>
-          <p:nvGrpSpPr>
-            <p:cNvPr id="18" name="Group 17">
-              <a:extLst>
-                <a:ext uri="{FF2B5EF4-FFF2-40B4-BE49-F238E27FC236}">
-                  <a16:creationId xmlns:a16="http://schemas.microsoft.com/office/drawing/2014/main" id="{565DF7D3-3BFF-074F-AF9E-4B98C691C6C1}"/>
-                </a:ext>
-              </a:extLst>
-            </p:cNvPr>
-            <p:cNvGrpSpPr>
-              <a:grpSpLocks/>
-            </p:cNvGrpSpPr>
+            <p:cNvGrpSpPr/>
             <p:nvPr/>
           </p:nvGrpSpPr>
-          <p:grpSpPr bwMode="auto">
+          <p:grpSpPr>
             <a:xfrm>
               <a:off x="5568676" y="2761198"/>
-              <a:ext cx="1436077" cy="724072"/>
-              <a:chOff x="0" y="0"/>
-              <a:chExt cx="2057400" cy="1295400"/>
+              <a:ext cx="1436077" cy="2265739"/>
+              <a:chOff x="5568676" y="2761198"/>
+              <a:chExt cx="1436077" cy="2265739"/>
             </a:xfrm>
           </p:grpSpPr>
-          <p:sp>
-            <p:nvSpPr>
-              <p:cNvPr id="19" name="Rounded Rectangular Callout 32">
+          <p:pic>
+            <p:nvPicPr>
+              <p:cNvPr id="7" name="Picture 3">
                 <a:extLst>
                   <a:ext uri="{FF2B5EF4-FFF2-40B4-BE49-F238E27FC236}">
-                    <a16:creationId xmlns:a16="http://schemas.microsoft.com/office/drawing/2014/main" id="{2829DB79-9127-B345-ADEF-B84C46099B8C}"/>
+                    <a16:creationId xmlns:a16="http://schemas.microsoft.com/office/drawing/2014/main" id="{4F9BE2FB-9F69-AF49-85A1-ADAAFD216D64}"/>
                   </a:ext>
                 </a:extLst>
               </p:cNvPr>
-              <p:cNvSpPr>
-                <a:spLocks noChangeArrowheads="1"/>
-              </p:cNvSpPr>
+              <p:cNvPicPr>
+                <a:picLocks noChangeAspect="1" noChangeArrowheads="1"/>
+              </p:cNvPicPr>
               <p:nvPr/>
-            </p:nvSpPr>
-            <p:spPr bwMode="auto">
+            </p:nvPicPr>
+            <p:blipFill>
+              <a:blip r:embed="rId3" cstate="print">
+                <a:extLst>
+                  <a:ext uri="{28A0092B-C50C-407E-A947-70E740481C1C}">
+                    <a14:useLocalDpi xmlns:a14="http://schemas.microsoft.com/office/drawing/2010/main" val="0"/>
+                  </a:ext>
+                </a:extLst>
+              </a:blip>
+              <a:srcRect/>
+              <a:stretch>
+                <a:fillRect/>
+              </a:stretch>
+            </p:blipFill>
+            <p:spPr>
               <a:xfrm>
-                <a:off x="0" y="0"/>
-                <a:ext cx="2057400" cy="1295400"/>
+                <a:off x="5600093" y="4058956"/>
+                <a:ext cx="991814" cy="967981"/>
               </a:xfrm>
-              <a:prstGeom prst="wedgeRoundRectCallout">
-                <a:avLst>
-                  <a:gd name="adj1" fmla="val -8536"/>
-                  <a:gd name="adj2" fmla="val 107031"/>
-                  <a:gd name="adj3" fmla="val 16667"/>
-                </a:avLst>
+              <a:prstGeom prst="rect">
+                <a:avLst/>
               </a:prstGeom>
               <a:noFill/>
-              <a:ln w="25400" cmpd="sng">
-                <a:solidFill>
-                  <a:srgbClr val="395E8A"/>
-                </a:solidFill>
-                <a:miter lim="800000"/>
-                <a:headEnd/>
-                <a:tailEnd/>
-              </a:ln>
-              <a:extLst>
-                <a:ext uri="{909E8E84-426E-40DD-AFC4-6F175D3DCCD1}">
-                  <a14:hiddenFill xmlns:a14="http://schemas.microsoft.com/office/drawing/2010/main">
+              <a:ln/>
+            </p:spPr>
+          </p:pic>
+          <p:grpSp>
+            <p:nvGrpSpPr>
+              <p:cNvPr id="20" name="Group 17">
+                <a:extLst>
+                  <a:ext uri="{FF2B5EF4-FFF2-40B4-BE49-F238E27FC236}">
+                    <a16:creationId xmlns:a16="http://schemas.microsoft.com/office/drawing/2014/main" id="{71E53AD0-0743-384A-BDBF-EE963D2D2F72}"/>
+                  </a:ext>
+                </a:extLst>
+              </p:cNvPr>
+              <p:cNvGrpSpPr>
+                <a:grpSpLocks/>
+              </p:cNvGrpSpPr>
+              <p:nvPr/>
+            </p:nvGrpSpPr>
+            <p:grpSpPr bwMode="auto">
+              <a:xfrm>
+                <a:off x="5568676" y="2761198"/>
+                <a:ext cx="1436077" cy="724072"/>
+                <a:chOff x="0" y="0"/>
+                <a:chExt cx="2057400" cy="1295400"/>
+              </a:xfrm>
+            </p:grpSpPr>
+            <p:sp>
+              <p:nvSpPr>
+                <p:cNvPr id="21" name="Rounded Rectangular Callout 32">
+                  <a:extLst>
+                    <a:ext uri="{FF2B5EF4-FFF2-40B4-BE49-F238E27FC236}">
+                      <a16:creationId xmlns:a16="http://schemas.microsoft.com/office/drawing/2014/main" id="{CF8876B5-D481-E94B-9B35-BBA6E31E2AFC}"/>
+                    </a:ext>
+                  </a:extLst>
+                </p:cNvPr>
+                <p:cNvSpPr>
+                  <a:spLocks noChangeArrowheads="1"/>
+                </p:cNvSpPr>
+                <p:nvPr/>
+              </p:nvSpPr>
+              <p:spPr bwMode="auto">
+                <a:xfrm>
+                  <a:off x="0" y="0"/>
+                  <a:ext cx="2057400" cy="1295400"/>
+                </a:xfrm>
+                <a:prstGeom prst="wedgeRoundRectCallout">
+                  <a:avLst>
+                    <a:gd name="adj1" fmla="val -8536"/>
+                    <a:gd name="adj2" fmla="val 107031"/>
+                    <a:gd name="adj3" fmla="val 16667"/>
+                  </a:avLst>
+                </a:prstGeom>
+                <a:noFill/>
+                <a:ln w="25400" cmpd="sng">
+                  <a:solidFill>
+                    <a:srgbClr val="395E8A"/>
+                  </a:solidFill>
+                  <a:miter lim="800000"/>
+                  <a:headEnd/>
+                  <a:tailEnd/>
+                </a:ln>
+                <a:extLst>
+                  <a:ext uri="{909E8E84-426E-40DD-AFC4-6F175D3DCCD1}">
+                    <a14:hiddenFill xmlns:a14="http://schemas.microsoft.com/office/drawing/2010/main">
+                      <a:solidFill>
+                        <a:srgbClr val="FFFFFF"/>
+                      </a:solidFill>
+                    </a14:hiddenFill>
+                  </a:ext>
+                </a:extLst>
+              </p:spPr>
+              <p:txBody>
+                <a:bodyPr anchor="ctr"/>
+                <a:lstStyle>
+                  <a:lvl1pPr>
+                    <a:spcBef>
+                      <a:spcPct val="20000"/>
+                    </a:spcBef>
+                    <a:buChar char="•"/>
+                    <a:defRPr sz="3200">
+                      <a:solidFill>
+                        <a:schemeClr val="tx1"/>
+                      </a:solidFill>
+                      <a:latin typeface="Arial" panose="020B0604020202020204" pitchFamily="34" charset="0"/>
+                      <a:cs typeface="Arial" panose="020B0604020202020204" pitchFamily="34" charset="0"/>
+                    </a:defRPr>
+                  </a:lvl1pPr>
+                  <a:lvl2pPr marL="742950" indent="-285750">
+                    <a:spcBef>
+                      <a:spcPct val="20000"/>
+                    </a:spcBef>
+                    <a:buChar char="–"/>
+                    <a:defRPr sz="2800">
+                      <a:solidFill>
+                        <a:schemeClr val="tx1"/>
+                      </a:solidFill>
+                      <a:latin typeface="Arial" panose="020B0604020202020204" pitchFamily="34" charset="0"/>
+                      <a:cs typeface="Arial" panose="020B0604020202020204" pitchFamily="34" charset="0"/>
+                    </a:defRPr>
+                  </a:lvl2pPr>
+                  <a:lvl3pPr marL="1143000" indent="-228600">
+                    <a:spcBef>
+                      <a:spcPct val="20000"/>
+                    </a:spcBef>
+                    <a:buChar char="•"/>
+                    <a:defRPr sz="2400">
+                      <a:solidFill>
+                        <a:schemeClr val="tx1"/>
+                      </a:solidFill>
+                      <a:latin typeface="Arial" panose="020B0604020202020204" pitchFamily="34" charset="0"/>
+                      <a:cs typeface="Arial" panose="020B0604020202020204" pitchFamily="34" charset="0"/>
+                    </a:defRPr>
+                  </a:lvl3pPr>
+                  <a:lvl4pPr marL="1600200" indent="-228600">
+                    <a:spcBef>
+                      <a:spcPct val="20000"/>
+                    </a:spcBef>
+                    <a:buChar char="–"/>
+                    <a:defRPr sz="2000">
+                      <a:solidFill>
+                        <a:schemeClr val="tx1"/>
+                      </a:solidFill>
+                      <a:latin typeface="Arial" panose="020B0604020202020204" pitchFamily="34" charset="0"/>
+                      <a:cs typeface="Arial" panose="020B0604020202020204" pitchFamily="34" charset="0"/>
+                    </a:defRPr>
+                  </a:lvl4pPr>
+                  <a:lvl5pPr marL="2057400" indent="-228600">
+                    <a:spcBef>
+                      <a:spcPct val="20000"/>
+                    </a:spcBef>
+                    <a:buChar char="»"/>
+                    <a:defRPr sz="2000">
+                      <a:solidFill>
+                        <a:schemeClr val="tx1"/>
+                      </a:solidFill>
+                      <a:latin typeface="Arial" panose="020B0604020202020204" pitchFamily="34" charset="0"/>
+                      <a:cs typeface="Arial" panose="020B0604020202020204" pitchFamily="34" charset="0"/>
+                    </a:defRPr>
+                  </a:lvl5pPr>
+                  <a:lvl6pPr marL="2514600" indent="-228600" eaLnBrk="0" fontAlgn="base" hangingPunct="0">
+                    <a:spcBef>
+                      <a:spcPct val="20000"/>
+                    </a:spcBef>
+                    <a:spcAft>
+                      <a:spcPct val="0"/>
+                    </a:spcAft>
+                    <a:buChar char="»"/>
+                    <a:defRPr sz="2000">
+                      <a:solidFill>
+                        <a:schemeClr val="tx1"/>
+                      </a:solidFill>
+                      <a:latin typeface="Arial" panose="020B0604020202020204" pitchFamily="34" charset="0"/>
+                      <a:cs typeface="Arial" panose="020B0604020202020204" pitchFamily="34" charset="0"/>
+                    </a:defRPr>
+                  </a:lvl6pPr>
+                  <a:lvl7pPr marL="2971800" indent="-228600" eaLnBrk="0" fontAlgn="base" hangingPunct="0">
+                    <a:spcBef>
+                      <a:spcPct val="20000"/>
+                    </a:spcBef>
+                    <a:spcAft>
+                      <a:spcPct val="0"/>
+                    </a:spcAft>
+                    <a:buChar char="»"/>
+                    <a:defRPr sz="2000">
+                      <a:solidFill>
+                        <a:schemeClr val="tx1"/>
+                      </a:solidFill>
+                      <a:latin typeface="Arial" panose="020B0604020202020204" pitchFamily="34" charset="0"/>
+                      <a:cs typeface="Arial" panose="020B0604020202020204" pitchFamily="34" charset="0"/>
+                    </a:defRPr>
+                  </a:lvl7pPr>
+                  <a:lvl8pPr marL="3429000" indent="-228600" eaLnBrk="0" fontAlgn="base" hangingPunct="0">
+                    <a:spcBef>
+                      <a:spcPct val="20000"/>
+                    </a:spcBef>
+                    <a:spcAft>
+                      <a:spcPct val="0"/>
+                    </a:spcAft>
+                    <a:buChar char="»"/>
+                    <a:defRPr sz="2000">
+                      <a:solidFill>
+                        <a:schemeClr val="tx1"/>
+                      </a:solidFill>
+                      <a:latin typeface="Arial" panose="020B0604020202020204" pitchFamily="34" charset="0"/>
+                      <a:cs typeface="Arial" panose="020B0604020202020204" pitchFamily="34" charset="0"/>
+                    </a:defRPr>
+                  </a:lvl8pPr>
+                  <a:lvl9pPr marL="3886200" indent="-228600" eaLnBrk="0" fontAlgn="base" hangingPunct="0">
+                    <a:spcBef>
+                      <a:spcPct val="20000"/>
+                    </a:spcBef>
+                    <a:spcAft>
+                      <a:spcPct val="0"/>
+                    </a:spcAft>
+                    <a:buChar char="»"/>
+                    <a:defRPr sz="2000">
+                      <a:solidFill>
+                        <a:schemeClr val="tx1"/>
+                      </a:solidFill>
+                      <a:latin typeface="Arial" panose="020B0604020202020204" pitchFamily="34" charset="0"/>
+                      <a:cs typeface="Arial" panose="020B0604020202020204" pitchFamily="34" charset="0"/>
+                    </a:defRPr>
+                  </a:lvl9pPr>
+                </a:lstStyle>
+                <a:p>
+                  <a:pPr algn="ctr" eaLnBrk="1" hangingPunct="1">
+                    <a:spcBef>
+                      <a:spcPct val="0"/>
+                    </a:spcBef>
+                    <a:buFontTx/>
+                    <a:buNone/>
+                  </a:pPr>
+                  <a:endParaRPr lang="en-US" sz="1400">
                     <a:solidFill>
                       <a:srgbClr val="FFFFFF"/>
                     </a:solidFill>
-                  </a14:hiddenFill>
-                </a:ext>
-              </a:extLst>
-            </p:spPr>
-            <p:txBody>
-              <a:bodyPr anchor="ctr"/>
-              <a:lstStyle>
-                <a:lvl1pPr>
-                  <a:spcBef>
-                    <a:spcPct val="20000"/>
-                  </a:spcBef>
-                  <a:buChar char="•"/>
-                  <a:defRPr sz="3200">
-                    <a:solidFill>
-                      <a:schemeClr val="tx1"/>
-                    </a:solidFill>
-                    <a:latin typeface="Arial" panose="020B0604020202020204" pitchFamily="34" charset="0"/>
-                    <a:cs typeface="Arial" panose="020B0604020202020204" pitchFamily="34" charset="0"/>
-                  </a:defRPr>
-                </a:lvl1pPr>
-                <a:lvl2pPr marL="742950" indent="-285750">
-                  <a:spcBef>
-                    <a:spcPct val="20000"/>
-                  </a:spcBef>
-                  <a:buChar char="–"/>
-                  <a:defRPr sz="2800">
-                    <a:solidFill>
-                      <a:schemeClr val="tx1"/>
-                    </a:solidFill>
-                    <a:latin typeface="Arial" panose="020B0604020202020204" pitchFamily="34" charset="0"/>
-                    <a:cs typeface="Arial" panose="020B0604020202020204" pitchFamily="34" charset="0"/>
-                  </a:defRPr>
-                </a:lvl2pPr>
-                <a:lvl3pPr marL="1143000" indent="-228600">
-                  <a:spcBef>
-                    <a:spcPct val="20000"/>
-                  </a:spcBef>
-                  <a:buChar char="•"/>
-                  <a:defRPr sz="2400">
-                    <a:solidFill>
-                      <a:schemeClr val="tx1"/>
-                    </a:solidFill>
-                    <a:latin typeface="Arial" panose="020B0604020202020204" pitchFamily="34" charset="0"/>
-                    <a:cs typeface="Arial" panose="020B0604020202020204" pitchFamily="34" charset="0"/>
-                  </a:defRPr>
-                </a:lvl3pPr>
-                <a:lvl4pPr marL="1600200" indent="-228600">
-                  <a:spcBef>
-                    <a:spcPct val="20000"/>
-                  </a:spcBef>
-                  <a:buChar char="–"/>
-                  <a:defRPr sz="2000">
-                    <a:solidFill>
-                      <a:schemeClr val="tx1"/>
-                    </a:solidFill>
-                    <a:latin typeface="Arial" panose="020B0604020202020204" pitchFamily="34" charset="0"/>
-                    <a:cs typeface="Arial" panose="020B0604020202020204" pitchFamily="34" charset="0"/>
-                  </a:defRPr>
-                </a:lvl4pPr>
-                <a:lvl5pPr marL="2057400" indent="-228600">
-                  <a:spcBef>
-                    <a:spcPct val="20000"/>
-                  </a:spcBef>
-                  <a:buChar char="»"/>
-                  <a:defRPr sz="2000">
-                    <a:solidFill>
-                      <a:schemeClr val="tx1"/>
-                    </a:solidFill>
-                    <a:latin typeface="Arial" panose="020B0604020202020204" pitchFamily="34" charset="0"/>
-                    <a:cs typeface="Arial" panose="020B0604020202020204" pitchFamily="34" charset="0"/>
-                  </a:defRPr>
-                </a:lvl5pPr>
-                <a:lvl6pPr marL="2514600" indent="-228600" eaLnBrk="0" fontAlgn="base" hangingPunct="0">
-                  <a:spcBef>
-                    <a:spcPct val="20000"/>
-                  </a:spcBef>
-                  <a:spcAft>
-                    <a:spcPct val="0"/>
-                  </a:spcAft>
-                  <a:buChar char="»"/>
-                  <a:defRPr sz="2000">
-                    <a:solidFill>
-                      <a:schemeClr val="tx1"/>
-                    </a:solidFill>
-                    <a:latin typeface="Arial" panose="020B0604020202020204" pitchFamily="34" charset="0"/>
-                    <a:cs typeface="Arial" panose="020B0604020202020204" pitchFamily="34" charset="0"/>
-                  </a:defRPr>
-                </a:lvl6pPr>
-                <a:lvl7pPr marL="2971800" indent="-228600" eaLnBrk="0" fontAlgn="base" hangingPunct="0">
-                  <a:spcBef>
-                    <a:spcPct val="20000"/>
-                  </a:spcBef>
-                  <a:spcAft>
-                    <a:spcPct val="0"/>
-                  </a:spcAft>
-                  <a:buChar char="»"/>
-                  <a:defRPr sz="2000">
-                    <a:solidFill>
-                      <a:schemeClr val="tx1"/>
-                    </a:solidFill>
-                    <a:latin typeface="Arial" panose="020B0604020202020204" pitchFamily="34" charset="0"/>
-                    <a:cs typeface="Arial" panose="020B0604020202020204" pitchFamily="34" charset="0"/>
-                  </a:defRPr>
-                </a:lvl7pPr>
-                <a:lvl8pPr marL="3429000" indent="-228600" eaLnBrk="0" fontAlgn="base" hangingPunct="0">
-                  <a:spcBef>
-                    <a:spcPct val="20000"/>
-                  </a:spcBef>
-                  <a:spcAft>
-                    <a:spcPct val="0"/>
-                  </a:spcAft>
-                  <a:buChar char="»"/>
-                  <a:defRPr sz="2000">
-                    <a:solidFill>
-                      <a:schemeClr val="tx1"/>
-                    </a:solidFill>
-                    <a:latin typeface="Arial" panose="020B0604020202020204" pitchFamily="34" charset="0"/>
-                    <a:cs typeface="Arial" panose="020B0604020202020204" pitchFamily="34" charset="0"/>
-                  </a:defRPr>
-                </a:lvl8pPr>
-                <a:lvl9pPr marL="3886200" indent="-228600" eaLnBrk="0" fontAlgn="base" hangingPunct="0">
-                  <a:spcBef>
-                    <a:spcPct val="20000"/>
-                  </a:spcBef>
-                  <a:spcAft>
-                    <a:spcPct val="0"/>
-                  </a:spcAft>
-                  <a:buChar char="»"/>
-                  <a:defRPr sz="2000">
-                    <a:solidFill>
-                      <a:schemeClr val="tx1"/>
-                    </a:solidFill>
-                    <a:latin typeface="Arial" panose="020B0604020202020204" pitchFamily="34" charset="0"/>
-                    <a:cs typeface="Arial" panose="020B0604020202020204" pitchFamily="34" charset="0"/>
-                  </a:defRPr>
-                </a:lvl9pPr>
-              </a:lstStyle>
-              <a:p>
-                <a:pPr algn="ctr" eaLnBrk="1" hangingPunct="1">
-                  <a:spcBef>
-                    <a:spcPct val="0"/>
-                  </a:spcBef>
-                  <a:buFontTx/>
-                  <a:buNone/>
-                </a:pPr>
-                <a:endParaRPr lang="en-US" sz="1400">
+                    <a:latin typeface="Calibri" panose="020F0502020204030204" pitchFamily="34" charset="0"/>
+                    <a:sym typeface="Calibri" panose="020F0502020204030204" pitchFamily="34" charset="0"/>
+                  </a:endParaRPr>
+                </a:p>
+              </p:txBody>
+            </p:sp>
+            <p:sp>
+              <p:nvSpPr>
+                <p:cNvPr id="22" name="Straight Connector 33">
+                  <a:extLst>
+                    <a:ext uri="{FF2B5EF4-FFF2-40B4-BE49-F238E27FC236}">
+                      <a16:creationId xmlns:a16="http://schemas.microsoft.com/office/drawing/2014/main" id="{C3F08051-802A-2840-A2CE-F375362498CB}"/>
+                    </a:ext>
+                  </a:extLst>
+                </p:cNvPr>
+                <p:cNvSpPr>
+                  <a:spLocks noChangeShapeType="1"/>
+                </p:cNvSpPr>
+                <p:nvPr/>
+              </p:nvSpPr>
+              <p:spPr bwMode="auto">
+                <a:xfrm>
+                  <a:off x="228600" y="228600"/>
+                  <a:ext cx="1066801" cy="1"/>
+                </a:xfrm>
+                <a:prstGeom prst="line">
+                  <a:avLst/>
+                </a:prstGeom>
+                <a:noFill/>
+                <a:ln w="38100" cmpd="sng">
                   <a:solidFill>
-                    <a:srgbClr val="FFFFFF"/>
+                    <a:srgbClr val="C00000"/>
                   </a:solidFill>
-                  <a:latin typeface="Calibri" panose="020F0502020204030204" pitchFamily="34" charset="0"/>
-                  <a:sym typeface="Calibri" panose="020F0502020204030204" pitchFamily="34" charset="0"/>
-                </a:endParaRPr>
-              </a:p>
-            </p:txBody>
-          </p:sp>
-          <p:sp>
-            <p:nvSpPr>
-              <p:cNvPr id="20" name="Straight Connector 33">
+                  <a:round/>
+                  <a:headEnd/>
+                  <a:tailEnd/>
+                </a:ln>
                 <a:extLst>
-                  <a:ext uri="{FF2B5EF4-FFF2-40B4-BE49-F238E27FC236}">
-                    <a16:creationId xmlns:a16="http://schemas.microsoft.com/office/drawing/2014/main" id="{1220C98A-67BE-1F49-829B-8D74E51BB9E1}"/>
+                  <a:ext uri="{909E8E84-426E-40DD-AFC4-6F175D3DCCD1}">
+                    <a14:hiddenFill xmlns:a14="http://schemas.microsoft.com/office/drawing/2010/main">
+                      <a:noFill/>
+                    </a14:hiddenFill>
                   </a:ext>
                 </a:extLst>
-              </p:cNvPr>
-              <p:cNvSpPr>
-                <a:spLocks noChangeShapeType="1"/>
-              </p:cNvSpPr>
-              <p:nvPr/>
-            </p:nvSpPr>
-            <p:spPr bwMode="auto">
-              <a:xfrm>
-                <a:off x="228600" y="228600"/>
-                <a:ext cx="1066801" cy="1"/>
-              </a:xfrm>
-              <a:prstGeom prst="line">
-                <a:avLst/>
-              </a:prstGeom>
-              <a:noFill/>
-              <a:ln w="38100" cmpd="sng">
-                <a:solidFill>
-                  <a:srgbClr val="C00000"/>
-                </a:solidFill>
-                <a:round/>
-                <a:headEnd/>
-                <a:tailEnd/>
-              </a:ln>
-              <a:extLst>
-                <a:ext uri="{909E8E84-426E-40DD-AFC4-6F175D3DCCD1}">
-                  <a14:hiddenFill xmlns:a14="http://schemas.microsoft.com/office/drawing/2010/main">
-                    <a:noFill/>
-                  </a14:hiddenFill>
-                </a:ext>
-              </a:extLst>
-            </p:spPr>
-            <p:txBody>
-              <a:bodyPr/>
-              <a:lstStyle/>
-              <a:p>
-                <a:endParaRPr lang="en-US" sz="1400"/>
-              </a:p>
-            </p:txBody>
-          </p:sp>
-          <p:sp>
-            <p:nvSpPr>
-              <p:cNvPr id="21" name="Straight Connector 34">
+              </p:spPr>
+              <p:txBody>
+                <a:bodyPr/>
+                <a:lstStyle/>
+                <a:p>
+                  <a:endParaRPr lang="en-US" sz="1400"/>
+                </a:p>
+              </p:txBody>
+            </p:sp>
+            <p:sp>
+              <p:nvSpPr>
+                <p:cNvPr id="23" name="Straight Connector 34">
+                  <a:extLst>
+                    <a:ext uri="{FF2B5EF4-FFF2-40B4-BE49-F238E27FC236}">
+                      <a16:creationId xmlns:a16="http://schemas.microsoft.com/office/drawing/2014/main" id="{89A392D3-27CB-484E-914D-6376CC6D0AB5}"/>
+                    </a:ext>
+                  </a:extLst>
+                </p:cNvPr>
+                <p:cNvSpPr>
+                  <a:spLocks noChangeShapeType="1"/>
+                </p:cNvSpPr>
+                <p:nvPr/>
+              </p:nvSpPr>
+              <p:spPr bwMode="auto">
+                <a:xfrm>
+                  <a:off x="228600" y="457200"/>
+                  <a:ext cx="1524000" cy="1"/>
+                </a:xfrm>
+                <a:prstGeom prst="line">
+                  <a:avLst/>
+                </a:prstGeom>
+                <a:noFill/>
+                <a:ln w="38100" cmpd="sng">
+                  <a:solidFill>
+                    <a:srgbClr val="FFC000"/>
+                  </a:solidFill>
+                  <a:round/>
+                  <a:headEnd/>
+                  <a:tailEnd/>
+                </a:ln>
                 <a:extLst>
-                  <a:ext uri="{FF2B5EF4-FFF2-40B4-BE49-F238E27FC236}">
-                    <a16:creationId xmlns:a16="http://schemas.microsoft.com/office/drawing/2014/main" id="{D0B550AB-248B-E54F-9202-4153A69E28EF}"/>
+                  <a:ext uri="{909E8E84-426E-40DD-AFC4-6F175D3DCCD1}">
+                    <a14:hiddenFill xmlns:a14="http://schemas.microsoft.com/office/drawing/2010/main">
+                      <a:noFill/>
+                    </a14:hiddenFill>
                   </a:ext>
                 </a:extLst>
-              </p:cNvPr>
-              <p:cNvSpPr>
-                <a:spLocks noChangeShapeType="1"/>
-              </p:cNvSpPr>
-              <p:nvPr/>
-            </p:nvSpPr>
-            <p:spPr bwMode="auto">
-              <a:xfrm>
-                <a:off x="228600" y="457200"/>
-                <a:ext cx="1524000" cy="1"/>
-              </a:xfrm>
-              <a:prstGeom prst="line">
-                <a:avLst/>
-              </a:prstGeom>
-              <a:noFill/>
-              <a:ln w="38100" cmpd="sng">
-                <a:solidFill>
-                  <a:srgbClr val="FFC000"/>
-                </a:solidFill>
-                <a:round/>
-                <a:headEnd/>
-                <a:tailEnd/>
-              </a:ln>
-              <a:extLst>
-                <a:ext uri="{909E8E84-426E-40DD-AFC4-6F175D3DCCD1}">
-                  <a14:hiddenFill xmlns:a14="http://schemas.microsoft.com/office/drawing/2010/main">
-                    <a:noFill/>
-                  </a14:hiddenFill>
-                </a:ext>
-              </a:extLst>
-            </p:spPr>
-            <p:txBody>
-              <a:bodyPr/>
-              <a:lstStyle/>
-              <a:p>
-                <a:endParaRPr lang="en-US" sz="1400"/>
-              </a:p>
-            </p:txBody>
-          </p:sp>
-          <p:sp>
-            <p:nvSpPr>
-              <p:cNvPr id="22" name="Straight Connector 35">
+              </p:spPr>
+              <p:txBody>
+                <a:bodyPr/>
+                <a:lstStyle/>
+                <a:p>
+                  <a:endParaRPr lang="en-US" sz="1400"/>
+                </a:p>
+              </p:txBody>
+            </p:sp>
+            <p:sp>
+              <p:nvSpPr>
+                <p:cNvPr id="24" name="Straight Connector 35">
+                  <a:extLst>
+                    <a:ext uri="{FF2B5EF4-FFF2-40B4-BE49-F238E27FC236}">
+                      <a16:creationId xmlns:a16="http://schemas.microsoft.com/office/drawing/2014/main" id="{1CD4C89C-D895-7441-82A8-13C974D2D22A}"/>
+                    </a:ext>
+                  </a:extLst>
+                </p:cNvPr>
+                <p:cNvSpPr>
+                  <a:spLocks noChangeShapeType="1"/>
+                </p:cNvSpPr>
+                <p:nvPr/>
+              </p:nvSpPr>
+              <p:spPr bwMode="auto">
+                <a:xfrm>
+                  <a:off x="457200" y="685800"/>
+                  <a:ext cx="1066801" cy="1"/>
+                </a:xfrm>
+                <a:prstGeom prst="line">
+                  <a:avLst/>
+                </a:prstGeom>
+                <a:noFill/>
+                <a:ln w="38100" cmpd="sng">
+                  <a:solidFill>
+                    <a:srgbClr val="92D050"/>
+                  </a:solidFill>
+                  <a:round/>
+                  <a:headEnd/>
+                  <a:tailEnd/>
+                </a:ln>
                 <a:extLst>
-                  <a:ext uri="{FF2B5EF4-FFF2-40B4-BE49-F238E27FC236}">
-                    <a16:creationId xmlns:a16="http://schemas.microsoft.com/office/drawing/2014/main" id="{751A760A-911E-D14A-A52D-933E2077BE3C}"/>
+                  <a:ext uri="{909E8E84-426E-40DD-AFC4-6F175D3DCCD1}">
+                    <a14:hiddenFill xmlns:a14="http://schemas.microsoft.com/office/drawing/2010/main">
+                      <a:noFill/>
+                    </a14:hiddenFill>
                   </a:ext>
                 </a:extLst>
-              </p:cNvPr>
-              <p:cNvSpPr>
-                <a:spLocks noChangeShapeType="1"/>
-              </p:cNvSpPr>
-              <p:nvPr/>
-            </p:nvSpPr>
-            <p:spPr bwMode="auto">
-              <a:xfrm>
-                <a:off x="457200" y="685800"/>
-                <a:ext cx="1066801" cy="1"/>
-              </a:xfrm>
-              <a:prstGeom prst="line">
-                <a:avLst/>
-              </a:prstGeom>
-              <a:noFill/>
-              <a:ln w="38100" cmpd="sng">
-                <a:solidFill>
-                  <a:srgbClr val="92D050"/>
-                </a:solidFill>
-                <a:round/>
-                <a:headEnd/>
-                <a:tailEnd/>
-              </a:ln>
-              <a:extLst>
-                <a:ext uri="{909E8E84-426E-40DD-AFC4-6F175D3DCCD1}">
-                  <a14:hiddenFill xmlns:a14="http://schemas.microsoft.com/office/drawing/2010/main">
-                    <a:noFill/>
-                  </a14:hiddenFill>
-                </a:ext>
-              </a:extLst>
-            </p:spPr>
-            <p:txBody>
-              <a:bodyPr/>
-              <a:lstStyle/>
-              <a:p>
-                <a:endParaRPr lang="en-US" sz="1400"/>
-              </a:p>
-            </p:txBody>
-          </p:sp>
-          <p:sp>
-            <p:nvSpPr>
-              <p:cNvPr id="23" name="Straight Connector 36">
+              </p:spPr>
+              <p:txBody>
+                <a:bodyPr/>
+                <a:lstStyle/>
+                <a:p>
+                  <a:endParaRPr lang="en-US" sz="1400"/>
+                </a:p>
+              </p:txBody>
+            </p:sp>
+            <p:sp>
+              <p:nvSpPr>
+                <p:cNvPr id="25" name="Straight Connector 36">
+                  <a:extLst>
+                    <a:ext uri="{FF2B5EF4-FFF2-40B4-BE49-F238E27FC236}">
+                      <a16:creationId xmlns:a16="http://schemas.microsoft.com/office/drawing/2014/main" id="{87E88604-5684-AD46-ADFA-9AFB10989F47}"/>
+                    </a:ext>
+                  </a:extLst>
+                </p:cNvPr>
+                <p:cNvSpPr>
+                  <a:spLocks noChangeShapeType="1"/>
+                </p:cNvSpPr>
+                <p:nvPr/>
+              </p:nvSpPr>
+              <p:spPr bwMode="auto">
+                <a:xfrm>
+                  <a:off x="457200" y="914400"/>
+                  <a:ext cx="1295401" cy="1"/>
+                </a:xfrm>
+                <a:prstGeom prst="line">
+                  <a:avLst/>
+                </a:prstGeom>
+                <a:noFill/>
+                <a:ln w="38100" cmpd="sng">
+                  <a:solidFill>
+                    <a:srgbClr val="00B0F0"/>
+                  </a:solidFill>
+                  <a:round/>
+                  <a:headEnd/>
+                  <a:tailEnd/>
+                </a:ln>
                 <a:extLst>
-                  <a:ext uri="{FF2B5EF4-FFF2-40B4-BE49-F238E27FC236}">
-                    <a16:creationId xmlns:a16="http://schemas.microsoft.com/office/drawing/2014/main" id="{C26B8984-211E-F447-B141-6728E97B9CCF}"/>
+                  <a:ext uri="{909E8E84-426E-40DD-AFC4-6F175D3DCCD1}">
+                    <a14:hiddenFill xmlns:a14="http://schemas.microsoft.com/office/drawing/2010/main">
+                      <a:noFill/>
+                    </a14:hiddenFill>
                   </a:ext>
                 </a:extLst>
-              </p:cNvPr>
-              <p:cNvSpPr>
-                <a:spLocks noChangeShapeType="1"/>
-              </p:cNvSpPr>
-              <p:nvPr/>
-            </p:nvSpPr>
-            <p:spPr bwMode="auto">
-              <a:xfrm>
-                <a:off x="457200" y="914400"/>
-                <a:ext cx="1295401" cy="1"/>
-              </a:xfrm>
-              <a:prstGeom prst="line">
-                <a:avLst/>
-              </a:prstGeom>
-              <a:noFill/>
-              <a:ln w="38100" cmpd="sng">
-                <a:solidFill>
-                  <a:srgbClr val="00B0F0"/>
-                </a:solidFill>
-                <a:round/>
-                <a:headEnd/>
-                <a:tailEnd/>
-              </a:ln>
-              <a:extLst>
-                <a:ext uri="{909E8E84-426E-40DD-AFC4-6F175D3DCCD1}">
-                  <a14:hiddenFill xmlns:a14="http://schemas.microsoft.com/office/drawing/2010/main">
-                    <a:noFill/>
-                  </a14:hiddenFill>
-                </a:ext>
-              </a:extLst>
-            </p:spPr>
-            <p:txBody>
-              <a:bodyPr/>
-              <a:lstStyle/>
-              <a:p>
-                <a:endParaRPr lang="en-US" sz="1400"/>
-              </a:p>
-            </p:txBody>
-          </p:sp>
-          <p:sp>
-            <p:nvSpPr>
-              <p:cNvPr id="24" name="Straight Connector 37">
+              </p:spPr>
+              <p:txBody>
+                <a:bodyPr/>
+                <a:lstStyle/>
+                <a:p>
+                  <a:endParaRPr lang="en-US" sz="1400"/>
+                </a:p>
+              </p:txBody>
+            </p:sp>
+            <p:sp>
+              <p:nvSpPr>
+                <p:cNvPr id="26" name="Straight Connector 37">
+                  <a:extLst>
+                    <a:ext uri="{FF2B5EF4-FFF2-40B4-BE49-F238E27FC236}">
+                      <a16:creationId xmlns:a16="http://schemas.microsoft.com/office/drawing/2014/main" id="{EE66DDCD-B962-004B-8F1D-C07F65E8C64F}"/>
+                    </a:ext>
+                  </a:extLst>
+                </p:cNvPr>
+                <p:cNvSpPr>
+                  <a:spLocks noChangeShapeType="1"/>
+                </p:cNvSpPr>
+                <p:nvPr/>
+              </p:nvSpPr>
+              <p:spPr bwMode="auto">
+                <a:xfrm>
+                  <a:off x="228600" y="1143000"/>
+                  <a:ext cx="1524000" cy="1"/>
+                </a:xfrm>
+                <a:prstGeom prst="line">
+                  <a:avLst/>
+                </a:prstGeom>
+                <a:noFill/>
+                <a:ln w="38100" cmpd="sng">
+                  <a:solidFill>
+                    <a:srgbClr val="7030A0"/>
+                  </a:solidFill>
+                  <a:round/>
+                  <a:headEnd/>
+                  <a:tailEnd/>
+                </a:ln>
                 <a:extLst>
-                  <a:ext uri="{FF2B5EF4-FFF2-40B4-BE49-F238E27FC236}">
-                    <a16:creationId xmlns:a16="http://schemas.microsoft.com/office/drawing/2014/main" id="{C8C95DDE-41EB-2B47-93AF-990F00CE307E}"/>
+                  <a:ext uri="{909E8E84-426E-40DD-AFC4-6F175D3DCCD1}">
+                    <a14:hiddenFill xmlns:a14="http://schemas.microsoft.com/office/drawing/2010/main">
+                      <a:noFill/>
+                    </a14:hiddenFill>
                   </a:ext>
                 </a:extLst>
-              </p:cNvPr>
-              <p:cNvSpPr>
-                <a:spLocks noChangeShapeType="1"/>
-              </p:cNvSpPr>
-              <p:nvPr/>
-            </p:nvSpPr>
-            <p:spPr bwMode="auto">
-              <a:xfrm>
-                <a:off x="228600" y="1143000"/>
-                <a:ext cx="1524000" cy="1"/>
-              </a:xfrm>
-              <a:prstGeom prst="line">
-                <a:avLst/>
-              </a:prstGeom>
-              <a:noFill/>
-              <a:ln w="38100" cmpd="sng">
-                <a:solidFill>
-                  <a:srgbClr val="7030A0"/>
-                </a:solidFill>
-                <a:round/>
-                <a:headEnd/>
-                <a:tailEnd/>
-              </a:ln>
-              <a:extLst>
-                <a:ext uri="{909E8E84-426E-40DD-AFC4-6F175D3DCCD1}">
-                  <a14:hiddenFill xmlns:a14="http://schemas.microsoft.com/office/drawing/2010/main">
-                    <a:noFill/>
-                  </a14:hiddenFill>
-                </a:ext>
-              </a:extLst>
-            </p:spPr>
-            <p:txBody>
-              <a:bodyPr/>
-              <a:lstStyle/>
-              <a:p>
-                <a:endParaRPr lang="en-US" sz="1400"/>
-              </a:p>
-            </p:txBody>
-          </p:sp>
+              </p:spPr>
+              <p:txBody>
+                <a:bodyPr/>
+                <a:lstStyle/>
+                <a:p>
+                  <a:endParaRPr lang="en-US" sz="1400"/>
+                </a:p>
+              </p:txBody>
+            </p:sp>
+          </p:grpSp>
         </p:grpSp>
         <p:sp>
           <p:nvSpPr>
-            <p:cNvPr id="25" name="TextBox 38">
+            <p:cNvPr id="27" name="TextBox 38">
               <a:extLst>
                 <a:ext uri="{FF2B5EF4-FFF2-40B4-BE49-F238E27FC236}">
-                  <a16:creationId xmlns:a16="http://schemas.microsoft.com/office/drawing/2014/main" id="{07899C6E-8717-084D-9F30-D85B1A19D0F2}"/>
+                  <a16:creationId xmlns:a16="http://schemas.microsoft.com/office/drawing/2014/main" id="{54F395B0-D43A-2249-9789-1109643F94C4}"/>
                 </a:ext>
               </a:extLst>
             </p:cNvPr>
@@ -20523,10 +19724,10 @@
       </p:grpSp>
       <p:grpSp>
         <p:nvGrpSpPr>
-          <p:cNvPr id="54" name="Group 53">
+          <p:cNvPr id="48" name="Group 47">
             <a:extLst>
               <a:ext uri="{FF2B5EF4-FFF2-40B4-BE49-F238E27FC236}">
-                <a16:creationId xmlns:a16="http://schemas.microsoft.com/office/drawing/2014/main" id="{B54A3CC8-EB0B-574E-8DE2-3C977B26BD5A}"/>
+                <a16:creationId xmlns:a16="http://schemas.microsoft.com/office/drawing/2014/main" id="{BF43A995-B675-B94A-90F2-3D45C9DA38C5}"/>
               </a:ext>
             </a:extLst>
           </p:cNvPr>
@@ -20535,7 +19736,7 @@
         </p:nvGrpSpPr>
         <p:grpSpPr>
           <a:xfrm>
-            <a:off x="7729159" y="2678351"/>
+            <a:off x="8728823" y="3052173"/>
             <a:ext cx="1573479" cy="2923973"/>
             <a:chOff x="9917723" y="2753302"/>
             <a:chExt cx="1573479" cy="2923973"/>
@@ -20543,10 +19744,10 @@
         </p:grpSpPr>
         <p:pic>
           <p:nvPicPr>
-            <p:cNvPr id="6" name="Picture 3">
+            <p:cNvPr id="8" name="Picture 3">
               <a:extLst>
                 <a:ext uri="{FF2B5EF4-FFF2-40B4-BE49-F238E27FC236}">
-                  <a16:creationId xmlns:a16="http://schemas.microsoft.com/office/drawing/2014/main" id="{E1F86FEC-A508-9B40-9CAE-05BDA5C1DCDC}"/>
+                  <a16:creationId xmlns:a16="http://schemas.microsoft.com/office/drawing/2014/main" id="{A4C68059-85CA-C94E-BFE4-EAFBF902C0BB}"/>
                 </a:ext>
               </a:extLst>
             </p:cNvPr>
@@ -20556,7 +19757,7 @@
             <p:nvPr/>
           </p:nvPicPr>
           <p:blipFill>
-            <a:blip r:embed="rId3" cstate="print">
+            <a:blip r:embed="rId4" cstate="print">
               <a:extLst>
                 <a:ext uri="{28A0092B-C50C-407E-A947-70E740481C1C}">
                   <a14:useLocalDpi xmlns:a14="http://schemas.microsoft.com/office/drawing/2010/main" val="0"/>
@@ -20603,10 +19804,10 @@
         </p:pic>
         <p:grpSp>
           <p:nvGrpSpPr>
-            <p:cNvPr id="11" name="Group 10">
+            <p:cNvPr id="13" name="Group 10">
               <a:extLst>
                 <a:ext uri="{FF2B5EF4-FFF2-40B4-BE49-F238E27FC236}">
-                  <a16:creationId xmlns:a16="http://schemas.microsoft.com/office/drawing/2014/main" id="{DDAF4171-691D-AB47-9FD3-352D10E15F07}"/>
+                  <a16:creationId xmlns:a16="http://schemas.microsoft.com/office/drawing/2014/main" id="{F487CBEA-3D1A-884B-B15A-F212B61BEE77}"/>
                 </a:ext>
               </a:extLst>
             </p:cNvPr>
@@ -20625,10 +19826,10 @@
           </p:grpSpPr>
           <p:sp>
             <p:nvSpPr>
-              <p:cNvPr id="12" name="Rounded Rectangular Callout 11">
+              <p:cNvPr id="14" name="Rounded Rectangular Callout 11">
                 <a:extLst>
                   <a:ext uri="{FF2B5EF4-FFF2-40B4-BE49-F238E27FC236}">
-                    <a16:creationId xmlns:a16="http://schemas.microsoft.com/office/drawing/2014/main" id="{3A2F998C-869D-EA4A-9365-69BD3AB1596C}"/>
+                    <a16:creationId xmlns:a16="http://schemas.microsoft.com/office/drawing/2014/main" id="{0E5649F7-C53D-E14A-8444-E31E8995F6ED}"/>
                   </a:ext>
                 </a:extLst>
               </p:cNvPr>
@@ -20821,10 +20022,10 @@
           </p:sp>
           <p:sp>
             <p:nvSpPr>
-              <p:cNvPr id="13" name="Straight Connector 20">
+              <p:cNvPr id="15" name="Straight Connector 20">
                 <a:extLst>
                   <a:ext uri="{FF2B5EF4-FFF2-40B4-BE49-F238E27FC236}">
-                    <a16:creationId xmlns:a16="http://schemas.microsoft.com/office/drawing/2014/main" id="{0B622081-A058-204E-9C04-D3998FF9177D}"/>
+                    <a16:creationId xmlns:a16="http://schemas.microsoft.com/office/drawing/2014/main" id="{600A030F-41E5-6B4F-94AC-DAC68BC35C8C}"/>
                   </a:ext>
                 </a:extLst>
               </p:cNvPr>
@@ -20868,10 +20069,10 @@
           </p:sp>
           <p:sp>
             <p:nvSpPr>
-              <p:cNvPr id="14" name="Straight Connector 21">
+              <p:cNvPr id="16" name="Straight Connector 21">
                 <a:extLst>
                   <a:ext uri="{FF2B5EF4-FFF2-40B4-BE49-F238E27FC236}">
-                    <a16:creationId xmlns:a16="http://schemas.microsoft.com/office/drawing/2014/main" id="{3A1D77FE-8CD2-8841-8606-03A93EF7849D}"/>
+                    <a16:creationId xmlns:a16="http://schemas.microsoft.com/office/drawing/2014/main" id="{276BE6C8-7618-C841-86A9-CFC47EC088AC}"/>
                   </a:ext>
                 </a:extLst>
               </p:cNvPr>
@@ -20915,10 +20116,10 @@
           </p:sp>
           <p:sp>
             <p:nvSpPr>
-              <p:cNvPr id="15" name="Straight Connector 22">
+              <p:cNvPr id="17" name="Straight Connector 22">
                 <a:extLst>
                   <a:ext uri="{FF2B5EF4-FFF2-40B4-BE49-F238E27FC236}">
-                    <a16:creationId xmlns:a16="http://schemas.microsoft.com/office/drawing/2014/main" id="{2F81E0F4-36DC-3048-8351-2700AC136F16}"/>
+                    <a16:creationId xmlns:a16="http://schemas.microsoft.com/office/drawing/2014/main" id="{01C6FE18-8D0E-174E-85FC-543161A34642}"/>
                   </a:ext>
                 </a:extLst>
               </p:cNvPr>
@@ -20962,10 +20163,10 @@
           </p:sp>
           <p:sp>
             <p:nvSpPr>
-              <p:cNvPr id="16" name="Straight Connector 23">
+              <p:cNvPr id="18" name="Straight Connector 23">
                 <a:extLst>
                   <a:ext uri="{FF2B5EF4-FFF2-40B4-BE49-F238E27FC236}">
-                    <a16:creationId xmlns:a16="http://schemas.microsoft.com/office/drawing/2014/main" id="{2F620E1B-D094-4742-9713-6FBBC906E50F}"/>
+                    <a16:creationId xmlns:a16="http://schemas.microsoft.com/office/drawing/2014/main" id="{FEB573CB-D676-2243-A099-8E1362B33374}"/>
                   </a:ext>
                 </a:extLst>
               </p:cNvPr>
@@ -21009,10 +20210,10 @@
           </p:sp>
           <p:sp>
             <p:nvSpPr>
-              <p:cNvPr id="17" name="Straight Connector 24">
+              <p:cNvPr id="19" name="Straight Connector 24">
                 <a:extLst>
                   <a:ext uri="{FF2B5EF4-FFF2-40B4-BE49-F238E27FC236}">
-                    <a16:creationId xmlns:a16="http://schemas.microsoft.com/office/drawing/2014/main" id="{D0CDE0CD-5B26-E14B-B088-07CA58BD2FE5}"/>
+                    <a16:creationId xmlns:a16="http://schemas.microsoft.com/office/drawing/2014/main" id="{BD6749C2-7A50-D443-8300-D838A436946A}"/>
                   </a:ext>
                 </a:extLst>
               </p:cNvPr>
@@ -21057,10 +20258,10 @@
         </p:grpSp>
         <p:sp>
           <p:nvSpPr>
-            <p:cNvPr id="26" name="TextBox 39">
+            <p:cNvPr id="28" name="TextBox 39">
               <a:extLst>
                 <a:ext uri="{FF2B5EF4-FFF2-40B4-BE49-F238E27FC236}">
-                  <a16:creationId xmlns:a16="http://schemas.microsoft.com/office/drawing/2014/main" id="{A0CF5AA7-D0A9-0646-A621-60B92476204F}"/>
+                  <a16:creationId xmlns:a16="http://schemas.microsoft.com/office/drawing/2014/main" id="{06930D59-E0A2-7C4A-B403-13B9956E974C}"/>
                 </a:ext>
               </a:extLst>
             </p:cNvPr>
@@ -21260,10 +20461,10 @@
       </p:grpSp>
       <p:sp>
         <p:nvSpPr>
-          <p:cNvPr id="27" name="Cloud Callout 9">
+          <p:cNvPr id="29" name="Cloud Callout 9">
             <a:extLst>
               <a:ext uri="{FF2B5EF4-FFF2-40B4-BE49-F238E27FC236}">
-                <a16:creationId xmlns:a16="http://schemas.microsoft.com/office/drawing/2014/main" id="{93294502-6717-4D44-AE10-1DBAB7772A72}"/>
+                <a16:creationId xmlns:a16="http://schemas.microsoft.com/office/drawing/2014/main" id="{E6EF4754-1735-ED42-8446-DF29CD005A92}"/>
               </a:ext>
             </a:extLst>
           </p:cNvPr>
@@ -21274,7 +20475,7 @@
         </p:nvSpPr>
         <p:spPr bwMode="auto">
           <a:xfrm>
-            <a:off x="5435994" y="4660671"/>
+            <a:off x="5435994" y="5244353"/>
             <a:ext cx="1595641" cy="677812"/>
           </a:xfrm>
           <a:prstGeom prst="cloudCallout">
@@ -21458,10 +20659,10 @@
       </p:sp>
       <p:sp>
         <p:nvSpPr>
-          <p:cNvPr id="28" name="Cloud Callout 9">
+          <p:cNvPr id="30" name="Cloud Callout 9">
             <a:extLst>
               <a:ext uri="{FF2B5EF4-FFF2-40B4-BE49-F238E27FC236}">
-                <a16:creationId xmlns:a16="http://schemas.microsoft.com/office/drawing/2014/main" id="{09454EE0-55C3-2D45-A1B6-C9C1B953295C}"/>
+                <a16:creationId xmlns:a16="http://schemas.microsoft.com/office/drawing/2014/main" id="{DC9F5FF5-30A7-6547-96CC-D3A4832B4A1D}"/>
               </a:ext>
             </a:extLst>
           </p:cNvPr>
@@ -21472,7 +20673,7 @@
         </p:nvSpPr>
         <p:spPr bwMode="auto">
           <a:xfrm>
-            <a:off x="5435994" y="4660671"/>
+            <a:off x="5435994" y="5244353"/>
             <a:ext cx="1595641" cy="677812"/>
           </a:xfrm>
           <a:prstGeom prst="cloudCallout">
@@ -21656,10 +20857,10 @@
       </p:sp>
       <p:sp>
         <p:nvSpPr>
-          <p:cNvPr id="32" name="Straight Connector 27">
+          <p:cNvPr id="34" name="Straight Connector 27">
             <a:extLst>
               <a:ext uri="{FF2B5EF4-FFF2-40B4-BE49-F238E27FC236}">
-                <a16:creationId xmlns:a16="http://schemas.microsoft.com/office/drawing/2014/main" id="{2BAE86FC-0859-0F48-A1F6-1E858F4AFEBA}"/>
+                <a16:creationId xmlns:a16="http://schemas.microsoft.com/office/drawing/2014/main" id="{4BF31B81-C594-FE40-98BD-072038DD4983}"/>
               </a:ext>
             </a:extLst>
           </p:cNvPr>
@@ -21670,7 +20871,54 @@
         </p:nvSpPr>
         <p:spPr bwMode="auto">
           <a:xfrm>
-            <a:off x="3540808" y="2941802"/>
+            <a:off x="2451561" y="3322010"/>
+            <a:ext cx="1062037" cy="26488"/>
+          </a:xfrm>
+          <a:prstGeom prst="line">
+            <a:avLst/>
+          </a:prstGeom>
+          <a:noFill/>
+          <a:ln w="114300" cmpd="sng">
+            <a:solidFill>
+              <a:srgbClr val="FF0000"/>
+            </a:solidFill>
+            <a:round/>
+            <a:headEnd/>
+            <a:tailEnd/>
+          </a:ln>
+          <a:extLst>
+            <a:ext uri="{909E8E84-426E-40DD-AFC4-6F175D3DCCD1}">
+              <a14:hiddenFill xmlns:a14="http://schemas.microsoft.com/office/drawing/2010/main">
+                <a:noFill/>
+              </a14:hiddenFill>
+            </a:ext>
+          </a:extLst>
+        </p:spPr>
+        <p:txBody>
+          <a:bodyPr/>
+          <a:lstStyle/>
+          <a:p>
+            <a:endParaRPr lang="en-US"/>
+          </a:p>
+        </p:txBody>
+      </p:sp>
+      <p:sp>
+        <p:nvSpPr>
+          <p:cNvPr id="35" name="Straight Connector 28">
+            <a:extLst>
+              <a:ext uri="{FF2B5EF4-FFF2-40B4-BE49-F238E27FC236}">
+                <a16:creationId xmlns:a16="http://schemas.microsoft.com/office/drawing/2014/main" id="{7C5D8531-13E8-A74B-8F3E-51D04E530AFA}"/>
+              </a:ext>
+            </a:extLst>
+          </p:cNvPr>
+          <p:cNvSpPr>
+            <a:spLocks noChangeShapeType="1"/>
+          </p:cNvSpPr>
+          <p:nvPr/>
+        </p:nvSpPr>
+        <p:spPr bwMode="auto">
+          <a:xfrm>
+            <a:off x="8884223" y="3345824"/>
             <a:ext cx="1097280" cy="0"/>
           </a:xfrm>
           <a:prstGeom prst="line">
@@ -21703,57 +20951,10 @@
       </p:sp>
       <p:sp>
         <p:nvSpPr>
-          <p:cNvPr id="33" name="Straight Connector 28">
+          <p:cNvPr id="36" name="Rectangle 35">
             <a:extLst>
               <a:ext uri="{FF2B5EF4-FFF2-40B4-BE49-F238E27FC236}">
-                <a16:creationId xmlns:a16="http://schemas.microsoft.com/office/drawing/2014/main" id="{0A287293-2963-9D49-AF51-C09BEBF3C668}"/>
-              </a:ext>
-            </a:extLst>
-          </p:cNvPr>
-          <p:cNvSpPr>
-            <a:spLocks noChangeShapeType="1"/>
-          </p:cNvSpPr>
-          <p:nvPr/>
-        </p:nvSpPr>
-        <p:spPr bwMode="auto">
-          <a:xfrm>
-            <a:off x="7871721" y="2941802"/>
-            <a:ext cx="1097280" cy="0"/>
-          </a:xfrm>
-          <a:prstGeom prst="line">
-            <a:avLst/>
-          </a:prstGeom>
-          <a:noFill/>
-          <a:ln w="114300" cmpd="sng">
-            <a:solidFill>
-              <a:srgbClr val="FF0000"/>
-            </a:solidFill>
-            <a:round/>
-            <a:headEnd/>
-            <a:tailEnd/>
-          </a:ln>
-          <a:extLst>
-            <a:ext uri="{909E8E84-426E-40DD-AFC4-6F175D3DCCD1}">
-              <a14:hiddenFill xmlns:a14="http://schemas.microsoft.com/office/drawing/2010/main">
-                <a:noFill/>
-              </a14:hiddenFill>
-            </a:ext>
-          </a:extLst>
-        </p:spPr>
-        <p:txBody>
-          <a:bodyPr/>
-          <a:lstStyle/>
-          <a:p>
-            <a:endParaRPr lang="en-US"/>
-          </a:p>
-        </p:txBody>
-      </p:sp>
-      <p:sp>
-        <p:nvSpPr>
-          <p:cNvPr id="35" name="Rectangle 34">
-            <a:extLst>
-              <a:ext uri="{FF2B5EF4-FFF2-40B4-BE49-F238E27FC236}">
-                <a16:creationId xmlns:a16="http://schemas.microsoft.com/office/drawing/2014/main" id="{B0729585-6245-C34E-9939-6263AA9D4B51}"/>
+                <a16:creationId xmlns:a16="http://schemas.microsoft.com/office/drawing/2014/main" id="{800A88EA-6CB8-D042-92E0-31AB09469987}"/>
               </a:ext>
             </a:extLst>
           </p:cNvPr>
@@ -21800,23 +21001,23 @@
       </p:sp>
       <p:cxnSp>
         <p:nvCxnSpPr>
-          <p:cNvPr id="36" name="Straight Arrow Connector 35">
+          <p:cNvPr id="37" name="Straight Arrow Connector 36">
             <a:extLst>
               <a:ext uri="{FF2B5EF4-FFF2-40B4-BE49-F238E27FC236}">
-                <a16:creationId xmlns:a16="http://schemas.microsoft.com/office/drawing/2014/main" id="{719EC6F1-CADB-394F-859C-FB74BFB5C8C7}"/>
+                <a16:creationId xmlns:a16="http://schemas.microsoft.com/office/drawing/2014/main" id="{DA37870E-6A3E-EC45-BAE4-A2FC83BA61DB}"/>
               </a:ext>
             </a:extLst>
           </p:cNvPr>
           <p:cNvCxnSpPr>
             <a:cxnSpLocks/>
-            <a:stCxn id="35" idx="1"/>
+            <a:stCxn id="36" idx="1"/>
           </p:cNvCxnSpPr>
           <p:nvPr/>
         </p:nvCxnSpPr>
         <p:spPr>
           <a:xfrm flipH="1">
-            <a:off x="4580040" y="2239327"/>
-            <a:ext cx="718478" cy="711965"/>
+            <a:off x="3513598" y="2239327"/>
+            <a:ext cx="1784920" cy="1106497"/>
           </a:xfrm>
           <a:prstGeom prst="straightConnector1">
             <a:avLst/>
@@ -21842,24 +21043,23 @@
       </p:cxnSp>
       <p:cxnSp>
         <p:nvCxnSpPr>
-          <p:cNvPr id="37" name="Straight Arrow Connector 36">
+          <p:cNvPr id="38" name="Straight Arrow Connector 37">
             <a:extLst>
               <a:ext uri="{FF2B5EF4-FFF2-40B4-BE49-F238E27FC236}">
-                <a16:creationId xmlns:a16="http://schemas.microsoft.com/office/drawing/2014/main" id="{D8879B2A-34C7-914A-91F1-730ACA48023D}"/>
+                <a16:creationId xmlns:a16="http://schemas.microsoft.com/office/drawing/2014/main" id="{25DE2AF2-8BF4-6C40-B623-B320C082AE76}"/>
               </a:ext>
             </a:extLst>
           </p:cNvPr>
           <p:cNvCxnSpPr>
             <a:cxnSpLocks/>
-            <a:stCxn id="35" idx="3"/>
-            <a:endCxn id="33" idx="0"/>
+            <a:stCxn id="36" idx="3"/>
           </p:cNvCxnSpPr>
           <p:nvPr/>
         </p:nvCxnSpPr>
         <p:spPr>
           <a:xfrm>
             <a:off x="7243136" y="2239327"/>
-            <a:ext cx="628585" cy="702475"/>
+            <a:ext cx="1641087" cy="1082683"/>
           </a:xfrm>
           <a:prstGeom prst="straightConnector1">
             <a:avLst/>
@@ -21886,7 +21086,7 @@
     </p:spTree>
     <p:extLst>
       <p:ext uri="{BB962C8B-B14F-4D97-AF65-F5344CB8AC3E}">
-        <p14:creationId xmlns:p14="http://schemas.microsoft.com/office/powerpoint/2010/main" val="1159720684"/>
+        <p14:creationId xmlns:p14="http://schemas.microsoft.com/office/powerpoint/2010/main" val="3434176461"/>
       </p:ext>
     </p:extLst>
   </p:cSld>
@@ -21930,7 +21130,7 @@
                                           </p:stCondLst>
                                         </p:cTn>
                                         <p:tgtEl>
-                                          <p:spTgt spid="32"/>
+                                          <p:spTgt spid="34"/>
                                         </p:tgtEl>
                                         <p:attrNameLst>
                                           <p:attrName>style.visibility</p:attrName>
@@ -21944,7 +21144,7 @@
                                       <p:cBhvr>
                                         <p:cTn id="7" dur="1000" fill="hold"/>
                                         <p:tgtEl>
-                                          <p:spTgt spid="32"/>
+                                          <p:spTgt spid="34"/>
                                         </p:tgtEl>
                                         <p:attrNameLst>
                                           <p:attrName>ppt_x</p:attrName>
@@ -21967,7 +21167,7 @@
                                       <p:cBhvr>
                                         <p:cTn id="8" dur="1000" fill="hold"/>
                                         <p:tgtEl>
-                                          <p:spTgt spid="32"/>
+                                          <p:spTgt spid="34"/>
                                         </p:tgtEl>
                                         <p:attrNameLst>
                                           <p:attrName>ppt_y</p:attrName>
@@ -21990,7 +21190,7 @@
                                       <p:cBhvr>
                                         <p:cTn id="9" dur="1000"/>
                                         <p:tgtEl>
-                                          <p:spTgt spid="32"/>
+                                          <p:spTgt spid="34"/>
                                         </p:tgtEl>
                                       </p:cBhvr>
                                     </p:animEffect>
@@ -22011,7 +21211,7 @@
                                           </p:stCondLst>
                                         </p:cTn>
                                         <p:tgtEl>
-                                          <p:spTgt spid="33"/>
+                                          <p:spTgt spid="35"/>
                                         </p:tgtEl>
                                         <p:attrNameLst>
                                           <p:attrName>style.visibility</p:attrName>
@@ -22025,7 +21225,7 @@
                                       <p:cBhvr>
                                         <p:cTn id="12" dur="1000" fill="hold"/>
                                         <p:tgtEl>
-                                          <p:spTgt spid="33"/>
+                                          <p:spTgt spid="35"/>
                                         </p:tgtEl>
                                         <p:attrNameLst>
                                           <p:attrName>ppt_x</p:attrName>
@@ -22048,7 +21248,7 @@
                                       <p:cBhvr>
                                         <p:cTn id="13" dur="1000" fill="hold"/>
                                         <p:tgtEl>
-                                          <p:spTgt spid="33"/>
+                                          <p:spTgt spid="35"/>
                                         </p:tgtEl>
                                         <p:attrNameLst>
                                           <p:attrName>ppt_y</p:attrName>
@@ -22071,7 +21271,7 @@
                                       <p:cBhvr>
                                         <p:cTn id="14" dur="1000"/>
                                         <p:tgtEl>
-                                          <p:spTgt spid="33"/>
+                                          <p:spTgt spid="35"/>
                                         </p:tgtEl>
                                       </p:cBhvr>
                                     </p:animEffect>
@@ -22110,7 +21310,7 @@
                                           </p:stCondLst>
                                         </p:cTn>
                                         <p:tgtEl>
-                                          <p:spTgt spid="36"/>
+                                          <p:spTgt spid="37"/>
                                         </p:tgtEl>
                                         <p:attrNameLst>
                                           <p:attrName>style.visibility</p:attrName>
@@ -22137,7 +21337,7 @@
                                           </p:stCondLst>
                                         </p:cTn>
                                         <p:tgtEl>
-                                          <p:spTgt spid="37"/>
+                                          <p:spTgt spid="38"/>
                                         </p:tgtEl>
                                         <p:attrNameLst>
                                           <p:attrName>style.visibility</p:attrName>
@@ -22164,7 +21364,7 @@
                                           </p:stCondLst>
                                         </p:cTn>
                                         <p:tgtEl>
-                                          <p:spTgt spid="35"/>
+                                          <p:spTgt spid="36"/>
                                         </p:tgtEl>
                                         <p:attrNameLst>
                                           <p:attrName>style.visibility</p:attrName>
@@ -22205,244 +21405,15 @@
       </p:par>
     </p:tnLst>
     <p:bldLst>
-      <p:bldP spid="32" grpId="0" animBg="1"/>
-      <p:bldP spid="33" grpId="0" animBg="1"/>
-      <p:bldP spid="35" grpId="0"/>
+      <p:bldP spid="34" grpId="0" animBg="1"/>
+      <p:bldP spid="35" grpId="0" animBg="1"/>
+      <p:bldP spid="36" grpId="0"/>
     </p:bldLst>
   </p:timing>
 </p:sld>
 </file>
 
 <file path=ppt/slides/slide30.xml><?xml version="1.0" encoding="utf-8"?>
-<p:sld xmlns:a="http://schemas.openxmlformats.org/drawingml/2006/main" xmlns:r="http://schemas.openxmlformats.org/officeDocument/2006/relationships" xmlns:p="http://schemas.openxmlformats.org/presentationml/2006/main">
-  <p:cSld>
-    <p:spTree>
-      <p:nvGrpSpPr>
-        <p:cNvPr id="1" name=""/>
-        <p:cNvGrpSpPr/>
-        <p:nvPr/>
-      </p:nvGrpSpPr>
-      <p:grpSpPr>
-        <a:xfrm>
-          <a:off x="0" y="0"/>
-          <a:ext cx="0" cy="0"/>
-          <a:chOff x="0" y="0"/>
-          <a:chExt cx="0" cy="0"/>
-        </a:xfrm>
-      </p:grpSpPr>
-      <p:sp>
-        <p:nvSpPr>
-          <p:cNvPr id="2" name="Title 1">
-            <a:extLst>
-              <a:ext uri="{FF2B5EF4-FFF2-40B4-BE49-F238E27FC236}">
-                <a16:creationId xmlns:a16="http://schemas.microsoft.com/office/drawing/2014/main" id="{C3B15CDB-7096-D94A-BAA5-49F9D35E0EB3}"/>
-              </a:ext>
-            </a:extLst>
-          </p:cNvPr>
-          <p:cNvSpPr>
-            <a:spLocks noGrp="1"/>
-          </p:cNvSpPr>
-          <p:nvPr>
-            <p:ph type="title"/>
-          </p:nvPr>
-        </p:nvSpPr>
-        <p:spPr/>
-        <p:txBody>
-          <a:bodyPr>
-            <a:normAutofit/>
-          </a:bodyPr>
-          <a:lstStyle/>
-          <a:p>
-            <a:pPr algn="ctr"/>
-            <a:r>
-              <a:rPr lang="en-US" dirty="0"/>
-              <a:t>Diversity of Change Patterns (RQ3)</a:t>
-            </a:r>
-          </a:p>
-        </p:txBody>
-      </p:sp>
-      <p:sp>
-        <p:nvSpPr>
-          <p:cNvPr id="3" name="Content Placeholder 2">
-            <a:extLst>
-              <a:ext uri="{FF2B5EF4-FFF2-40B4-BE49-F238E27FC236}">
-                <a16:creationId xmlns:a16="http://schemas.microsoft.com/office/drawing/2014/main" id="{DACB5773-6805-9348-87CB-8521D18AF05B}"/>
-              </a:ext>
-            </a:extLst>
-          </p:cNvPr>
-          <p:cNvSpPr>
-            <a:spLocks noGrp="1"/>
-          </p:cNvSpPr>
-          <p:nvPr>
-            <p:ph idx="1"/>
-          </p:nvPr>
-        </p:nvSpPr>
-        <p:spPr/>
-        <p:txBody>
-          <a:bodyPr/>
-          <a:lstStyle/>
-          <a:p>
-            <a:endParaRPr lang="en-US"/>
-          </a:p>
-        </p:txBody>
-      </p:sp>
-      <p:sp>
-        <p:nvSpPr>
-          <p:cNvPr id="4" name="Slide Number Placeholder 3">
-            <a:extLst>
-              <a:ext uri="{FF2B5EF4-FFF2-40B4-BE49-F238E27FC236}">
-                <a16:creationId xmlns:a16="http://schemas.microsoft.com/office/drawing/2014/main" id="{3BFA7CC4-8C7B-6D4B-9624-75DF4DA97B6D}"/>
-              </a:ext>
-            </a:extLst>
-          </p:cNvPr>
-          <p:cNvSpPr>
-            <a:spLocks noGrp="1"/>
-          </p:cNvSpPr>
-          <p:nvPr>
-            <p:ph type="sldNum" sz="quarter" idx="12"/>
-          </p:nvPr>
-        </p:nvSpPr>
-        <p:spPr/>
-        <p:txBody>
-          <a:bodyPr/>
-          <a:lstStyle/>
-          <a:p>
-            <a:fld id="{C4BF04A0-1647-43F2-B0F5-56BA1A66771F}" type="slidenum">
-              <a:rPr lang="en-US" smtClean="0"/>
-              <a:t>30</a:t>
-            </a:fld>
-            <a:endParaRPr lang="en-US"/>
-          </a:p>
-        </p:txBody>
-      </p:sp>
-    </p:spTree>
-    <p:extLst>
-      <p:ext uri="{BB962C8B-B14F-4D97-AF65-F5344CB8AC3E}">
-        <p14:creationId xmlns:p14="http://schemas.microsoft.com/office/powerpoint/2010/main" val="3090818961"/>
-      </p:ext>
-    </p:extLst>
-  </p:cSld>
-  <p:clrMapOvr>
-    <a:masterClrMapping/>
-  </p:clrMapOvr>
-</p:sld>
-</file>
-
-<file path=ppt/slides/slide31.xml><?xml version="1.0" encoding="utf-8"?>
-<p:sld xmlns:a="http://schemas.openxmlformats.org/drawingml/2006/main" xmlns:r="http://schemas.openxmlformats.org/officeDocument/2006/relationships" xmlns:p="http://schemas.openxmlformats.org/presentationml/2006/main">
-  <p:cSld>
-    <p:spTree>
-      <p:nvGrpSpPr>
-        <p:cNvPr id="1" name=""/>
-        <p:cNvGrpSpPr/>
-        <p:nvPr/>
-      </p:nvGrpSpPr>
-      <p:grpSpPr>
-        <a:xfrm>
-          <a:off x="0" y="0"/>
-          <a:ext cx="0" cy="0"/>
-          <a:chOff x="0" y="0"/>
-          <a:chExt cx="0" cy="0"/>
-        </a:xfrm>
-      </p:grpSpPr>
-      <p:sp>
-        <p:nvSpPr>
-          <p:cNvPr id="2" name="Title 1">
-            <a:extLst>
-              <a:ext uri="{FF2B5EF4-FFF2-40B4-BE49-F238E27FC236}">
-                <a16:creationId xmlns:a16="http://schemas.microsoft.com/office/drawing/2014/main" id="{10573436-4074-524D-9E4D-4E2E7F3A47AA}"/>
-              </a:ext>
-            </a:extLst>
-          </p:cNvPr>
-          <p:cNvSpPr>
-            <a:spLocks noGrp="1"/>
-          </p:cNvSpPr>
-          <p:nvPr>
-            <p:ph type="title"/>
-          </p:nvPr>
-        </p:nvSpPr>
-        <p:spPr/>
-        <p:txBody>
-          <a:bodyPr>
-            <a:normAutofit/>
-          </a:bodyPr>
-          <a:lstStyle/>
-          <a:p>
-            <a:r>
-              <a:rPr lang="en-US" dirty="0"/>
-              <a:t>Commonality of Patterns (RQ4)</a:t>
-            </a:r>
-          </a:p>
-        </p:txBody>
-      </p:sp>
-      <p:sp>
-        <p:nvSpPr>
-          <p:cNvPr id="3" name="Content Placeholder 2">
-            <a:extLst>
-              <a:ext uri="{FF2B5EF4-FFF2-40B4-BE49-F238E27FC236}">
-                <a16:creationId xmlns:a16="http://schemas.microsoft.com/office/drawing/2014/main" id="{0171F5C4-2979-C948-BFB6-1A737D3AE4D5}"/>
-              </a:ext>
-            </a:extLst>
-          </p:cNvPr>
-          <p:cNvSpPr>
-            <a:spLocks noGrp="1"/>
-          </p:cNvSpPr>
-          <p:nvPr>
-            <p:ph idx="1"/>
-          </p:nvPr>
-        </p:nvSpPr>
-        <p:spPr/>
-        <p:txBody>
-          <a:bodyPr/>
-          <a:lstStyle/>
-          <a:p>
-            <a:endParaRPr lang="en-US"/>
-          </a:p>
-        </p:txBody>
-      </p:sp>
-      <p:sp>
-        <p:nvSpPr>
-          <p:cNvPr id="4" name="Slide Number Placeholder 3">
-            <a:extLst>
-              <a:ext uri="{FF2B5EF4-FFF2-40B4-BE49-F238E27FC236}">
-                <a16:creationId xmlns:a16="http://schemas.microsoft.com/office/drawing/2014/main" id="{973F58ED-2857-3049-8B14-18DD55A037EA}"/>
-              </a:ext>
-            </a:extLst>
-          </p:cNvPr>
-          <p:cNvSpPr>
-            <a:spLocks noGrp="1"/>
-          </p:cNvSpPr>
-          <p:nvPr>
-            <p:ph type="sldNum" sz="quarter" idx="12"/>
-          </p:nvPr>
-        </p:nvSpPr>
-        <p:spPr/>
-        <p:txBody>
-          <a:bodyPr/>
-          <a:lstStyle/>
-          <a:p>
-            <a:fld id="{C4BF04A0-1647-43F2-B0F5-56BA1A66771F}" type="slidenum">
-              <a:rPr lang="en-US" smtClean="0"/>
-              <a:t>31</a:t>
-            </a:fld>
-            <a:endParaRPr lang="en-US"/>
-          </a:p>
-        </p:txBody>
-      </p:sp>
-    </p:spTree>
-    <p:extLst>
-      <p:ext uri="{BB962C8B-B14F-4D97-AF65-F5344CB8AC3E}">
-        <p14:creationId xmlns:p14="http://schemas.microsoft.com/office/powerpoint/2010/main" val="1851371166"/>
-      </p:ext>
-    </p:extLst>
-  </p:cSld>
-  <p:clrMapOvr>
-    <a:masterClrMapping/>
-  </p:clrMapOvr>
-</p:sld>
-</file>
-
-<file path=ppt/slides/slide32.xml><?xml version="1.0" encoding="utf-8"?>
 <p:sld xmlns:a="http://schemas.openxmlformats.org/drawingml/2006/main" xmlns:r="http://schemas.openxmlformats.org/officeDocument/2006/relationships" xmlns:p="http://schemas.openxmlformats.org/presentationml/2006/main">
   <p:cSld>
     <p:spTree>
@@ -22537,7 +21508,7 @@
           <a:p>
             <a:fld id="{C4BF04A0-1647-43F2-B0F5-56BA1A66771F}" type="slidenum">
               <a:rPr lang="en-US" smtClean="0"/>
-              <a:t>32</a:t>
+              <a:t>30</a:t>
             </a:fld>
             <a:endParaRPr lang="en-US"/>
           </a:p>
@@ -22556,7 +21527,7 @@
 </p:sld>
 </file>
 
-<file path=ppt/slides/slide33.xml><?xml version="1.0" encoding="utf-8"?>
+<file path=ppt/slides/slide31.xml><?xml version="1.0" encoding="utf-8"?>
 <p:sld xmlns:a="http://schemas.openxmlformats.org/drawingml/2006/main" xmlns:r="http://schemas.openxmlformats.org/officeDocument/2006/relationships" xmlns:p="http://schemas.openxmlformats.org/presentationml/2006/main">
   <p:cSld>
     <p:spTree>
@@ -22646,7 +21617,7 @@
           <a:p>
             <a:fld id="{C4BF04A0-1647-43F2-B0F5-56BA1A66771F}" type="slidenum">
               <a:rPr lang="en-US" smtClean="0"/>
-              <a:t>33</a:t>
+              <a:t>31</a:t>
             </a:fld>
             <a:endParaRPr lang="en-US"/>
           </a:p>
@@ -22665,7 +21636,7 @@
 </p:sld>
 </file>
 
-<file path=ppt/slides/slide34.xml><?xml version="1.0" encoding="utf-8"?>
+<file path=ppt/slides/slide32.xml><?xml version="1.0" encoding="utf-8"?>
 <p:sld xmlns:a="http://schemas.openxmlformats.org/drawingml/2006/main" xmlns:r="http://schemas.openxmlformats.org/officeDocument/2006/relationships" xmlns:p="http://schemas.openxmlformats.org/presentationml/2006/main">
   <p:cSld>
     <p:spTree>
@@ -22795,7 +21766,7 @@
           <a:p>
             <a:fld id="{C4BF04A0-1647-43F2-B0F5-56BA1A66771F}" type="slidenum">
               <a:rPr lang="en-US" smtClean="0"/>
-              <a:t>34</a:t>
+              <a:t>32</a:t>
             </a:fld>
             <a:endParaRPr lang="en-US"/>
           </a:p>
@@ -23257,9 +22228,6 @@
                     <p:cTn id="3" fill="hold">
                       <p:stCondLst>
                         <p:cond delay="indefinite"/>
-                        <p:cond evt="onBegin" delay="0">
-                          <p:tn val="2"/>
-                        </p:cond>
                       </p:stCondLst>
                       <p:childTnLst>
                         <p:par>
@@ -23269,7 +22237,7 @@
                             </p:stCondLst>
                             <p:childTnLst>
                               <p:par>
-                                <p:cTn id="5" presetID="1" presetClass="entr" presetSubtype="0" fill="hold" nodeType="afterEffect">
+                                <p:cTn id="5" presetID="10" presetClass="entr" presetSubtype="0" fill="hold" nodeType="clickEffect">
                                   <p:stCondLst>
                                     <p:cond delay="0"/>
                                   </p:stCondLst>
@@ -23277,6 +22245,110 @@
                                     <p:set>
                                       <p:cBhvr>
                                         <p:cTn id="6" dur="1" fill="hold">
+                                          <p:stCondLst>
+                                            <p:cond delay="0"/>
+                                          </p:stCondLst>
+                                        </p:cTn>
+                                        <p:tgtEl>
+                                          <p:spTgt spid="3">
+                                            <p:txEl>
+                                              <p:pRg st="3" end="3"/>
+                                            </p:txEl>
+                                          </p:spTgt>
+                                        </p:tgtEl>
+                                        <p:attrNameLst>
+                                          <p:attrName>style.visibility</p:attrName>
+                                        </p:attrNameLst>
+                                      </p:cBhvr>
+                                      <p:to>
+                                        <p:strVal val="visible"/>
+                                      </p:to>
+                                    </p:set>
+                                    <p:animEffect transition="in" filter="fade">
+                                      <p:cBhvr>
+                                        <p:cTn id="7" dur="500"/>
+                                        <p:tgtEl>
+                                          <p:spTgt spid="3">
+                                            <p:txEl>
+                                              <p:pRg st="3" end="3"/>
+                                            </p:txEl>
+                                          </p:spTgt>
+                                        </p:tgtEl>
+                                      </p:cBhvr>
+                                    </p:animEffect>
+                                  </p:childTnLst>
+                                </p:cTn>
+                              </p:par>
+                              <p:par>
+                                <p:cTn id="8" presetID="10" presetClass="entr" presetSubtype="0" fill="hold" nodeType="withEffect">
+                                  <p:stCondLst>
+                                    <p:cond delay="0"/>
+                                  </p:stCondLst>
+                                  <p:childTnLst>
+                                    <p:set>
+                                      <p:cBhvr>
+                                        <p:cTn id="9" dur="1" fill="hold">
+                                          <p:stCondLst>
+                                            <p:cond delay="0"/>
+                                          </p:stCondLst>
+                                        </p:cTn>
+                                        <p:tgtEl>
+                                          <p:spTgt spid="3">
+                                            <p:txEl>
+                                              <p:pRg st="4" end="4"/>
+                                            </p:txEl>
+                                          </p:spTgt>
+                                        </p:tgtEl>
+                                        <p:attrNameLst>
+                                          <p:attrName>style.visibility</p:attrName>
+                                        </p:attrNameLst>
+                                      </p:cBhvr>
+                                      <p:to>
+                                        <p:strVal val="visible"/>
+                                      </p:to>
+                                    </p:set>
+                                    <p:animEffect transition="in" filter="fade">
+                                      <p:cBhvr>
+                                        <p:cTn id="10" dur="500"/>
+                                        <p:tgtEl>
+                                          <p:spTgt spid="3">
+                                            <p:txEl>
+                                              <p:pRg st="4" end="4"/>
+                                            </p:txEl>
+                                          </p:spTgt>
+                                        </p:tgtEl>
+                                      </p:cBhvr>
+                                    </p:animEffect>
+                                  </p:childTnLst>
+                                </p:cTn>
+                              </p:par>
+                            </p:childTnLst>
+                          </p:cTn>
+                        </p:par>
+                      </p:childTnLst>
+                    </p:cTn>
+                  </p:par>
+                  <p:par>
+                    <p:cTn id="11" fill="hold">
+                      <p:stCondLst>
+                        <p:cond delay="indefinite"/>
+                      </p:stCondLst>
+                      <p:childTnLst>
+                        <p:par>
+                          <p:cTn id="12" fill="hold">
+                            <p:stCondLst>
+                              <p:cond delay="0"/>
+                            </p:stCondLst>
+                            <p:childTnLst>
+                              <p:par>
+                                <p:cTn id="13" presetID="10" presetClass="entr" presetSubtype="0" fill="hold" nodeType="clickEffect">
+                                  <p:stCondLst>
+                                    <p:cond delay="0"/>
+                                  </p:stCondLst>
+                                  <p:childTnLst>
+                                    <p:set>
+                                      <p:cBhvr>
+                                        <p:cTn id="14" dur="1" fill="hold">
                                           <p:stCondLst>
                                             <p:cond delay="0"/>
                                           </p:stCondLst>
@@ -23292,6 +22364,14 @@
                                         <p:strVal val="visible"/>
                                       </p:to>
                                     </p:set>
+                                    <p:animEffect transition="in" filter="fade">
+                                      <p:cBhvr>
+                                        <p:cTn id="15" dur="500"/>
+                                        <p:tgtEl>
+                                          <p:spTgt spid="5"/>
+                                        </p:tgtEl>
+                                      </p:cBhvr>
+                                    </p:animEffect>
                                   </p:childTnLst>
                                 </p:cTn>
                               </p:par>
@@ -23483,10 +22563,10 @@
       </p:sp>
       <p:grpSp>
         <p:nvGrpSpPr>
-          <p:cNvPr id="6" name="Group 5">
+          <p:cNvPr id="10" name="Group 9">
             <a:extLst>
               <a:ext uri="{FF2B5EF4-FFF2-40B4-BE49-F238E27FC236}">
-                <a16:creationId xmlns:a16="http://schemas.microsoft.com/office/drawing/2014/main" id="{373E2EDC-AD8A-9845-96E8-3B8681CD4337}"/>
+                <a16:creationId xmlns:a16="http://schemas.microsoft.com/office/drawing/2014/main" id="{46D0DC43-E5A1-F04A-9051-6BED48078AD1}"/>
               </a:ext>
             </a:extLst>
           </p:cNvPr>
@@ -23496,17 +22576,568 @@
         <p:grpSpPr>
           <a:xfrm>
             <a:off x="7906043" y="2318824"/>
-            <a:ext cx="2743200" cy="2743200"/>
-            <a:chOff x="1219200" y="2438400"/>
-            <a:chExt cx="2743200" cy="2743200"/>
+            <a:ext cx="2743200" cy="2886911"/>
+            <a:chOff x="7906043" y="2318824"/>
+            <a:chExt cx="2743200" cy="2886911"/>
           </a:xfrm>
         </p:grpSpPr>
+        <p:grpSp>
+          <p:nvGrpSpPr>
+            <p:cNvPr id="6" name="Group 5">
+              <a:extLst>
+                <a:ext uri="{FF2B5EF4-FFF2-40B4-BE49-F238E27FC236}">
+                  <a16:creationId xmlns:a16="http://schemas.microsoft.com/office/drawing/2014/main" id="{373E2EDC-AD8A-9845-96E8-3B8681CD4337}"/>
+                </a:ext>
+              </a:extLst>
+            </p:cNvPr>
+            <p:cNvGrpSpPr/>
+            <p:nvPr/>
+          </p:nvGrpSpPr>
+          <p:grpSpPr>
+            <a:xfrm>
+              <a:off x="7906043" y="2318824"/>
+              <a:ext cx="2743200" cy="2743200"/>
+              <a:chOff x="1219200" y="2438400"/>
+              <a:chExt cx="2743200" cy="2743200"/>
+            </a:xfrm>
+          </p:grpSpPr>
+          <p:sp>
+            <p:nvSpPr>
+              <p:cNvPr id="7" name="Rounded Rectangle 6">
+                <a:extLst>
+                  <a:ext uri="{FF2B5EF4-FFF2-40B4-BE49-F238E27FC236}">
+                    <a16:creationId xmlns:a16="http://schemas.microsoft.com/office/drawing/2014/main" id="{4C02F54B-CADB-F044-AAB4-9AC7A79A03F2}"/>
+                  </a:ext>
+                </a:extLst>
+              </p:cNvPr>
+              <p:cNvSpPr/>
+              <p:nvPr/>
+            </p:nvSpPr>
+            <p:spPr>
+              <a:xfrm>
+                <a:off x="1752600" y="2438400"/>
+                <a:ext cx="1828800" cy="304800"/>
+              </a:xfrm>
+              <a:prstGeom prst="roundRect">
+                <a:avLst/>
+              </a:prstGeom>
+              <a:blipFill rotWithShape="1">
+                <a:blip r:embed="rId2"/>
+                <a:srcRect/>
+                <a:tile tx="0" ty="0" sx="100000" sy="100000" flip="none" algn="tl"/>
+              </a:blipFill>
+              <a:ln w="12700" cap="flat">
+                <a:noFill/>
+                <a:miter lim="400000"/>
+              </a:ln>
+              <a:effectLst>
+                <a:outerShdw blurRad="38100" dist="25400" dir="5400000" rotWithShape="0">
+                  <a:srgbClr val="000000">
+                    <a:alpha val="50000"/>
+                  </a:srgbClr>
+                </a:outerShdw>
+              </a:effectLst>
+            </p:spPr>
+            <p:txBody>
+              <a:bodyPr wrap="square" lIns="50800" tIns="50800" rIns="50800" bIns="50800" numCol="1" anchor="ctr">
+                <a:noAutofit/>
+              </a:bodyPr>
+              <a:lstStyle/>
+              <a:p>
+                <a:pPr algn="ctr"/>
+                <a:r>
+                  <a:rPr lang="en-US" sz="1600" dirty="0">
+                    <a:solidFill>
+                      <a:srgbClr val="FFFFFF"/>
+                    </a:solidFill>
+                  </a:rPr>
+                  <a:t>Scanner.&lt;init&gt;</a:t>
+                </a:r>
+              </a:p>
+            </p:txBody>
+          </p:sp>
+          <p:sp>
+            <p:nvSpPr>
+              <p:cNvPr id="8" name="Rounded Rectangle 7">
+                <a:extLst>
+                  <a:ext uri="{FF2B5EF4-FFF2-40B4-BE49-F238E27FC236}">
+                    <a16:creationId xmlns:a16="http://schemas.microsoft.com/office/drawing/2014/main" id="{AFA98F1F-0720-1E43-A1F5-846E764BD969}"/>
+                  </a:ext>
+                </a:extLst>
+              </p:cNvPr>
+              <p:cNvSpPr/>
+              <p:nvPr/>
+            </p:nvSpPr>
+            <p:spPr>
+              <a:xfrm>
+                <a:off x="1752600" y="3048000"/>
+                <a:ext cx="1828800" cy="304800"/>
+              </a:xfrm>
+              <a:prstGeom prst="roundRect">
+                <a:avLst/>
+              </a:prstGeom>
+              <a:blipFill rotWithShape="1">
+                <a:blip r:embed="rId2"/>
+                <a:srcRect/>
+                <a:tile tx="0" ty="0" sx="100000" sy="100000" flip="none" algn="tl"/>
+              </a:blipFill>
+              <a:ln w="12700" cap="flat">
+                <a:noFill/>
+                <a:miter lim="400000"/>
+              </a:ln>
+              <a:effectLst>
+                <a:outerShdw blurRad="38100" dist="25400" dir="5400000" rotWithShape="0">
+                  <a:srgbClr val="000000">
+                    <a:alpha val="50000"/>
+                  </a:srgbClr>
+                </a:outerShdw>
+              </a:effectLst>
+            </p:spPr>
+            <p:txBody>
+              <a:bodyPr wrap="square" lIns="50800" tIns="50800" rIns="50800" bIns="50800" numCol="1" anchor="ctr">
+                <a:noAutofit/>
+              </a:bodyPr>
+              <a:lstStyle/>
+              <a:p>
+                <a:pPr algn="ctr"/>
+                <a:r>
+                  <a:rPr lang="en-US" sz="1600" dirty="0">
+                    <a:solidFill>
+                      <a:srgbClr val="FFFFFF"/>
+                    </a:solidFill>
+                  </a:rPr>
+                  <a:t>Scanner.hasNext</a:t>
+                </a:r>
+              </a:p>
+            </p:txBody>
+          </p:sp>
+          <p:sp>
+            <p:nvSpPr>
+              <p:cNvPr id="9" name="Rounded Rectangle 8">
+                <a:extLst>
+                  <a:ext uri="{FF2B5EF4-FFF2-40B4-BE49-F238E27FC236}">
+                    <a16:creationId xmlns:a16="http://schemas.microsoft.com/office/drawing/2014/main" id="{0C83566B-A281-504B-9611-573BD64D5C1E}"/>
+                  </a:ext>
+                </a:extLst>
+              </p:cNvPr>
+              <p:cNvSpPr/>
+              <p:nvPr/>
+            </p:nvSpPr>
+            <p:spPr>
+              <a:xfrm>
+                <a:off x="1752600" y="4419600"/>
+                <a:ext cx="1828800" cy="304800"/>
+              </a:xfrm>
+              <a:prstGeom prst="roundRect">
+                <a:avLst/>
+              </a:prstGeom>
+              <a:blipFill rotWithShape="1">
+                <a:blip r:embed="rId2"/>
+                <a:srcRect/>
+                <a:tile tx="0" ty="0" sx="100000" sy="100000" flip="none" algn="tl"/>
+              </a:blipFill>
+              <a:ln w="12700" cap="flat">
+                <a:noFill/>
+                <a:miter lim="400000"/>
+              </a:ln>
+              <a:effectLst>
+                <a:outerShdw blurRad="38100" dist="25400" dir="5400000" rotWithShape="0">
+                  <a:srgbClr val="000000">
+                    <a:alpha val="50000"/>
+                  </a:srgbClr>
+                </a:outerShdw>
+              </a:effectLst>
+            </p:spPr>
+            <p:txBody>
+              <a:bodyPr wrap="square" lIns="50800" tIns="50800" rIns="50800" bIns="50800" numCol="1" anchor="ctr">
+                <a:noAutofit/>
+              </a:bodyPr>
+              <a:lstStyle/>
+              <a:p>
+                <a:pPr algn="ctr"/>
+                <a:r>
+                  <a:rPr lang="en-US" sz="1600" dirty="0" err="1">
+                    <a:solidFill>
+                      <a:srgbClr val="FFFFFF"/>
+                    </a:solidFill>
+                  </a:rPr>
+                  <a:t>Scanner.next</a:t>
+                </a:r>
+                <a:endParaRPr lang="en-US" sz="1600" dirty="0">
+                  <a:solidFill>
+                    <a:srgbClr val="FFFFFF"/>
+                  </a:solidFill>
+                </a:endParaRPr>
+              </a:p>
+            </p:txBody>
+          </p:sp>
+          <p:sp>
+            <p:nvSpPr>
+              <p:cNvPr id="14" name="Right Bracket 13">
+                <a:extLst>
+                  <a:ext uri="{FF2B5EF4-FFF2-40B4-BE49-F238E27FC236}">
+                    <a16:creationId xmlns:a16="http://schemas.microsoft.com/office/drawing/2014/main" id="{4AE5F0E6-F2D0-ED43-9990-2056F2A6433A}"/>
+                  </a:ext>
+                </a:extLst>
+              </p:cNvPr>
+              <p:cNvSpPr/>
+              <p:nvPr/>
+            </p:nvSpPr>
+            <p:spPr>
+              <a:xfrm>
+                <a:off x="3581400" y="3352800"/>
+                <a:ext cx="228600" cy="1295400"/>
+              </a:xfrm>
+              <a:prstGeom prst="rightBracket">
+                <a:avLst>
+                  <a:gd name="adj" fmla="val 350000"/>
+                </a:avLst>
+              </a:prstGeom>
+              <a:ln>
+                <a:solidFill>
+                  <a:schemeClr val="tx1"/>
+                </a:solidFill>
+                <a:headEnd type="none" w="med" len="med"/>
+                <a:tailEnd type="triangle" w="med" len="med"/>
+              </a:ln>
+            </p:spPr>
+            <p:style>
+              <a:lnRef idx="1">
+                <a:schemeClr val="accent1"/>
+              </a:lnRef>
+              <a:fillRef idx="0">
+                <a:schemeClr val="accent1"/>
+              </a:fillRef>
+              <a:effectRef idx="0">
+                <a:schemeClr val="accent1"/>
+              </a:effectRef>
+              <a:fontRef idx="minor">
+                <a:schemeClr val="tx1"/>
+              </a:fontRef>
+            </p:style>
+            <p:txBody>
+              <a:bodyPr rtlCol="0" anchor="ctr"/>
+              <a:lstStyle/>
+              <a:p>
+                <a:pPr algn="ctr"/>
+                <a:endParaRPr lang="en-US"/>
+              </a:p>
+            </p:txBody>
+          </p:sp>
+          <p:cxnSp>
+            <p:nvCxnSpPr>
+              <p:cNvPr id="15" name="Straight Arrow Connector 14">
+                <a:extLst>
+                  <a:ext uri="{FF2B5EF4-FFF2-40B4-BE49-F238E27FC236}">
+                    <a16:creationId xmlns:a16="http://schemas.microsoft.com/office/drawing/2014/main" id="{58790594-D6DA-084D-9F77-E890900A4EA0}"/>
+                  </a:ext>
+                </a:extLst>
+              </p:cNvPr>
+              <p:cNvCxnSpPr>
+                <a:cxnSpLocks/>
+                <a:stCxn id="9" idx="2"/>
+              </p:cNvCxnSpPr>
+              <p:nvPr/>
+            </p:nvCxnSpPr>
+            <p:spPr>
+              <a:xfrm>
+                <a:off x="2667000" y="4724400"/>
+                <a:ext cx="0" cy="304800"/>
+              </a:xfrm>
+              <a:prstGeom prst="straightConnector1">
+                <a:avLst/>
+              </a:prstGeom>
+              <a:ln>
+                <a:solidFill>
+                  <a:schemeClr val="tx1"/>
+                </a:solidFill>
+                <a:headEnd type="none" w="med" len="med"/>
+                <a:tailEnd type="triangle" w="med" len="med"/>
+              </a:ln>
+              <a:effectLst/>
+            </p:spPr>
+            <p:style>
+              <a:lnRef idx="1">
+                <a:schemeClr val="accent1"/>
+              </a:lnRef>
+              <a:fillRef idx="0">
+                <a:schemeClr val="accent1"/>
+              </a:fillRef>
+              <a:effectRef idx="0">
+                <a:schemeClr val="accent1"/>
+              </a:effectRef>
+              <a:fontRef idx="minor">
+                <a:schemeClr val="tx1"/>
+              </a:fontRef>
+            </p:style>
+          </p:cxnSp>
+          <p:cxnSp>
+            <p:nvCxnSpPr>
+              <p:cNvPr id="16" name="Straight Arrow Connector 15">
+                <a:extLst>
+                  <a:ext uri="{FF2B5EF4-FFF2-40B4-BE49-F238E27FC236}">
+                    <a16:creationId xmlns:a16="http://schemas.microsoft.com/office/drawing/2014/main" id="{762B3B1F-1E65-834B-A8F4-530427FF98BE}"/>
+                  </a:ext>
+                </a:extLst>
+              </p:cNvPr>
+              <p:cNvCxnSpPr>
+                <a:cxnSpLocks/>
+                <a:stCxn id="7" idx="2"/>
+                <a:endCxn id="8" idx="0"/>
+              </p:cNvCxnSpPr>
+              <p:nvPr/>
+            </p:nvCxnSpPr>
+            <p:spPr>
+              <a:xfrm>
+                <a:off x="2667000" y="2743200"/>
+                <a:ext cx="0" cy="304800"/>
+              </a:xfrm>
+              <a:prstGeom prst="straightConnector1">
+                <a:avLst/>
+              </a:prstGeom>
+              <a:ln>
+                <a:solidFill>
+                  <a:schemeClr val="tx1"/>
+                </a:solidFill>
+                <a:headEnd type="none" w="med" len="med"/>
+                <a:tailEnd type="triangle" w="med" len="med"/>
+              </a:ln>
+              <a:effectLst/>
+            </p:spPr>
+            <p:style>
+              <a:lnRef idx="1">
+                <a:schemeClr val="accent1"/>
+              </a:lnRef>
+              <a:fillRef idx="0">
+                <a:schemeClr val="accent1"/>
+              </a:fillRef>
+              <a:effectRef idx="0">
+                <a:schemeClr val="accent1"/>
+              </a:effectRef>
+              <a:fontRef idx="minor">
+                <a:schemeClr val="tx1"/>
+              </a:fontRef>
+            </p:style>
+          </p:cxnSp>
+          <p:sp>
+            <p:nvSpPr>
+              <p:cNvPr id="17" name="Right Bracket 16">
+                <a:extLst>
+                  <a:ext uri="{FF2B5EF4-FFF2-40B4-BE49-F238E27FC236}">
+                    <a16:creationId xmlns:a16="http://schemas.microsoft.com/office/drawing/2014/main" id="{0E943628-5581-BB4D-94B8-D40B8E2101B6}"/>
+                  </a:ext>
+                </a:extLst>
+              </p:cNvPr>
+              <p:cNvSpPr/>
+              <p:nvPr/>
+            </p:nvSpPr>
+            <p:spPr>
+              <a:xfrm>
+                <a:off x="3581400" y="2590800"/>
+                <a:ext cx="381000" cy="2057400"/>
+              </a:xfrm>
+              <a:prstGeom prst="rightBracket">
+                <a:avLst>
+                  <a:gd name="adj" fmla="val 514706"/>
+                </a:avLst>
+              </a:prstGeom>
+              <a:ln>
+                <a:solidFill>
+                  <a:schemeClr val="tx1"/>
+                </a:solidFill>
+                <a:headEnd type="none" w="med" len="med"/>
+                <a:tailEnd type="triangle" w="med" len="med"/>
+              </a:ln>
+            </p:spPr>
+            <p:style>
+              <a:lnRef idx="1">
+                <a:schemeClr val="accent1"/>
+              </a:lnRef>
+              <a:fillRef idx="0">
+                <a:schemeClr val="accent1"/>
+              </a:fillRef>
+              <a:effectRef idx="0">
+                <a:schemeClr val="accent1"/>
+              </a:effectRef>
+              <a:fontRef idx="minor">
+                <a:schemeClr val="tx1"/>
+              </a:fontRef>
+            </p:style>
+            <p:txBody>
+              <a:bodyPr rtlCol="0" anchor="ctr"/>
+              <a:lstStyle/>
+              <a:p>
+                <a:pPr algn="ctr"/>
+                <a:endParaRPr lang="en-US"/>
+              </a:p>
+            </p:txBody>
+          </p:sp>
+          <p:sp>
+            <p:nvSpPr>
+              <p:cNvPr id="18" name="Right Bracket 17">
+                <a:extLst>
+                  <a:ext uri="{FF2B5EF4-FFF2-40B4-BE49-F238E27FC236}">
+                    <a16:creationId xmlns:a16="http://schemas.microsoft.com/office/drawing/2014/main" id="{F73CC99B-AA90-DE46-830C-CDBA74D72628}"/>
+                  </a:ext>
+                </a:extLst>
+              </p:cNvPr>
+              <p:cNvSpPr/>
+              <p:nvPr/>
+            </p:nvSpPr>
+            <p:spPr>
+              <a:xfrm flipH="1">
+                <a:off x="1371600" y="3352800"/>
+                <a:ext cx="381000" cy="1828800"/>
+              </a:xfrm>
+              <a:prstGeom prst="rightBracket">
+                <a:avLst>
+                  <a:gd name="adj" fmla="val 583334"/>
+                </a:avLst>
+              </a:prstGeom>
+              <a:ln>
+                <a:solidFill>
+                  <a:schemeClr val="tx1"/>
+                </a:solidFill>
+                <a:headEnd type="none" w="med" len="med"/>
+                <a:tailEnd type="triangle" w="med" len="med"/>
+              </a:ln>
+            </p:spPr>
+            <p:style>
+              <a:lnRef idx="1">
+                <a:schemeClr val="accent1"/>
+              </a:lnRef>
+              <a:fillRef idx="0">
+                <a:schemeClr val="accent1"/>
+              </a:fillRef>
+              <a:effectRef idx="0">
+                <a:schemeClr val="accent1"/>
+              </a:effectRef>
+              <a:fontRef idx="minor">
+                <a:schemeClr val="tx1"/>
+              </a:fontRef>
+            </p:style>
+            <p:txBody>
+              <a:bodyPr rtlCol="0" anchor="ctr"/>
+              <a:lstStyle/>
+              <a:p>
+                <a:pPr algn="ctr"/>
+                <a:endParaRPr lang="en-US"/>
+              </a:p>
+            </p:txBody>
+          </p:sp>
+          <p:sp>
+            <p:nvSpPr>
+              <p:cNvPr id="19" name="Right Bracket 18">
+                <a:extLst>
+                  <a:ext uri="{FF2B5EF4-FFF2-40B4-BE49-F238E27FC236}">
+                    <a16:creationId xmlns:a16="http://schemas.microsoft.com/office/drawing/2014/main" id="{A195657D-595E-3B45-B5F5-C18D750339A1}"/>
+                  </a:ext>
+                </a:extLst>
+              </p:cNvPr>
+              <p:cNvSpPr/>
+              <p:nvPr/>
+            </p:nvSpPr>
+            <p:spPr>
+              <a:xfrm flipH="1">
+                <a:off x="1219200" y="2590800"/>
+                <a:ext cx="533400" cy="2590800"/>
+              </a:xfrm>
+              <a:prstGeom prst="rightBracket">
+                <a:avLst>
+                  <a:gd name="adj" fmla="val 744119"/>
+                </a:avLst>
+              </a:prstGeom>
+              <a:ln>
+                <a:solidFill>
+                  <a:schemeClr val="tx1"/>
+                </a:solidFill>
+                <a:headEnd type="none" w="med" len="med"/>
+                <a:tailEnd type="triangle" w="med" len="med"/>
+              </a:ln>
+            </p:spPr>
+            <p:style>
+              <a:lnRef idx="1">
+                <a:schemeClr val="accent1"/>
+              </a:lnRef>
+              <a:fillRef idx="0">
+                <a:schemeClr val="accent1"/>
+              </a:fillRef>
+              <a:effectRef idx="0">
+                <a:schemeClr val="accent1"/>
+              </a:effectRef>
+              <a:fontRef idx="minor">
+                <a:schemeClr val="tx1"/>
+              </a:fontRef>
+            </p:style>
+            <p:txBody>
+              <a:bodyPr rtlCol="0" anchor="ctr"/>
+              <a:lstStyle/>
+              <a:p>
+                <a:pPr algn="ctr"/>
+                <a:endParaRPr lang="en-US"/>
+              </a:p>
+            </p:txBody>
+          </p:sp>
+          <p:sp>
+            <p:nvSpPr>
+              <p:cNvPr id="20" name="Right Bracket 19">
+                <a:extLst>
+                  <a:ext uri="{FF2B5EF4-FFF2-40B4-BE49-F238E27FC236}">
+                    <a16:creationId xmlns:a16="http://schemas.microsoft.com/office/drawing/2014/main" id="{91886315-6CDC-064D-96B9-1C5925239500}"/>
+                  </a:ext>
+                </a:extLst>
+              </p:cNvPr>
+              <p:cNvSpPr/>
+              <p:nvPr/>
+            </p:nvSpPr>
+            <p:spPr>
+              <a:xfrm flipH="1">
+                <a:off x="1524000" y="3352800"/>
+                <a:ext cx="228600" cy="1219200"/>
+              </a:xfrm>
+              <a:prstGeom prst="rightBracket">
+                <a:avLst>
+                  <a:gd name="adj" fmla="val 350000"/>
+                </a:avLst>
+              </a:prstGeom>
+              <a:ln>
+                <a:solidFill>
+                  <a:schemeClr val="tx1"/>
+                </a:solidFill>
+                <a:headEnd type="none" w="med" len="med"/>
+                <a:tailEnd type="triangle" w="med" len="med"/>
+              </a:ln>
+            </p:spPr>
+            <p:style>
+              <a:lnRef idx="1">
+                <a:schemeClr val="accent1"/>
+              </a:lnRef>
+              <a:fillRef idx="0">
+                <a:schemeClr val="accent1"/>
+              </a:fillRef>
+              <a:effectRef idx="0">
+                <a:schemeClr val="accent1"/>
+              </a:effectRef>
+              <a:fontRef idx="minor">
+                <a:schemeClr val="tx1"/>
+              </a:fontRef>
+            </p:style>
+            <p:txBody>
+              <a:bodyPr rtlCol="0" anchor="ctr"/>
+              <a:lstStyle/>
+              <a:p>
+                <a:pPr algn="ctr"/>
+                <a:endParaRPr lang="en-US"/>
+              </a:p>
+            </p:txBody>
+          </p:sp>
+        </p:grpSp>
         <p:sp>
           <p:nvSpPr>
-            <p:cNvPr id="7" name="Rounded Rectangle 6">
+            <p:cNvPr id="21" name="Rounded Rectangle 20">
               <a:extLst>
                 <a:ext uri="{FF2B5EF4-FFF2-40B4-BE49-F238E27FC236}">
-                  <a16:creationId xmlns:a16="http://schemas.microsoft.com/office/drawing/2014/main" id="{4C02F54B-CADB-F044-AAB4-9AC7A79A03F2}"/>
+                  <a16:creationId xmlns:a16="http://schemas.microsoft.com/office/drawing/2014/main" id="{F1070700-119D-124F-A0FC-911D1E773641}"/>
                 </a:ext>
               </a:extLst>
             </p:cNvPr>
@@ -23515,7 +23146,7 @@
           </p:nvSpPr>
           <p:spPr>
             <a:xfrm>
-              <a:off x="1752600" y="2438400"/>
+              <a:off x="8466906" y="4900935"/>
               <a:ext cx="1828800" cy="304800"/>
             </a:xfrm>
             <a:prstGeom prst="roundRect">
@@ -23546,122 +23177,12 @@
             <a:p>
               <a:pPr algn="ctr"/>
               <a:r>
-                <a:rPr lang="en-US" sz="1600" dirty="0">
-                  <a:solidFill>
-                    <a:srgbClr val="FFFFFF"/>
-                  </a:solidFill>
-                </a:rPr>
-                <a:t>Scanner.&lt;init&gt;</a:t>
-              </a:r>
-            </a:p>
-          </p:txBody>
-        </p:sp>
-        <p:sp>
-          <p:nvSpPr>
-            <p:cNvPr id="8" name="Rounded Rectangle 7">
-              <a:extLst>
-                <a:ext uri="{FF2B5EF4-FFF2-40B4-BE49-F238E27FC236}">
-                  <a16:creationId xmlns:a16="http://schemas.microsoft.com/office/drawing/2014/main" id="{AFA98F1F-0720-1E43-A1F5-846E764BD969}"/>
-                </a:ext>
-              </a:extLst>
-            </p:cNvPr>
-            <p:cNvSpPr/>
-            <p:nvPr/>
-          </p:nvSpPr>
-          <p:spPr>
-            <a:xfrm>
-              <a:off x="1752600" y="3048000"/>
-              <a:ext cx="1828800" cy="304800"/>
-            </a:xfrm>
-            <a:prstGeom prst="roundRect">
-              <a:avLst/>
-            </a:prstGeom>
-            <a:blipFill rotWithShape="1">
-              <a:blip r:embed="rId2"/>
-              <a:srcRect/>
-              <a:tile tx="0" ty="0" sx="100000" sy="100000" flip="none" algn="tl"/>
-            </a:blipFill>
-            <a:ln w="12700" cap="flat">
-              <a:noFill/>
-              <a:miter lim="400000"/>
-            </a:ln>
-            <a:effectLst>
-              <a:outerShdw blurRad="38100" dist="25400" dir="5400000" rotWithShape="0">
-                <a:srgbClr val="000000">
-                  <a:alpha val="50000"/>
-                </a:srgbClr>
-              </a:outerShdw>
-            </a:effectLst>
-          </p:spPr>
-          <p:txBody>
-            <a:bodyPr wrap="square" lIns="50800" tIns="50800" rIns="50800" bIns="50800" numCol="1" anchor="ctr">
-              <a:noAutofit/>
-            </a:bodyPr>
-            <a:lstStyle/>
-            <a:p>
-              <a:pPr algn="ctr"/>
-              <a:r>
-                <a:rPr lang="en-US" sz="1600" dirty="0">
-                  <a:solidFill>
-                    <a:srgbClr val="FFFFFF"/>
-                  </a:solidFill>
-                </a:rPr>
-                <a:t>Scanner.hasNext</a:t>
-              </a:r>
-            </a:p>
-          </p:txBody>
-        </p:sp>
-        <p:sp>
-          <p:nvSpPr>
-            <p:cNvPr id="9" name="Rounded Rectangle 8">
-              <a:extLst>
-                <a:ext uri="{FF2B5EF4-FFF2-40B4-BE49-F238E27FC236}">
-                  <a16:creationId xmlns:a16="http://schemas.microsoft.com/office/drawing/2014/main" id="{0C83566B-A281-504B-9611-573BD64D5C1E}"/>
-                </a:ext>
-              </a:extLst>
-            </p:cNvPr>
-            <p:cNvSpPr/>
-            <p:nvPr/>
-          </p:nvSpPr>
-          <p:spPr>
-            <a:xfrm>
-              <a:off x="1752600" y="4419600"/>
-              <a:ext cx="1828800" cy="304800"/>
-            </a:xfrm>
-            <a:prstGeom prst="roundRect">
-              <a:avLst/>
-            </a:prstGeom>
-            <a:blipFill rotWithShape="1">
-              <a:blip r:embed="rId2"/>
-              <a:srcRect/>
-              <a:tile tx="0" ty="0" sx="100000" sy="100000" flip="none" algn="tl"/>
-            </a:blipFill>
-            <a:ln w="12700" cap="flat">
-              <a:noFill/>
-              <a:miter lim="400000"/>
-            </a:ln>
-            <a:effectLst>
-              <a:outerShdw blurRad="38100" dist="25400" dir="5400000" rotWithShape="0">
-                <a:srgbClr val="000000">
-                  <a:alpha val="50000"/>
-                </a:srgbClr>
-              </a:outerShdw>
-            </a:effectLst>
-          </p:spPr>
-          <p:txBody>
-            <a:bodyPr wrap="square" lIns="50800" tIns="50800" rIns="50800" bIns="50800" numCol="1" anchor="ctr">
-              <a:noAutofit/>
-            </a:bodyPr>
-            <a:lstStyle/>
-            <a:p>
-              <a:pPr algn="ctr"/>
-              <a:r>
                 <a:rPr lang="en-US" sz="1600" dirty="0" err="1">
                   <a:solidFill>
                     <a:srgbClr val="FFFFFF"/>
                   </a:solidFill>
                 </a:rPr>
-                <a:t>Scanner.next</a:t>
+                <a:t>Scanner.close</a:t>
               </a:r>
               <a:endParaRPr lang="en-US" sz="1600" dirty="0">
                 <a:solidFill>
@@ -23673,10 +23194,10 @@
         </p:sp>
         <p:sp>
           <p:nvSpPr>
-            <p:cNvPr id="14" name="Right Bracket 13">
+            <p:cNvPr id="27" name="Diamond 26">
               <a:extLst>
                 <a:ext uri="{FF2B5EF4-FFF2-40B4-BE49-F238E27FC236}">
-                  <a16:creationId xmlns:a16="http://schemas.microsoft.com/office/drawing/2014/main" id="{4AE5F0E6-F2D0-ED43-9990-2056F2A6433A}"/>
+                  <a16:creationId xmlns:a16="http://schemas.microsoft.com/office/drawing/2014/main" id="{1966000D-B184-0A47-8D81-F7C579CBFFF8}"/>
                 </a:ext>
               </a:extLst>
             </p:cNvPr>
@@ -23685,64 +23206,72 @@
           </p:nvSpPr>
           <p:spPr>
             <a:xfrm>
-              <a:off x="3581400" y="3352800"/>
-              <a:ext cx="228600" cy="1295400"/>
+              <a:off x="8501910" y="3484407"/>
+              <a:ext cx="1703863" cy="568501"/>
             </a:xfrm>
-            <a:prstGeom prst="rightBracket">
-              <a:avLst>
-                <a:gd name="adj" fmla="val 350000"/>
-              </a:avLst>
+            <a:prstGeom prst="diamond">
+              <a:avLst/>
             </a:prstGeom>
-            <a:ln>
-              <a:solidFill>
-                <a:schemeClr val="tx1"/>
-              </a:solidFill>
-              <a:headEnd type="none" w="med" len="med"/>
-              <a:tailEnd type="triangle" w="med" len="med"/>
+            <a:blipFill rotWithShape="1">
+              <a:blip r:embed="rId3"/>
+              <a:srcRect/>
+              <a:tile tx="0" ty="0" sx="100000" sy="100000" flip="none" algn="tl"/>
+            </a:blipFill>
+            <a:ln w="12700" cap="flat">
+              <a:noFill/>
+              <a:miter lim="400000"/>
             </a:ln>
+            <a:effectLst>
+              <a:outerShdw blurRad="50800" dist="12700" rotWithShape="0">
+                <a:srgbClr val="000000">
+                  <a:alpha val="50000"/>
+                </a:srgbClr>
+              </a:outerShdw>
+            </a:effectLst>
+            <a:extLst>
+              <a:ext uri="{C572A759-6A51-4108-AA02-DFA0A04FC94B}">
+                <ma14:wrappingTextBoxFlag xmlns:ma14="http://schemas.microsoft.com/office/mac/drawingml/2011/main" xmlns="" val="1"/>
+              </a:ext>
+            </a:extLst>
           </p:spPr>
-          <p:style>
-            <a:lnRef idx="1">
-              <a:schemeClr val="accent1"/>
-            </a:lnRef>
-            <a:fillRef idx="0">
-              <a:schemeClr val="accent1"/>
-            </a:fillRef>
-            <a:effectRef idx="0">
-              <a:schemeClr val="accent1"/>
-            </a:effectRef>
-            <a:fontRef idx="minor">
-              <a:schemeClr val="tx1"/>
-            </a:fontRef>
-          </p:style>
           <p:txBody>
-            <a:bodyPr rtlCol="0" anchor="ctr"/>
+            <a:bodyPr wrap="square" lIns="50800" tIns="50800" rIns="50800" bIns="50800" numCol="1" rtlCol="0" anchor="ctr">
+              <a:noAutofit/>
+            </a:bodyPr>
             <a:lstStyle/>
             <a:p>
               <a:pPr algn="ctr"/>
-              <a:endParaRPr lang="en-US"/>
+              <a:r>
+                <a:rPr lang="en-US" sz="1600" b="1" dirty="0">
+                  <a:solidFill>
+                    <a:srgbClr val="FFFFFF"/>
+                  </a:solidFill>
+                </a:rPr>
+                <a:t>while</a:t>
+              </a:r>
             </a:p>
           </p:txBody>
         </p:sp>
         <p:cxnSp>
           <p:nvCxnSpPr>
-            <p:cNvPr id="15" name="Straight Arrow Connector 14">
+            <p:cNvPr id="28" name="Straight Arrow Connector 27">
               <a:extLst>
                 <a:ext uri="{FF2B5EF4-FFF2-40B4-BE49-F238E27FC236}">
-                  <a16:creationId xmlns:a16="http://schemas.microsoft.com/office/drawing/2014/main" id="{58790594-D6DA-084D-9F77-E890900A4EA0}"/>
+                  <a16:creationId xmlns:a16="http://schemas.microsoft.com/office/drawing/2014/main" id="{329362DD-9B1B-1745-8303-499439E09919}"/>
                 </a:ext>
               </a:extLst>
             </p:cNvPr>
             <p:cNvCxnSpPr>
               <a:cxnSpLocks/>
-              <a:stCxn id="9" idx="2"/>
+              <a:stCxn id="8" idx="2"/>
+              <a:endCxn id="27" idx="0"/>
             </p:cNvCxnSpPr>
             <p:nvPr/>
           </p:nvCxnSpPr>
           <p:spPr>
-            <a:xfrm>
-              <a:off x="2667000" y="4724400"/>
-              <a:ext cx="0" cy="304800"/>
+            <a:xfrm flipH="1">
+              <a:off x="9353842" y="3233224"/>
+              <a:ext cx="1" cy="251183"/>
             </a:xfrm>
             <a:prstGeom prst="straightConnector1">
               <a:avLst/>
@@ -23773,24 +23302,24 @@
         </p:cxnSp>
         <p:cxnSp>
           <p:nvCxnSpPr>
-            <p:cNvPr id="16" name="Straight Arrow Connector 15">
+            <p:cNvPr id="31" name="Straight Arrow Connector 30">
               <a:extLst>
                 <a:ext uri="{FF2B5EF4-FFF2-40B4-BE49-F238E27FC236}">
-                  <a16:creationId xmlns:a16="http://schemas.microsoft.com/office/drawing/2014/main" id="{762B3B1F-1E65-834B-A8F4-530427FF98BE}"/>
+                  <a16:creationId xmlns:a16="http://schemas.microsoft.com/office/drawing/2014/main" id="{D3BFA89C-ABE4-6643-999C-1E96158994A2}"/>
                 </a:ext>
               </a:extLst>
             </p:cNvPr>
             <p:cNvCxnSpPr>
               <a:cxnSpLocks/>
-              <a:stCxn id="7" idx="2"/>
-              <a:endCxn id="8" idx="0"/>
+              <a:stCxn id="27" idx="2"/>
+              <a:endCxn id="9" idx="0"/>
             </p:cNvCxnSpPr>
             <p:nvPr/>
           </p:nvCxnSpPr>
           <p:spPr>
             <a:xfrm>
-              <a:off x="2667000" y="2743200"/>
-              <a:ext cx="0" cy="304800"/>
+              <a:off x="9353842" y="4052908"/>
+              <a:ext cx="1" cy="247116"/>
             </a:xfrm>
             <a:prstGeom prst="straightConnector1">
               <a:avLst/>
@@ -23819,435 +23348,7 @@
             </a:fontRef>
           </p:style>
         </p:cxnSp>
-        <p:sp>
-          <p:nvSpPr>
-            <p:cNvPr id="17" name="Right Bracket 16">
-              <a:extLst>
-                <a:ext uri="{FF2B5EF4-FFF2-40B4-BE49-F238E27FC236}">
-                  <a16:creationId xmlns:a16="http://schemas.microsoft.com/office/drawing/2014/main" id="{0E943628-5581-BB4D-94B8-D40B8E2101B6}"/>
-                </a:ext>
-              </a:extLst>
-            </p:cNvPr>
-            <p:cNvSpPr/>
-            <p:nvPr/>
-          </p:nvSpPr>
-          <p:spPr>
-            <a:xfrm>
-              <a:off x="3581400" y="2590800"/>
-              <a:ext cx="381000" cy="2057400"/>
-            </a:xfrm>
-            <a:prstGeom prst="rightBracket">
-              <a:avLst>
-                <a:gd name="adj" fmla="val 514706"/>
-              </a:avLst>
-            </a:prstGeom>
-            <a:ln>
-              <a:solidFill>
-                <a:schemeClr val="tx1"/>
-              </a:solidFill>
-              <a:headEnd type="none" w="med" len="med"/>
-              <a:tailEnd type="triangle" w="med" len="med"/>
-            </a:ln>
-          </p:spPr>
-          <p:style>
-            <a:lnRef idx="1">
-              <a:schemeClr val="accent1"/>
-            </a:lnRef>
-            <a:fillRef idx="0">
-              <a:schemeClr val="accent1"/>
-            </a:fillRef>
-            <a:effectRef idx="0">
-              <a:schemeClr val="accent1"/>
-            </a:effectRef>
-            <a:fontRef idx="minor">
-              <a:schemeClr val="tx1"/>
-            </a:fontRef>
-          </p:style>
-          <p:txBody>
-            <a:bodyPr rtlCol="0" anchor="ctr"/>
-            <a:lstStyle/>
-            <a:p>
-              <a:pPr algn="ctr"/>
-              <a:endParaRPr lang="en-US"/>
-            </a:p>
-          </p:txBody>
-        </p:sp>
-        <p:sp>
-          <p:nvSpPr>
-            <p:cNvPr id="18" name="Right Bracket 17">
-              <a:extLst>
-                <a:ext uri="{FF2B5EF4-FFF2-40B4-BE49-F238E27FC236}">
-                  <a16:creationId xmlns:a16="http://schemas.microsoft.com/office/drawing/2014/main" id="{F73CC99B-AA90-DE46-830C-CDBA74D72628}"/>
-                </a:ext>
-              </a:extLst>
-            </p:cNvPr>
-            <p:cNvSpPr/>
-            <p:nvPr/>
-          </p:nvSpPr>
-          <p:spPr>
-            <a:xfrm flipH="1">
-              <a:off x="1371600" y="3352800"/>
-              <a:ext cx="381000" cy="1828800"/>
-            </a:xfrm>
-            <a:prstGeom prst="rightBracket">
-              <a:avLst>
-                <a:gd name="adj" fmla="val 583334"/>
-              </a:avLst>
-            </a:prstGeom>
-            <a:ln>
-              <a:solidFill>
-                <a:schemeClr val="tx1"/>
-              </a:solidFill>
-              <a:headEnd type="none" w="med" len="med"/>
-              <a:tailEnd type="triangle" w="med" len="med"/>
-            </a:ln>
-          </p:spPr>
-          <p:style>
-            <a:lnRef idx="1">
-              <a:schemeClr val="accent1"/>
-            </a:lnRef>
-            <a:fillRef idx="0">
-              <a:schemeClr val="accent1"/>
-            </a:fillRef>
-            <a:effectRef idx="0">
-              <a:schemeClr val="accent1"/>
-            </a:effectRef>
-            <a:fontRef idx="minor">
-              <a:schemeClr val="tx1"/>
-            </a:fontRef>
-          </p:style>
-          <p:txBody>
-            <a:bodyPr rtlCol="0" anchor="ctr"/>
-            <a:lstStyle/>
-            <a:p>
-              <a:pPr algn="ctr"/>
-              <a:endParaRPr lang="en-US"/>
-            </a:p>
-          </p:txBody>
-        </p:sp>
-        <p:sp>
-          <p:nvSpPr>
-            <p:cNvPr id="19" name="Right Bracket 18">
-              <a:extLst>
-                <a:ext uri="{FF2B5EF4-FFF2-40B4-BE49-F238E27FC236}">
-                  <a16:creationId xmlns:a16="http://schemas.microsoft.com/office/drawing/2014/main" id="{A195657D-595E-3B45-B5F5-C18D750339A1}"/>
-                </a:ext>
-              </a:extLst>
-            </p:cNvPr>
-            <p:cNvSpPr/>
-            <p:nvPr/>
-          </p:nvSpPr>
-          <p:spPr>
-            <a:xfrm flipH="1">
-              <a:off x="1219200" y="2590800"/>
-              <a:ext cx="533400" cy="2590800"/>
-            </a:xfrm>
-            <a:prstGeom prst="rightBracket">
-              <a:avLst>
-                <a:gd name="adj" fmla="val 744119"/>
-              </a:avLst>
-            </a:prstGeom>
-            <a:ln>
-              <a:solidFill>
-                <a:schemeClr val="tx1"/>
-              </a:solidFill>
-              <a:headEnd type="none" w="med" len="med"/>
-              <a:tailEnd type="triangle" w="med" len="med"/>
-            </a:ln>
-          </p:spPr>
-          <p:style>
-            <a:lnRef idx="1">
-              <a:schemeClr val="accent1"/>
-            </a:lnRef>
-            <a:fillRef idx="0">
-              <a:schemeClr val="accent1"/>
-            </a:fillRef>
-            <a:effectRef idx="0">
-              <a:schemeClr val="accent1"/>
-            </a:effectRef>
-            <a:fontRef idx="minor">
-              <a:schemeClr val="tx1"/>
-            </a:fontRef>
-          </p:style>
-          <p:txBody>
-            <a:bodyPr rtlCol="0" anchor="ctr"/>
-            <a:lstStyle/>
-            <a:p>
-              <a:pPr algn="ctr"/>
-              <a:endParaRPr lang="en-US"/>
-            </a:p>
-          </p:txBody>
-        </p:sp>
-        <p:sp>
-          <p:nvSpPr>
-            <p:cNvPr id="20" name="Right Bracket 19">
-              <a:extLst>
-                <a:ext uri="{FF2B5EF4-FFF2-40B4-BE49-F238E27FC236}">
-                  <a16:creationId xmlns:a16="http://schemas.microsoft.com/office/drawing/2014/main" id="{91886315-6CDC-064D-96B9-1C5925239500}"/>
-                </a:ext>
-              </a:extLst>
-            </p:cNvPr>
-            <p:cNvSpPr/>
-            <p:nvPr/>
-          </p:nvSpPr>
-          <p:spPr>
-            <a:xfrm flipH="1">
-              <a:off x="1524000" y="3352800"/>
-              <a:ext cx="228600" cy="1219200"/>
-            </a:xfrm>
-            <a:prstGeom prst="rightBracket">
-              <a:avLst>
-                <a:gd name="adj" fmla="val 350000"/>
-              </a:avLst>
-            </a:prstGeom>
-            <a:ln>
-              <a:solidFill>
-                <a:schemeClr val="tx1"/>
-              </a:solidFill>
-              <a:headEnd type="none" w="med" len="med"/>
-              <a:tailEnd type="triangle" w="med" len="med"/>
-            </a:ln>
-          </p:spPr>
-          <p:style>
-            <a:lnRef idx="1">
-              <a:schemeClr val="accent1"/>
-            </a:lnRef>
-            <a:fillRef idx="0">
-              <a:schemeClr val="accent1"/>
-            </a:fillRef>
-            <a:effectRef idx="0">
-              <a:schemeClr val="accent1"/>
-            </a:effectRef>
-            <a:fontRef idx="minor">
-              <a:schemeClr val="tx1"/>
-            </a:fontRef>
-          </p:style>
-          <p:txBody>
-            <a:bodyPr rtlCol="0" anchor="ctr"/>
-            <a:lstStyle/>
-            <a:p>
-              <a:pPr algn="ctr"/>
-              <a:endParaRPr lang="en-US"/>
-            </a:p>
-          </p:txBody>
-        </p:sp>
       </p:grpSp>
-      <p:sp>
-        <p:nvSpPr>
-          <p:cNvPr id="21" name="Rounded Rectangle 20">
-            <a:extLst>
-              <a:ext uri="{FF2B5EF4-FFF2-40B4-BE49-F238E27FC236}">
-                <a16:creationId xmlns:a16="http://schemas.microsoft.com/office/drawing/2014/main" id="{F1070700-119D-124F-A0FC-911D1E773641}"/>
-              </a:ext>
-            </a:extLst>
-          </p:cNvPr>
-          <p:cNvSpPr/>
-          <p:nvPr/>
-        </p:nvSpPr>
-        <p:spPr>
-          <a:xfrm>
-            <a:off x="8466906" y="4900935"/>
-            <a:ext cx="1828800" cy="304800"/>
-          </a:xfrm>
-          <a:prstGeom prst="roundRect">
-            <a:avLst/>
-          </a:prstGeom>
-          <a:blipFill rotWithShape="1">
-            <a:blip r:embed="rId2"/>
-            <a:srcRect/>
-            <a:tile tx="0" ty="0" sx="100000" sy="100000" flip="none" algn="tl"/>
-          </a:blipFill>
-          <a:ln w="12700" cap="flat">
-            <a:noFill/>
-            <a:miter lim="400000"/>
-          </a:ln>
-          <a:effectLst>
-            <a:outerShdw blurRad="38100" dist="25400" dir="5400000" rotWithShape="0">
-              <a:srgbClr val="000000">
-                <a:alpha val="50000"/>
-              </a:srgbClr>
-            </a:outerShdw>
-          </a:effectLst>
-        </p:spPr>
-        <p:txBody>
-          <a:bodyPr wrap="square" lIns="50800" tIns="50800" rIns="50800" bIns="50800" numCol="1" anchor="ctr">
-            <a:noAutofit/>
-          </a:bodyPr>
-          <a:lstStyle/>
-          <a:p>
-            <a:pPr algn="ctr"/>
-            <a:r>
-              <a:rPr lang="en-US" sz="1600" dirty="0" err="1">
-                <a:solidFill>
-                  <a:srgbClr val="FFFFFF"/>
-                </a:solidFill>
-              </a:rPr>
-              <a:t>Scanner.close</a:t>
-            </a:r>
-            <a:endParaRPr lang="en-US" sz="1600" dirty="0">
-              <a:solidFill>
-                <a:srgbClr val="FFFFFF"/>
-              </a:solidFill>
-            </a:endParaRPr>
-          </a:p>
-        </p:txBody>
-      </p:sp>
-      <p:sp>
-        <p:nvSpPr>
-          <p:cNvPr id="27" name="Diamond 26">
-            <a:extLst>
-              <a:ext uri="{FF2B5EF4-FFF2-40B4-BE49-F238E27FC236}">
-                <a16:creationId xmlns:a16="http://schemas.microsoft.com/office/drawing/2014/main" id="{1966000D-B184-0A47-8D81-F7C579CBFFF8}"/>
-              </a:ext>
-            </a:extLst>
-          </p:cNvPr>
-          <p:cNvSpPr/>
-          <p:nvPr/>
-        </p:nvSpPr>
-        <p:spPr>
-          <a:xfrm>
-            <a:off x="8501910" y="3484407"/>
-            <a:ext cx="1703863" cy="568501"/>
-          </a:xfrm>
-          <a:prstGeom prst="diamond">
-            <a:avLst/>
-          </a:prstGeom>
-          <a:blipFill rotWithShape="1">
-            <a:blip r:embed="rId3"/>
-            <a:srcRect/>
-            <a:tile tx="0" ty="0" sx="100000" sy="100000" flip="none" algn="tl"/>
-          </a:blipFill>
-          <a:ln w="12700" cap="flat">
-            <a:noFill/>
-            <a:miter lim="400000"/>
-          </a:ln>
-          <a:effectLst>
-            <a:outerShdw blurRad="50800" dist="12700" rotWithShape="0">
-              <a:srgbClr val="000000">
-                <a:alpha val="50000"/>
-              </a:srgbClr>
-            </a:outerShdw>
-          </a:effectLst>
-          <a:extLst>
-            <a:ext uri="{C572A759-6A51-4108-AA02-DFA0A04FC94B}">
-              <ma14:wrappingTextBoxFlag xmlns:ma14="http://schemas.microsoft.com/office/mac/drawingml/2011/main" xmlns="" val="1"/>
-            </a:ext>
-          </a:extLst>
-        </p:spPr>
-        <p:txBody>
-          <a:bodyPr wrap="square" lIns="50800" tIns="50800" rIns="50800" bIns="50800" numCol="1" rtlCol="0" anchor="ctr">
-            <a:noAutofit/>
-          </a:bodyPr>
-          <a:lstStyle/>
-          <a:p>
-            <a:pPr algn="ctr"/>
-            <a:r>
-              <a:rPr lang="en-US" sz="1600" b="1" dirty="0">
-                <a:solidFill>
-                  <a:srgbClr val="FFFFFF"/>
-                </a:solidFill>
-              </a:rPr>
-              <a:t>while</a:t>
-            </a:r>
-          </a:p>
-        </p:txBody>
-      </p:sp>
-      <p:cxnSp>
-        <p:nvCxnSpPr>
-          <p:cNvPr id="28" name="Straight Arrow Connector 27">
-            <a:extLst>
-              <a:ext uri="{FF2B5EF4-FFF2-40B4-BE49-F238E27FC236}">
-                <a16:creationId xmlns:a16="http://schemas.microsoft.com/office/drawing/2014/main" id="{329362DD-9B1B-1745-8303-499439E09919}"/>
-              </a:ext>
-            </a:extLst>
-          </p:cNvPr>
-          <p:cNvCxnSpPr>
-            <a:cxnSpLocks/>
-            <a:stCxn id="8" idx="2"/>
-            <a:endCxn id="27" idx="0"/>
-          </p:cNvCxnSpPr>
-          <p:nvPr/>
-        </p:nvCxnSpPr>
-        <p:spPr>
-          <a:xfrm flipH="1">
-            <a:off x="9353842" y="3233224"/>
-            <a:ext cx="1" cy="251183"/>
-          </a:xfrm>
-          <a:prstGeom prst="straightConnector1">
-            <a:avLst/>
-          </a:prstGeom>
-          <a:ln>
-            <a:solidFill>
-              <a:schemeClr val="tx1"/>
-            </a:solidFill>
-            <a:headEnd type="none" w="med" len="med"/>
-            <a:tailEnd type="triangle" w="med" len="med"/>
-          </a:ln>
-          <a:effectLst/>
-        </p:spPr>
-        <p:style>
-          <a:lnRef idx="1">
-            <a:schemeClr val="accent1"/>
-          </a:lnRef>
-          <a:fillRef idx="0">
-            <a:schemeClr val="accent1"/>
-          </a:fillRef>
-          <a:effectRef idx="0">
-            <a:schemeClr val="accent1"/>
-          </a:effectRef>
-          <a:fontRef idx="minor">
-            <a:schemeClr val="tx1"/>
-          </a:fontRef>
-        </p:style>
-      </p:cxnSp>
-      <p:cxnSp>
-        <p:nvCxnSpPr>
-          <p:cNvPr id="31" name="Straight Arrow Connector 30">
-            <a:extLst>
-              <a:ext uri="{FF2B5EF4-FFF2-40B4-BE49-F238E27FC236}">
-                <a16:creationId xmlns:a16="http://schemas.microsoft.com/office/drawing/2014/main" id="{D3BFA89C-ABE4-6643-999C-1E96158994A2}"/>
-              </a:ext>
-            </a:extLst>
-          </p:cNvPr>
-          <p:cNvCxnSpPr>
-            <a:cxnSpLocks/>
-            <a:stCxn id="27" idx="2"/>
-            <a:endCxn id="9" idx="0"/>
-          </p:cNvCxnSpPr>
-          <p:nvPr/>
-        </p:nvCxnSpPr>
-        <p:spPr>
-          <a:xfrm>
-            <a:off x="9353842" y="4052908"/>
-            <a:ext cx="1" cy="247116"/>
-          </a:xfrm>
-          <a:prstGeom prst="straightConnector1">
-            <a:avLst/>
-          </a:prstGeom>
-          <a:ln>
-            <a:solidFill>
-              <a:schemeClr val="tx1"/>
-            </a:solidFill>
-            <a:headEnd type="none" w="med" len="med"/>
-            <a:tailEnd type="triangle" w="med" len="med"/>
-          </a:ln>
-          <a:effectLst/>
-        </p:spPr>
-        <p:style>
-          <a:lnRef idx="1">
-            <a:schemeClr val="accent1"/>
-          </a:lnRef>
-          <a:fillRef idx="0">
-            <a:schemeClr val="accent1"/>
-          </a:fillRef>
-          <a:effectRef idx="0">
-            <a:schemeClr val="accent1"/>
-          </a:effectRef>
-          <a:fontRef idx="minor">
-            <a:schemeClr val="tx1"/>
-          </a:fontRef>
-        </p:style>
-      </p:cxnSp>
     </p:spTree>
     <p:extLst>
       <p:ext uri="{BB962C8B-B14F-4D97-AF65-F5344CB8AC3E}">
@@ -24270,9 +23371,6 @@
                     <p:cTn id="3" fill="hold">
                       <p:stCondLst>
                         <p:cond delay="indefinite"/>
-                        <p:cond evt="onBegin" delay="0">
-                          <p:tn val="2"/>
-                        </p:cond>
                       </p:stCondLst>
                       <p:childTnLst>
                         <p:par>
@@ -24282,7 +23380,7 @@
                             </p:stCondLst>
                             <p:childTnLst>
                               <p:par>
-                                <p:cTn id="5" presetID="1" presetClass="entr" presetSubtype="0" fill="hold" nodeType="afterEffect">
+                                <p:cTn id="5" presetID="10" presetClass="entr" presetSubtype="0" fill="hold" nodeType="clickEffect">
                                   <p:stCondLst>
                                     <p:cond delay="0"/>
                                   </p:stCondLst>
@@ -24295,7 +23393,11 @@
                                           </p:stCondLst>
                                         </p:cTn>
                                         <p:tgtEl>
-                                          <p:spTgt spid="6"/>
+                                          <p:spTgt spid="3">
+                                            <p:txEl>
+                                              <p:pRg st="5" end="5"/>
+                                            </p:txEl>
+                                          </p:spTgt>
                                         </p:tgtEl>
                                         <p:attrNameLst>
                                           <p:attrName>style.visibility</p:attrName>
@@ -24305,6 +23407,71 @@
                                         <p:strVal val="visible"/>
                                       </p:to>
                                     </p:set>
+                                    <p:animEffect transition="in" filter="fade">
+                                      <p:cBhvr>
+                                        <p:cTn id="7" dur="500"/>
+                                        <p:tgtEl>
+                                          <p:spTgt spid="3">
+                                            <p:txEl>
+                                              <p:pRg st="5" end="5"/>
+                                            </p:txEl>
+                                          </p:spTgt>
+                                        </p:tgtEl>
+                                      </p:cBhvr>
+                                    </p:animEffect>
+                                  </p:childTnLst>
+                                </p:cTn>
+                              </p:par>
+                            </p:childTnLst>
+                          </p:cTn>
+                        </p:par>
+                      </p:childTnLst>
+                    </p:cTn>
+                  </p:par>
+                  <p:par>
+                    <p:cTn id="8" fill="hold">
+                      <p:stCondLst>
+                        <p:cond delay="indefinite"/>
+                      </p:stCondLst>
+                      <p:childTnLst>
+                        <p:par>
+                          <p:cTn id="9" fill="hold">
+                            <p:stCondLst>
+                              <p:cond delay="0"/>
+                            </p:stCondLst>
+                            <p:childTnLst>
+                              <p:par>
+                                <p:cTn id="10" presetID="10" presetClass="entr" presetSubtype="0" fill="hold" nodeType="clickEffect">
+                                  <p:stCondLst>
+                                    <p:cond delay="0"/>
+                                  </p:stCondLst>
+                                  <p:childTnLst>
+                                    <p:set>
+                                      <p:cBhvr>
+                                        <p:cTn id="11" dur="1" fill="hold">
+                                          <p:stCondLst>
+                                            <p:cond delay="0"/>
+                                          </p:stCondLst>
+                                        </p:cTn>
+                                        <p:tgtEl>
+                                          <p:spTgt spid="10"/>
+                                        </p:tgtEl>
+                                        <p:attrNameLst>
+                                          <p:attrName>style.visibility</p:attrName>
+                                        </p:attrNameLst>
+                                      </p:cBhvr>
+                                      <p:to>
+                                        <p:strVal val="visible"/>
+                                      </p:to>
+                                    </p:set>
+                                    <p:animEffect transition="in" filter="fade">
+                                      <p:cBhvr>
+                                        <p:cTn id="12" dur="500"/>
+                                        <p:tgtEl>
+                                          <p:spTgt spid="10"/>
+                                        </p:tgtEl>
+                                      </p:cBhvr>
+                                    </p:animEffect>
                                   </p:childTnLst>
                                 </p:cTn>
                               </p:par>
@@ -25280,6 +24447,193 @@
   <p:clrMapOvr>
     <a:masterClrMapping/>
   </p:clrMapOvr>
+  <p:timing>
+    <p:tnLst>
+      <p:par>
+        <p:cTn id="1" dur="indefinite" restart="never" nodeType="tmRoot">
+          <p:childTnLst>
+            <p:seq concurrent="1" nextAc="seek">
+              <p:cTn id="2" dur="indefinite" nodeType="mainSeq">
+                <p:childTnLst>
+                  <p:par>
+                    <p:cTn id="3" fill="hold">
+                      <p:stCondLst>
+                        <p:cond delay="indefinite"/>
+                      </p:stCondLst>
+                      <p:childTnLst>
+                        <p:par>
+                          <p:cTn id="4" fill="hold">
+                            <p:stCondLst>
+                              <p:cond delay="0"/>
+                            </p:stCondLst>
+                            <p:childTnLst>
+                              <p:par>
+                                <p:cTn id="5" presetID="10" presetClass="entr" presetSubtype="0" fill="hold" nodeType="clickEffect">
+                                  <p:stCondLst>
+                                    <p:cond delay="0"/>
+                                  </p:stCondLst>
+                                  <p:childTnLst>
+                                    <p:set>
+                                      <p:cBhvr>
+                                        <p:cTn id="6" dur="1" fill="hold">
+                                          <p:stCondLst>
+                                            <p:cond delay="0"/>
+                                          </p:stCondLst>
+                                        </p:cTn>
+                                        <p:tgtEl>
+                                          <p:spTgt spid="3">
+                                            <p:txEl>
+                                              <p:pRg st="6" end="6"/>
+                                            </p:txEl>
+                                          </p:spTgt>
+                                        </p:tgtEl>
+                                        <p:attrNameLst>
+                                          <p:attrName>style.visibility</p:attrName>
+                                        </p:attrNameLst>
+                                      </p:cBhvr>
+                                      <p:to>
+                                        <p:strVal val="visible"/>
+                                      </p:to>
+                                    </p:set>
+                                    <p:animEffect transition="in" filter="fade">
+                                      <p:cBhvr>
+                                        <p:cTn id="7" dur="500"/>
+                                        <p:tgtEl>
+                                          <p:spTgt spid="3">
+                                            <p:txEl>
+                                              <p:pRg st="6" end="6"/>
+                                            </p:txEl>
+                                          </p:spTgt>
+                                        </p:tgtEl>
+                                      </p:cBhvr>
+                                    </p:animEffect>
+                                  </p:childTnLst>
+                                </p:cTn>
+                              </p:par>
+                              <p:par>
+                                <p:cTn id="8" presetID="10" presetClass="entr" presetSubtype="0" fill="hold" nodeType="withEffect">
+                                  <p:stCondLst>
+                                    <p:cond delay="0"/>
+                                  </p:stCondLst>
+                                  <p:childTnLst>
+                                    <p:set>
+                                      <p:cBhvr>
+                                        <p:cTn id="9" dur="1" fill="hold">
+                                          <p:stCondLst>
+                                            <p:cond delay="0"/>
+                                          </p:stCondLst>
+                                        </p:cTn>
+                                        <p:tgtEl>
+                                          <p:spTgt spid="3">
+                                            <p:txEl>
+                                              <p:pRg st="7" end="7"/>
+                                            </p:txEl>
+                                          </p:spTgt>
+                                        </p:tgtEl>
+                                        <p:attrNameLst>
+                                          <p:attrName>style.visibility</p:attrName>
+                                        </p:attrNameLst>
+                                      </p:cBhvr>
+                                      <p:to>
+                                        <p:strVal val="visible"/>
+                                      </p:to>
+                                    </p:set>
+                                    <p:animEffect transition="in" filter="fade">
+                                      <p:cBhvr>
+                                        <p:cTn id="10" dur="500"/>
+                                        <p:tgtEl>
+                                          <p:spTgt spid="3">
+                                            <p:txEl>
+                                              <p:pRg st="7" end="7"/>
+                                            </p:txEl>
+                                          </p:spTgt>
+                                        </p:tgtEl>
+                                      </p:cBhvr>
+                                    </p:animEffect>
+                                  </p:childTnLst>
+                                </p:cTn>
+                              </p:par>
+                            </p:childTnLst>
+                          </p:cTn>
+                        </p:par>
+                      </p:childTnLst>
+                    </p:cTn>
+                  </p:par>
+                  <p:par>
+                    <p:cTn id="11" fill="hold">
+                      <p:stCondLst>
+                        <p:cond delay="indefinite"/>
+                      </p:stCondLst>
+                      <p:childTnLst>
+                        <p:par>
+                          <p:cTn id="12" fill="hold">
+                            <p:stCondLst>
+                              <p:cond delay="0"/>
+                            </p:stCondLst>
+                            <p:childTnLst>
+                              <p:par>
+                                <p:cTn id="13" presetID="10" presetClass="entr" presetSubtype="0" fill="hold" nodeType="clickEffect">
+                                  <p:stCondLst>
+                                    <p:cond delay="0"/>
+                                  </p:stCondLst>
+                                  <p:childTnLst>
+                                    <p:set>
+                                      <p:cBhvr>
+                                        <p:cTn id="14" dur="1" fill="hold">
+                                          <p:stCondLst>
+                                            <p:cond delay="0"/>
+                                          </p:stCondLst>
+                                        </p:cTn>
+                                        <p:tgtEl>
+                                          <p:spTgt spid="6"/>
+                                        </p:tgtEl>
+                                        <p:attrNameLst>
+                                          <p:attrName>style.visibility</p:attrName>
+                                        </p:attrNameLst>
+                                      </p:cBhvr>
+                                      <p:to>
+                                        <p:strVal val="visible"/>
+                                      </p:to>
+                                    </p:set>
+                                    <p:animEffect transition="in" filter="fade">
+                                      <p:cBhvr>
+                                        <p:cTn id="15" dur="500"/>
+                                        <p:tgtEl>
+                                          <p:spTgt spid="6"/>
+                                        </p:tgtEl>
+                                      </p:cBhvr>
+                                    </p:animEffect>
+                                  </p:childTnLst>
+                                </p:cTn>
+                              </p:par>
+                            </p:childTnLst>
+                          </p:cTn>
+                        </p:par>
+                      </p:childTnLst>
+                    </p:cTn>
+                  </p:par>
+                </p:childTnLst>
+              </p:cTn>
+              <p:prevCondLst>
+                <p:cond evt="onPrev" delay="0">
+                  <p:tgtEl>
+                    <p:sldTgt/>
+                  </p:tgtEl>
+                </p:cond>
+              </p:prevCondLst>
+              <p:nextCondLst>
+                <p:cond evt="onNext" delay="0">
+                  <p:tgtEl>
+                    <p:sldTgt/>
+                  </p:tgtEl>
+                </p:cond>
+              </p:nextCondLst>
+            </p:seq>
+          </p:childTnLst>
+        </p:cTn>
+      </p:par>
+    </p:tnLst>
+  </p:timing>
 </p:sld>
 </file>
 
@@ -28677,10 +28031,10 @@
       </p:grpSp>
       <p:sp>
         <p:nvSpPr>
-          <p:cNvPr id="21" name="Rectangle 20">
+          <p:cNvPr id="23" name="Rectangle 22">
             <a:extLst>
               <a:ext uri="{FF2B5EF4-FFF2-40B4-BE49-F238E27FC236}">
-                <a16:creationId xmlns:a16="http://schemas.microsoft.com/office/drawing/2014/main" id="{217799C5-761D-3049-AC92-5ADEE5610F60}"/>
+                <a16:creationId xmlns:a16="http://schemas.microsoft.com/office/drawing/2014/main" id="{0E71D69A-782F-D647-979D-139C915DDAD4}"/>
               </a:ext>
             </a:extLst>
           </p:cNvPr>
@@ -28689,10 +28043,65 @@
         </p:nvSpPr>
         <p:spPr>
           <a:xfrm>
-            <a:off x="954578" y="5987018"/>
-            <a:ext cx="4996517" cy="369332"/>
+            <a:off x="6240904" y="4696979"/>
+            <a:ext cx="4996517" cy="654510"/>
           </a:xfrm>
           <a:prstGeom prst="rect">
+            <a:avLst/>
+          </a:prstGeom>
+          <a:noFill/>
+          <a:ln w="28575" cap="flat">
+            <a:solidFill>
+              <a:srgbClr val="00B0F0"/>
+            </a:solidFill>
+            <a:miter lim="400000"/>
+          </a:ln>
+          <a:effectLst>
+            <a:outerShdw blurRad="50800" dist="12700" rotWithShape="0">
+              <a:srgbClr val="000000">
+                <a:alpha val="50000"/>
+              </a:srgbClr>
+            </a:outerShdw>
+          </a:effectLst>
+          <a:extLst>
+            <a:ext uri="{C572A759-6A51-4108-AA02-DFA0A04FC94B}">
+              <ma14:wrappingTextBoxFlag xmlns:ma14="http://schemas.microsoft.com/office/mac/drawingml/2011/main" xmlns="" val="1"/>
+            </a:ext>
+          </a:extLst>
+        </p:spPr>
+        <p:txBody>
+          <a:bodyPr wrap="square" lIns="50800" tIns="50800" rIns="50800" bIns="50800" numCol="1" rtlCol="0" anchor="ctr">
+            <a:noAutofit/>
+          </a:bodyPr>
+          <a:lstStyle/>
+          <a:p>
+            <a:pPr algn="ctr"/>
+            <a:endParaRPr lang="en-US" sz="2400" dirty="0">
+              <a:solidFill>
+                <a:srgbClr val="FFFFFF"/>
+              </a:solidFill>
+            </a:endParaRPr>
+          </a:p>
+        </p:txBody>
+      </p:sp>
+      <p:sp>
+        <p:nvSpPr>
+          <p:cNvPr id="24" name="Oval 23">
+            <a:extLst>
+              <a:ext uri="{FF2B5EF4-FFF2-40B4-BE49-F238E27FC236}">
+                <a16:creationId xmlns:a16="http://schemas.microsoft.com/office/drawing/2014/main" id="{903DC693-7C0F-9E42-9BAE-F08B726CA536}"/>
+              </a:ext>
+            </a:extLst>
+          </p:cNvPr>
+          <p:cNvSpPr/>
+          <p:nvPr/>
+        </p:nvSpPr>
+        <p:spPr>
+          <a:xfrm>
+            <a:off x="6700604" y="4565565"/>
+            <a:ext cx="1049311" cy="525467"/>
+          </a:xfrm>
+          <a:prstGeom prst="ellipse">
             <a:avLst/>
           </a:prstGeom>
           <a:noFill/>
@@ -28732,10 +28141,10 @@
       </p:sp>
       <p:sp>
         <p:nvSpPr>
-          <p:cNvPr id="22" name="Rectangle 21">
+          <p:cNvPr id="25" name="Oval 24">
             <a:extLst>
               <a:ext uri="{FF2B5EF4-FFF2-40B4-BE49-F238E27FC236}">
-                <a16:creationId xmlns:a16="http://schemas.microsoft.com/office/drawing/2014/main" id="{1E91A912-E81E-F445-8B1A-A63FBEDF0430}"/>
+                <a16:creationId xmlns:a16="http://schemas.microsoft.com/office/drawing/2014/main" id="{91465A01-EFB2-3A40-B675-A06115522788}"/>
               </a:ext>
             </a:extLst>
           </p:cNvPr>
@@ -28744,71 +28153,16 @@
         </p:nvSpPr>
         <p:spPr>
           <a:xfrm>
-            <a:off x="6249892" y="5977205"/>
-            <a:ext cx="4996517" cy="369332"/>
+            <a:off x="8214506" y="5902040"/>
+            <a:ext cx="1049311" cy="525467"/>
           </a:xfrm>
-          <a:prstGeom prst="rect">
+          <a:prstGeom prst="ellipse">
             <a:avLst/>
           </a:prstGeom>
           <a:noFill/>
           <a:ln w="28575" cap="flat">
             <a:solidFill>
               <a:srgbClr val="FF0000"/>
-            </a:solidFill>
-            <a:miter lim="400000"/>
-          </a:ln>
-          <a:effectLst>
-            <a:outerShdw blurRad="50800" dist="12700" rotWithShape="0">
-              <a:srgbClr val="000000">
-                <a:alpha val="50000"/>
-              </a:srgbClr>
-            </a:outerShdw>
-          </a:effectLst>
-          <a:extLst>
-            <a:ext uri="{C572A759-6A51-4108-AA02-DFA0A04FC94B}">
-              <ma14:wrappingTextBoxFlag xmlns:ma14="http://schemas.microsoft.com/office/mac/drawingml/2011/main" xmlns="" val="1"/>
-            </a:ext>
-          </a:extLst>
-        </p:spPr>
-        <p:txBody>
-          <a:bodyPr wrap="square" lIns="50800" tIns="50800" rIns="50800" bIns="50800" numCol="1" rtlCol="0" anchor="ctr">
-            <a:noAutofit/>
-          </a:bodyPr>
-          <a:lstStyle/>
-          <a:p>
-            <a:pPr algn="ctr"/>
-            <a:endParaRPr lang="en-US" sz="2400" dirty="0">
-              <a:solidFill>
-                <a:srgbClr val="FFFFFF"/>
-              </a:solidFill>
-            </a:endParaRPr>
-          </a:p>
-        </p:txBody>
-      </p:sp>
-      <p:sp>
-        <p:nvSpPr>
-          <p:cNvPr id="23" name="Rectangle 22">
-            <a:extLst>
-              <a:ext uri="{FF2B5EF4-FFF2-40B4-BE49-F238E27FC236}">
-                <a16:creationId xmlns:a16="http://schemas.microsoft.com/office/drawing/2014/main" id="{0E71D69A-782F-D647-979D-139C915DDAD4}"/>
-              </a:ext>
-            </a:extLst>
-          </p:cNvPr>
-          <p:cNvSpPr/>
-          <p:nvPr/>
-        </p:nvSpPr>
-        <p:spPr>
-          <a:xfrm>
-            <a:off x="6240904" y="4696979"/>
-            <a:ext cx="4996517" cy="654510"/>
-          </a:xfrm>
-          <a:prstGeom prst="rect">
-            <a:avLst/>
-          </a:prstGeom>
-          <a:noFill/>
-          <a:ln w="28575" cap="flat">
-            <a:solidFill>
-              <a:srgbClr val="00B0F0"/>
             </a:solidFill>
             <a:miter lim="400000"/>
           </a:ln>
@@ -28871,7 +28225,7 @@
                             </p:stCondLst>
                             <p:childTnLst>
                               <p:par>
-                                <p:cTn id="5" presetID="10" presetClass="entr" presetSubtype="0" fill="hold" grpId="0" nodeType="clickEffect">
+                                <p:cTn id="5" presetID="10" presetClass="entr" presetSubtype="0" fill="hold" nodeType="clickEffect">
                                   <p:stCondLst>
                                     <p:cond delay="0"/>
                                   </p:stCondLst>
@@ -28884,7 +28238,11 @@
                                           </p:stCondLst>
                                         </p:cTn>
                                         <p:tgtEl>
-                                          <p:spTgt spid="23"/>
+                                          <p:spTgt spid="3">
+                                            <p:txEl>
+                                              <p:pRg st="0" end="0"/>
+                                            </p:txEl>
+                                          </p:spTgt>
                                         </p:tgtEl>
                                         <p:attrNameLst>
                                           <p:attrName>style.visibility</p:attrName>
@@ -28898,7 +28256,11 @@
                                       <p:cBhvr>
                                         <p:cTn id="7" dur="500"/>
                                         <p:tgtEl>
-                                          <p:spTgt spid="23"/>
+                                          <p:spTgt spid="3">
+                                            <p:txEl>
+                                              <p:pRg st="0" end="0"/>
+                                            </p:txEl>
+                                          </p:spTgt>
                                         </p:tgtEl>
                                       </p:cBhvr>
                                     </p:animEffect>
@@ -28937,7 +28299,7 @@
                                           </p:stCondLst>
                                         </p:cTn>
                                         <p:tgtEl>
-                                          <p:spTgt spid="21"/>
+                                          <p:spTgt spid="23"/>
                                         </p:tgtEl>
                                         <p:attrNameLst>
                                           <p:attrName>style.visibility</p:attrName>
@@ -28951,7 +28313,7 @@
                                       <p:cBhvr>
                                         <p:cTn id="12" dur="500"/>
                                         <p:tgtEl>
-                                          <p:spTgt spid="21"/>
+                                          <p:spTgt spid="23"/>
                                         </p:tgtEl>
                                       </p:cBhvr>
                                     </p:animEffect>
@@ -28959,20 +28321,73 @@
                                 </p:cTn>
                               </p:par>
                               <p:par>
-                                <p:cTn id="13" presetID="10" presetClass="entr" presetSubtype="0" fill="hold" grpId="0" nodeType="withEffect">
+                                <p:cTn id="13" presetID="10" presetClass="exit" presetSubtype="0" fill="hold" grpId="1" nodeType="withEffect">
+                                  <p:stCondLst>
+                                    <p:cond delay="0"/>
+                                  </p:stCondLst>
+                                  <p:childTnLst>
+                                    <p:animEffect transition="out" filter="fade">
+                                      <p:cBhvr>
+                                        <p:cTn id="14" dur="500"/>
+                                        <p:tgtEl>
+                                          <p:spTgt spid="23"/>
+                                        </p:tgtEl>
+                                      </p:cBhvr>
+                                    </p:animEffect>
+                                    <p:set>
+                                      <p:cBhvr>
+                                        <p:cTn id="15" dur="1" fill="hold">
+                                          <p:stCondLst>
+                                            <p:cond delay="499"/>
+                                          </p:stCondLst>
+                                        </p:cTn>
+                                        <p:tgtEl>
+                                          <p:spTgt spid="23"/>
+                                        </p:tgtEl>
+                                        <p:attrNameLst>
+                                          <p:attrName>style.visibility</p:attrName>
+                                        </p:attrNameLst>
+                                      </p:cBhvr>
+                                      <p:to>
+                                        <p:strVal val="hidden"/>
+                                      </p:to>
+                                    </p:set>
+                                  </p:childTnLst>
+                                </p:cTn>
+                              </p:par>
+                            </p:childTnLst>
+                          </p:cTn>
+                        </p:par>
+                      </p:childTnLst>
+                    </p:cTn>
+                  </p:par>
+                  <p:par>
+                    <p:cTn id="16" fill="hold">
+                      <p:stCondLst>
+                        <p:cond delay="indefinite"/>
+                      </p:stCondLst>
+                      <p:childTnLst>
+                        <p:par>
+                          <p:cTn id="17" fill="hold">
+                            <p:stCondLst>
+                              <p:cond delay="0"/>
+                            </p:stCondLst>
+                            <p:childTnLst>
+                              <p:par>
+                                <p:cTn id="18" presetID="10" presetClass="entr" presetSubtype="0" fill="hold" grpId="0" nodeType="clickEffect">
                                   <p:stCondLst>
                                     <p:cond delay="0"/>
                                   </p:stCondLst>
                                   <p:childTnLst>
                                     <p:set>
                                       <p:cBhvr>
-                                        <p:cTn id="14" dur="1" fill="hold">
+                                        <p:cTn id="19" dur="1" fill="hold">
                                           <p:stCondLst>
                                             <p:cond delay="0"/>
                                           </p:stCondLst>
                                         </p:cTn>
                                         <p:tgtEl>
-                                          <p:spTgt spid="22"/>
+                                          <p:spTgt spid="24"/>
                                         </p:tgtEl>
                                         <p:attrNameLst>
                                           <p:attrName>style.visibility</p:attrName>
@@ -28984,9 +28399,62 @@
                                     </p:set>
                                     <p:animEffect transition="in" filter="fade">
                                       <p:cBhvr>
-                                        <p:cTn id="15" dur="500"/>
+                                        <p:cTn id="20" dur="500"/>
                                         <p:tgtEl>
-                                          <p:spTgt spid="22"/>
+                                          <p:spTgt spid="24"/>
+                                        </p:tgtEl>
+                                      </p:cBhvr>
+                                    </p:animEffect>
+                                  </p:childTnLst>
+                                </p:cTn>
+                              </p:par>
+                            </p:childTnLst>
+                          </p:cTn>
+                        </p:par>
+                      </p:childTnLst>
+                    </p:cTn>
+                  </p:par>
+                  <p:par>
+                    <p:cTn id="21" fill="hold">
+                      <p:stCondLst>
+                        <p:cond delay="indefinite"/>
+                      </p:stCondLst>
+                      <p:childTnLst>
+                        <p:par>
+                          <p:cTn id="22" fill="hold">
+                            <p:stCondLst>
+                              <p:cond delay="0"/>
+                            </p:stCondLst>
+                            <p:childTnLst>
+                              <p:par>
+                                <p:cTn id="23" presetID="10" presetClass="entr" presetSubtype="0" fill="hold" grpId="0" nodeType="clickEffect">
+                                  <p:stCondLst>
+                                    <p:cond delay="0"/>
+                                  </p:stCondLst>
+                                  <p:childTnLst>
+                                    <p:set>
+                                      <p:cBhvr>
+                                        <p:cTn id="24" dur="1" fill="hold">
+                                          <p:stCondLst>
+                                            <p:cond delay="0"/>
+                                          </p:stCondLst>
+                                        </p:cTn>
+                                        <p:tgtEl>
+                                          <p:spTgt spid="25"/>
+                                        </p:tgtEl>
+                                        <p:attrNameLst>
+                                          <p:attrName>style.visibility</p:attrName>
+                                        </p:attrNameLst>
+                                      </p:cBhvr>
+                                      <p:to>
+                                        <p:strVal val="visible"/>
+                                      </p:to>
+                                    </p:set>
+                                    <p:animEffect transition="in" filter="fade">
+                                      <p:cBhvr>
+                                        <p:cTn id="25" dur="500"/>
+                                        <p:tgtEl>
+                                          <p:spTgt spid="25"/>
                                         </p:tgtEl>
                                       </p:cBhvr>
                                     </p:animEffect>
@@ -29021,9 +28489,10 @@
       </p:par>
     </p:tnLst>
     <p:bldLst>
-      <p:bldP spid="21" grpId="0" animBg="1"/>
-      <p:bldP spid="22" grpId="0" animBg="1"/>
       <p:bldP spid="23" grpId="0" animBg="1"/>
+      <p:bldP spid="23" grpId="1" animBg="1"/>
+      <p:bldP spid="24" grpId="0" animBg="1"/>
+      <p:bldP spid="25" grpId="0" animBg="1"/>
     </p:bldLst>
   </p:timing>
 </p:sld>
@@ -30295,7 +29764,7 @@
                             </p:stCondLst>
                             <p:childTnLst>
                               <p:par>
-                                <p:cTn id="5" presetID="10" presetClass="entr" presetSubtype="0" fill="hold" grpId="0" nodeType="clickEffect">
+                                <p:cTn id="5" presetID="10" presetClass="entr" presetSubtype="0" fill="hold" nodeType="clickEffect">
                                   <p:stCondLst>
                                     <p:cond delay="0"/>
                                   </p:stCondLst>
@@ -30308,7 +29777,11 @@
                                           </p:stCondLst>
                                         </p:cTn>
                                         <p:tgtEl>
-                                          <p:spTgt spid="13"/>
+                                          <p:spTgt spid="3">
+                                            <p:txEl>
+                                              <p:pRg st="1" end="1"/>
+                                            </p:txEl>
+                                          </p:spTgt>
                                         </p:tgtEl>
                                         <p:attrNameLst>
                                           <p:attrName>style.visibility</p:attrName>
@@ -30322,7 +29795,11 @@
                                       <p:cBhvr>
                                         <p:cTn id="7" dur="500"/>
                                         <p:tgtEl>
-                                          <p:spTgt spid="13"/>
+                                          <p:spTgt spid="3">
+                                            <p:txEl>
+                                              <p:pRg st="1" end="1"/>
+                                            </p:txEl>
+                                          </p:spTgt>
                                         </p:tgtEl>
                                       </p:cBhvr>
                                     </p:animEffect>
@@ -30348,14 +29825,67 @@
                             </p:stCondLst>
                             <p:childTnLst>
                               <p:par>
-                                <p:cTn id="10" presetID="10" presetClass="exit" presetSubtype="0" fill="hold" grpId="1" nodeType="clickEffect">
+                                <p:cTn id="10" presetID="10" presetClass="entr" presetSubtype="0" fill="hold" grpId="0" nodeType="clickEffect">
+                                  <p:stCondLst>
+                                    <p:cond delay="0"/>
+                                  </p:stCondLst>
+                                  <p:childTnLst>
+                                    <p:set>
+                                      <p:cBhvr>
+                                        <p:cTn id="11" dur="1" fill="hold">
+                                          <p:stCondLst>
+                                            <p:cond delay="0"/>
+                                          </p:stCondLst>
+                                        </p:cTn>
+                                        <p:tgtEl>
+                                          <p:spTgt spid="13"/>
+                                        </p:tgtEl>
+                                        <p:attrNameLst>
+                                          <p:attrName>style.visibility</p:attrName>
+                                        </p:attrNameLst>
+                                      </p:cBhvr>
+                                      <p:to>
+                                        <p:strVal val="visible"/>
+                                      </p:to>
+                                    </p:set>
+                                    <p:animEffect transition="in" filter="fade">
+                                      <p:cBhvr>
+                                        <p:cTn id="12" dur="500"/>
+                                        <p:tgtEl>
+                                          <p:spTgt spid="13"/>
+                                        </p:tgtEl>
+                                      </p:cBhvr>
+                                    </p:animEffect>
+                                  </p:childTnLst>
+                                </p:cTn>
+                              </p:par>
+                            </p:childTnLst>
+                          </p:cTn>
+                        </p:par>
+                      </p:childTnLst>
+                    </p:cTn>
+                  </p:par>
+                  <p:par>
+                    <p:cTn id="13" fill="hold">
+                      <p:stCondLst>
+                        <p:cond delay="indefinite"/>
+                      </p:stCondLst>
+                      <p:childTnLst>
+                        <p:par>
+                          <p:cTn id="14" fill="hold">
+                            <p:stCondLst>
+                              <p:cond delay="0"/>
+                            </p:stCondLst>
+                            <p:childTnLst>
+                              <p:par>
+                                <p:cTn id="15" presetID="10" presetClass="exit" presetSubtype="0" fill="hold" grpId="1" nodeType="clickEffect">
                                   <p:stCondLst>
                                     <p:cond delay="0"/>
                                   </p:stCondLst>
                                   <p:childTnLst>
                                     <p:animEffect transition="out" filter="fade">
                                       <p:cBhvr>
-                                        <p:cTn id="11" dur="500"/>
+                                        <p:cTn id="16" dur="500"/>
                                         <p:tgtEl>
                                           <p:spTgt spid="13"/>
                                         </p:tgtEl>
@@ -30363,7 +29893,7 @@
                                     </p:animEffect>
                                     <p:set>
                                       <p:cBhvr>
-                                        <p:cTn id="12" dur="1" fill="hold">
+                                        <p:cTn id="17" dur="1" fill="hold">
                                           <p:stCondLst>
                                             <p:cond delay="499"/>
                                           </p:stCondLst>
